--- a/tech report/figures/figures.pptx
+++ b/tech report/figures/figures.pptx
@@ -5,11 +5,9 @@
     <p:sldMasterId id="2147483648" r:id="rId1"/>
   </p:sldMasterIdLst>
   <p:sldIdLst>
-    <p:sldId id="256" r:id="rId2"/>
-    <p:sldId id="257" r:id="rId3"/>
-    <p:sldId id="258" r:id="rId4"/>
-    <p:sldId id="259" r:id="rId5"/>
-    <p:sldId id="260" r:id="rId6"/>
+    <p:sldId id="258" r:id="rId2"/>
+    <p:sldId id="259" r:id="rId3"/>
+    <p:sldId id="260" r:id="rId4"/>
   </p:sldIdLst>
   <p:sldSz cx="12192000" cy="6858000"/>
   <p:notesSz cx="6858000" cy="9144000"/>
@@ -265,7 +263,7 @@
           <a:p>
             <a:fld id="{7778782A-36FD-4F54-8915-1B0418E9EAF5}" type="datetimeFigureOut">
               <a:rPr lang="en-PH" smtClean="0"/>
-              <a:t>22/10/2020</a:t>
+              <a:t>21/11/2020</a:t>
             </a:fld>
             <a:endParaRPr lang="en-PH"/>
           </a:p>
@@ -465,7 +463,7 @@
           <a:p>
             <a:fld id="{7778782A-36FD-4F54-8915-1B0418E9EAF5}" type="datetimeFigureOut">
               <a:rPr lang="en-PH" smtClean="0"/>
-              <a:t>22/10/2020</a:t>
+              <a:t>21/11/2020</a:t>
             </a:fld>
             <a:endParaRPr lang="en-PH"/>
           </a:p>
@@ -675,7 +673,7 @@
           <a:p>
             <a:fld id="{7778782A-36FD-4F54-8915-1B0418E9EAF5}" type="datetimeFigureOut">
               <a:rPr lang="en-PH" smtClean="0"/>
-              <a:t>22/10/2020</a:t>
+              <a:t>21/11/2020</a:t>
             </a:fld>
             <a:endParaRPr lang="en-PH"/>
           </a:p>
@@ -875,7 +873,7 @@
           <a:p>
             <a:fld id="{7778782A-36FD-4F54-8915-1B0418E9EAF5}" type="datetimeFigureOut">
               <a:rPr lang="en-PH" smtClean="0"/>
-              <a:t>22/10/2020</a:t>
+              <a:t>21/11/2020</a:t>
             </a:fld>
             <a:endParaRPr lang="en-PH"/>
           </a:p>
@@ -1151,7 +1149,7 @@
           <a:p>
             <a:fld id="{7778782A-36FD-4F54-8915-1B0418E9EAF5}" type="datetimeFigureOut">
               <a:rPr lang="en-PH" smtClean="0"/>
-              <a:t>22/10/2020</a:t>
+              <a:t>21/11/2020</a:t>
             </a:fld>
             <a:endParaRPr lang="en-PH"/>
           </a:p>
@@ -1419,7 +1417,7 @@
           <a:p>
             <a:fld id="{7778782A-36FD-4F54-8915-1B0418E9EAF5}" type="datetimeFigureOut">
               <a:rPr lang="en-PH" smtClean="0"/>
-              <a:t>22/10/2020</a:t>
+              <a:t>21/11/2020</a:t>
             </a:fld>
             <a:endParaRPr lang="en-PH"/>
           </a:p>
@@ -1834,7 +1832,7 @@
           <a:p>
             <a:fld id="{7778782A-36FD-4F54-8915-1B0418E9EAF5}" type="datetimeFigureOut">
               <a:rPr lang="en-PH" smtClean="0"/>
-              <a:t>22/10/2020</a:t>
+              <a:t>21/11/2020</a:t>
             </a:fld>
             <a:endParaRPr lang="en-PH"/>
           </a:p>
@@ -1976,7 +1974,7 @@
           <a:p>
             <a:fld id="{7778782A-36FD-4F54-8915-1B0418E9EAF5}" type="datetimeFigureOut">
               <a:rPr lang="en-PH" smtClean="0"/>
-              <a:t>22/10/2020</a:t>
+              <a:t>21/11/2020</a:t>
             </a:fld>
             <a:endParaRPr lang="en-PH"/>
           </a:p>
@@ -2089,7 +2087,7 @@
           <a:p>
             <a:fld id="{7778782A-36FD-4F54-8915-1B0418E9EAF5}" type="datetimeFigureOut">
               <a:rPr lang="en-PH" smtClean="0"/>
-              <a:t>22/10/2020</a:t>
+              <a:t>21/11/2020</a:t>
             </a:fld>
             <a:endParaRPr lang="en-PH"/>
           </a:p>
@@ -2402,7 +2400,7 @@
           <a:p>
             <a:fld id="{7778782A-36FD-4F54-8915-1B0418E9EAF5}" type="datetimeFigureOut">
               <a:rPr lang="en-PH" smtClean="0"/>
-              <a:t>22/10/2020</a:t>
+              <a:t>21/11/2020</a:t>
             </a:fld>
             <a:endParaRPr lang="en-PH"/>
           </a:p>
@@ -2691,7 +2689,7 @@
           <a:p>
             <a:fld id="{7778782A-36FD-4F54-8915-1B0418E9EAF5}" type="datetimeFigureOut">
               <a:rPr lang="en-PH" smtClean="0"/>
-              <a:t>22/10/2020</a:t>
+              <a:t>21/11/2020</a:t>
             </a:fld>
             <a:endParaRPr lang="en-PH"/>
           </a:p>
@@ -2934,7 +2932,7 @@
           <a:p>
             <a:fld id="{7778782A-36FD-4F54-8915-1B0418E9EAF5}" type="datetimeFigureOut">
               <a:rPr lang="en-PH" smtClean="0"/>
-              <a:t>22/10/2020</a:t>
+              <a:t>21/11/2020</a:t>
             </a:fld>
             <a:endParaRPr lang="en-PH"/>
           </a:p>
@@ -3335,6934 +3333,6 @@
 </file>
 
 <file path=ppt/slides/slide1.xml><?xml version="1.0" encoding="utf-8"?>
-<p:sld xmlns:a="http://schemas.openxmlformats.org/drawingml/2006/main" xmlns:r="http://schemas.openxmlformats.org/officeDocument/2006/relationships" xmlns:p="http://schemas.openxmlformats.org/presentationml/2006/main">
-  <p:cSld>
-    <p:spTree>
-      <p:nvGrpSpPr>
-        <p:cNvPr id="1" name=""/>
-        <p:cNvGrpSpPr/>
-        <p:nvPr/>
-      </p:nvGrpSpPr>
-      <p:grpSpPr>
-        <a:xfrm>
-          <a:off x="0" y="0"/>
-          <a:ext cx="0" cy="0"/>
-          <a:chOff x="0" y="0"/>
-          <a:chExt cx="0" cy="0"/>
-        </a:xfrm>
-      </p:grpSpPr>
-      <p:grpSp>
-        <p:nvGrpSpPr>
-          <p:cNvPr id="257" name="Group 256">
-            <a:extLst>
-              <a:ext uri="{FF2B5EF4-FFF2-40B4-BE49-F238E27FC236}">
-                <a16:creationId xmlns:a16="http://schemas.microsoft.com/office/drawing/2014/main" id="{3780B51D-4D78-4193-B1C9-949D73E1A70F}"/>
-              </a:ext>
-            </a:extLst>
-          </p:cNvPr>
-          <p:cNvGrpSpPr/>
-          <p:nvPr/>
-        </p:nvGrpSpPr>
-        <p:grpSpPr>
-          <a:xfrm>
-            <a:off x="5113400" y="1850856"/>
-            <a:ext cx="2898001" cy="3464583"/>
-            <a:chOff x="1562351" y="1291297"/>
-            <a:chExt cx="2898001" cy="3464583"/>
-          </a:xfrm>
-        </p:grpSpPr>
-        <p:cxnSp>
-          <p:nvCxnSpPr>
-            <p:cNvPr id="258" name="Straight Connector 257">
-              <a:extLst>
-                <a:ext uri="{FF2B5EF4-FFF2-40B4-BE49-F238E27FC236}">
-                  <a16:creationId xmlns:a16="http://schemas.microsoft.com/office/drawing/2014/main" id="{B50008C5-5A6B-4622-B073-99644C2B3DA8}"/>
-                </a:ext>
-              </a:extLst>
-            </p:cNvPr>
-            <p:cNvCxnSpPr>
-              <a:cxnSpLocks/>
-            </p:cNvCxnSpPr>
-            <p:nvPr/>
-          </p:nvCxnSpPr>
-          <p:spPr>
-            <a:xfrm>
-              <a:off x="2048351" y="2460567"/>
-              <a:ext cx="0" cy="1080000"/>
-            </a:xfrm>
-            <a:prstGeom prst="line">
-              <a:avLst/>
-            </a:prstGeom>
-            <a:ln w="15875">
-              <a:solidFill>
-                <a:schemeClr val="tx1"/>
-              </a:solidFill>
-            </a:ln>
-          </p:spPr>
-          <p:style>
-            <a:lnRef idx="1">
-              <a:schemeClr val="accent1"/>
-            </a:lnRef>
-            <a:fillRef idx="0">
-              <a:schemeClr val="accent1"/>
-            </a:fillRef>
-            <a:effectRef idx="0">
-              <a:schemeClr val="accent1"/>
-            </a:effectRef>
-            <a:fontRef idx="minor">
-              <a:schemeClr val="tx1"/>
-            </a:fontRef>
-          </p:style>
-        </p:cxnSp>
-        <p:cxnSp>
-          <p:nvCxnSpPr>
-            <p:cNvPr id="259" name="Straight Connector 258">
-              <a:extLst>
-                <a:ext uri="{FF2B5EF4-FFF2-40B4-BE49-F238E27FC236}">
-                  <a16:creationId xmlns:a16="http://schemas.microsoft.com/office/drawing/2014/main" id="{3FF5E70B-CB9B-4BC1-B8B2-5F33461E8847}"/>
-                </a:ext>
-              </a:extLst>
-            </p:cNvPr>
-            <p:cNvCxnSpPr>
-              <a:cxnSpLocks/>
-            </p:cNvCxnSpPr>
-            <p:nvPr/>
-          </p:nvCxnSpPr>
-          <p:spPr>
-            <a:xfrm>
-              <a:off x="2948351" y="2460567"/>
-              <a:ext cx="0" cy="898583"/>
-            </a:xfrm>
-            <a:prstGeom prst="line">
-              <a:avLst/>
-            </a:prstGeom>
-            <a:ln w="15875">
-              <a:solidFill>
-                <a:schemeClr val="tx1"/>
-              </a:solidFill>
-            </a:ln>
-          </p:spPr>
-          <p:style>
-            <a:lnRef idx="1">
-              <a:schemeClr val="accent1"/>
-            </a:lnRef>
-            <a:fillRef idx="0">
-              <a:schemeClr val="accent1"/>
-            </a:fillRef>
-            <a:effectRef idx="0">
-              <a:schemeClr val="accent1"/>
-            </a:effectRef>
-            <a:fontRef idx="minor">
-              <a:schemeClr val="tx1"/>
-            </a:fontRef>
-          </p:style>
-        </p:cxnSp>
-        <p:cxnSp>
-          <p:nvCxnSpPr>
-            <p:cNvPr id="260" name="Straight Connector 259">
-              <a:extLst>
-                <a:ext uri="{FF2B5EF4-FFF2-40B4-BE49-F238E27FC236}">
-                  <a16:creationId xmlns:a16="http://schemas.microsoft.com/office/drawing/2014/main" id="{CC304778-65F2-4A5B-8089-879AA3CD157B}"/>
-                </a:ext>
-              </a:extLst>
-            </p:cNvPr>
-            <p:cNvCxnSpPr>
-              <a:cxnSpLocks/>
-            </p:cNvCxnSpPr>
-            <p:nvPr/>
-          </p:nvCxnSpPr>
-          <p:spPr>
-            <a:xfrm>
-              <a:off x="3848351" y="2460567"/>
-              <a:ext cx="0" cy="516157"/>
-            </a:xfrm>
-            <a:prstGeom prst="line">
-              <a:avLst/>
-            </a:prstGeom>
-            <a:ln w="15875">
-              <a:solidFill>
-                <a:schemeClr val="tx1"/>
-              </a:solidFill>
-            </a:ln>
-          </p:spPr>
-          <p:style>
-            <a:lnRef idx="1">
-              <a:schemeClr val="accent1"/>
-            </a:lnRef>
-            <a:fillRef idx="0">
-              <a:schemeClr val="accent1"/>
-            </a:fillRef>
-            <a:effectRef idx="0">
-              <a:schemeClr val="accent1"/>
-            </a:effectRef>
-            <a:fontRef idx="minor">
-              <a:schemeClr val="tx1"/>
-            </a:fontRef>
-          </p:style>
-        </p:cxnSp>
-        <p:cxnSp>
-          <p:nvCxnSpPr>
-            <p:cNvPr id="261" name="Straight Connector 260">
-              <a:extLst>
-                <a:ext uri="{FF2B5EF4-FFF2-40B4-BE49-F238E27FC236}">
-                  <a16:creationId xmlns:a16="http://schemas.microsoft.com/office/drawing/2014/main" id="{A46BE198-6317-43FF-9BCE-31289F731C9F}"/>
-                </a:ext>
-              </a:extLst>
-            </p:cNvPr>
-            <p:cNvCxnSpPr>
-              <a:cxnSpLocks/>
-            </p:cNvCxnSpPr>
-            <p:nvPr/>
-          </p:nvCxnSpPr>
-          <p:spPr>
-            <a:xfrm>
-              <a:off x="1688351" y="2460567"/>
-              <a:ext cx="2520000" cy="0"/>
-            </a:xfrm>
-            <a:prstGeom prst="line">
-              <a:avLst/>
-            </a:prstGeom>
-            <a:ln w="31750">
-              <a:solidFill>
-                <a:schemeClr val="tx1"/>
-              </a:solidFill>
-            </a:ln>
-          </p:spPr>
-          <p:style>
-            <a:lnRef idx="1">
-              <a:schemeClr val="accent1"/>
-            </a:lnRef>
-            <a:fillRef idx="0">
-              <a:schemeClr val="accent1"/>
-            </a:fillRef>
-            <a:effectRef idx="0">
-              <a:schemeClr val="accent1"/>
-            </a:effectRef>
-            <a:fontRef idx="minor">
-              <a:schemeClr val="tx1"/>
-            </a:fontRef>
-          </p:style>
-        </p:cxnSp>
-        <p:cxnSp>
-          <p:nvCxnSpPr>
-            <p:cNvPr id="262" name="Straight Connector 261">
-              <a:extLst>
-                <a:ext uri="{FF2B5EF4-FFF2-40B4-BE49-F238E27FC236}">
-                  <a16:creationId xmlns:a16="http://schemas.microsoft.com/office/drawing/2014/main" id="{CCFF247B-03D6-4B3F-B349-5926D3AE5158}"/>
-                </a:ext>
-              </a:extLst>
-            </p:cNvPr>
-            <p:cNvCxnSpPr>
-              <a:cxnSpLocks/>
-            </p:cNvCxnSpPr>
-            <p:nvPr/>
-          </p:nvCxnSpPr>
-          <p:spPr>
-            <a:xfrm>
-              <a:off x="2948351" y="2085975"/>
-              <a:ext cx="0" cy="374592"/>
-            </a:xfrm>
-            <a:prstGeom prst="line">
-              <a:avLst/>
-            </a:prstGeom>
-            <a:ln w="15875">
-              <a:solidFill>
-                <a:schemeClr val="tx1"/>
-              </a:solidFill>
-            </a:ln>
-          </p:spPr>
-          <p:style>
-            <a:lnRef idx="1">
-              <a:schemeClr val="accent1"/>
-            </a:lnRef>
-            <a:fillRef idx="0">
-              <a:schemeClr val="accent1"/>
-            </a:fillRef>
-            <a:effectRef idx="0">
-              <a:schemeClr val="accent1"/>
-            </a:effectRef>
-            <a:fontRef idx="minor">
-              <a:schemeClr val="tx1"/>
-            </a:fontRef>
-          </p:style>
-        </p:cxnSp>
-        <p:sp>
-          <p:nvSpPr>
-            <p:cNvPr id="263" name="Oval 262">
-              <a:extLst>
-                <a:ext uri="{FF2B5EF4-FFF2-40B4-BE49-F238E27FC236}">
-                  <a16:creationId xmlns:a16="http://schemas.microsoft.com/office/drawing/2014/main" id="{368A88C0-3CBB-47BA-9024-2419BC249277}"/>
-                </a:ext>
-              </a:extLst>
-            </p:cNvPr>
-            <p:cNvSpPr>
-              <a:spLocks noChangeAspect="1"/>
-            </p:cNvSpPr>
-            <p:nvPr/>
-          </p:nvSpPr>
-          <p:spPr>
-            <a:xfrm>
-              <a:off x="2642350" y="1291297"/>
-              <a:ext cx="612000" cy="612000"/>
-            </a:xfrm>
-            <a:prstGeom prst="ellipse">
-              <a:avLst/>
-            </a:prstGeom>
-            <a:noFill/>
-            <a:ln w="19050">
-              <a:solidFill>
-                <a:schemeClr val="tx1"/>
-              </a:solidFill>
-            </a:ln>
-          </p:spPr>
-          <p:style>
-            <a:lnRef idx="2">
-              <a:schemeClr val="accent1">
-                <a:shade val="50000"/>
-              </a:schemeClr>
-            </a:lnRef>
-            <a:fillRef idx="1">
-              <a:schemeClr val="accent1"/>
-            </a:fillRef>
-            <a:effectRef idx="0">
-              <a:schemeClr val="accent1"/>
-            </a:effectRef>
-            <a:fontRef idx="minor">
-              <a:schemeClr val="lt1"/>
-            </a:fontRef>
-          </p:style>
-          <p:txBody>
-            <a:bodyPr rtlCol="0" anchor="ctr"/>
-            <a:lstStyle/>
-            <a:p>
-              <a:pPr algn="ctr"/>
-              <a:endParaRPr lang="en-PH"/>
-            </a:p>
-          </p:txBody>
-        </p:sp>
-        <p:sp>
-          <p:nvSpPr>
-            <p:cNvPr id="264" name="Oval 263">
-              <a:extLst>
-                <a:ext uri="{FF2B5EF4-FFF2-40B4-BE49-F238E27FC236}">
-                  <a16:creationId xmlns:a16="http://schemas.microsoft.com/office/drawing/2014/main" id="{D67B089B-5684-454B-BC7E-BF672B1E87AD}"/>
-                </a:ext>
-              </a:extLst>
-            </p:cNvPr>
-            <p:cNvSpPr>
-              <a:spLocks noChangeAspect="1"/>
-            </p:cNvSpPr>
-            <p:nvPr/>
-          </p:nvSpPr>
-          <p:spPr>
-            <a:xfrm>
-              <a:off x="2642350" y="1473062"/>
-              <a:ext cx="612000" cy="612000"/>
-            </a:xfrm>
-            <a:prstGeom prst="ellipse">
-              <a:avLst/>
-            </a:prstGeom>
-            <a:noFill/>
-            <a:ln w="19050">
-              <a:solidFill>
-                <a:schemeClr val="tx1"/>
-              </a:solidFill>
-            </a:ln>
-          </p:spPr>
-          <p:style>
-            <a:lnRef idx="2">
-              <a:schemeClr val="accent1">
-                <a:shade val="50000"/>
-              </a:schemeClr>
-            </a:lnRef>
-            <a:fillRef idx="1">
-              <a:schemeClr val="accent1"/>
-            </a:fillRef>
-            <a:effectRef idx="0">
-              <a:schemeClr val="accent1"/>
-            </a:effectRef>
-            <a:fontRef idx="minor">
-              <a:schemeClr val="lt1"/>
-            </a:fontRef>
-          </p:style>
-          <p:txBody>
-            <a:bodyPr rtlCol="0" anchor="ctr"/>
-            <a:lstStyle/>
-            <a:p>
-              <a:pPr algn="ctr"/>
-              <a:endParaRPr lang="en-PH"/>
-            </a:p>
-          </p:txBody>
-        </p:sp>
-        <p:sp>
-          <p:nvSpPr>
-            <p:cNvPr id="265" name="Isosceles Triangle 264">
-              <a:extLst>
-                <a:ext uri="{FF2B5EF4-FFF2-40B4-BE49-F238E27FC236}">
-                  <a16:creationId xmlns:a16="http://schemas.microsoft.com/office/drawing/2014/main" id="{91E2E64E-C71E-4D34-BE35-F75E4DCEFAFD}"/>
-                </a:ext>
-              </a:extLst>
-            </p:cNvPr>
-            <p:cNvSpPr/>
-            <p:nvPr/>
-          </p:nvSpPr>
-          <p:spPr>
-            <a:xfrm flipV="1">
-              <a:off x="1562351" y="3138584"/>
-              <a:ext cx="252000" cy="252000"/>
-            </a:xfrm>
-            <a:prstGeom prst="triangle">
-              <a:avLst/>
-            </a:prstGeom>
-            <a:solidFill>
-              <a:schemeClr val="tx1"/>
-            </a:solidFill>
-            <a:ln>
-              <a:solidFill>
-                <a:schemeClr val="tx1"/>
-              </a:solidFill>
-            </a:ln>
-          </p:spPr>
-          <p:style>
-            <a:lnRef idx="2">
-              <a:schemeClr val="accent1">
-                <a:shade val="50000"/>
-              </a:schemeClr>
-            </a:lnRef>
-            <a:fillRef idx="1">
-              <a:schemeClr val="accent1"/>
-            </a:fillRef>
-            <a:effectRef idx="0">
-              <a:schemeClr val="accent1"/>
-            </a:effectRef>
-            <a:fontRef idx="minor">
-              <a:schemeClr val="lt1"/>
-            </a:fontRef>
-          </p:style>
-          <p:txBody>
-            <a:bodyPr rtlCol="0" anchor="ctr"/>
-            <a:lstStyle/>
-            <a:p>
-              <a:pPr algn="ctr"/>
-              <a:endParaRPr lang="en-PH"/>
-            </a:p>
-          </p:txBody>
-        </p:sp>
-        <p:sp>
-          <p:nvSpPr>
-            <p:cNvPr id="266" name="Oval 265">
-              <a:extLst>
-                <a:ext uri="{FF2B5EF4-FFF2-40B4-BE49-F238E27FC236}">
-                  <a16:creationId xmlns:a16="http://schemas.microsoft.com/office/drawing/2014/main" id="{5F332D43-8736-424C-B2F6-BC1944BD0F6F}"/>
-                </a:ext>
-              </a:extLst>
-            </p:cNvPr>
-            <p:cNvSpPr>
-              <a:spLocks noChangeAspect="1"/>
-            </p:cNvSpPr>
-            <p:nvPr/>
-          </p:nvSpPr>
-          <p:spPr>
-            <a:xfrm>
-              <a:off x="2030351" y="2933980"/>
-              <a:ext cx="36000" cy="36000"/>
-            </a:xfrm>
-            <a:prstGeom prst="ellipse">
-              <a:avLst/>
-            </a:prstGeom>
-            <a:solidFill>
-              <a:schemeClr val="tx1"/>
-            </a:solidFill>
-            <a:ln w="19050">
-              <a:solidFill>
-                <a:schemeClr val="tx1"/>
-              </a:solidFill>
-            </a:ln>
-          </p:spPr>
-          <p:style>
-            <a:lnRef idx="2">
-              <a:schemeClr val="accent1">
-                <a:shade val="50000"/>
-              </a:schemeClr>
-            </a:lnRef>
-            <a:fillRef idx="1">
-              <a:schemeClr val="accent1"/>
-            </a:fillRef>
-            <a:effectRef idx="0">
-              <a:schemeClr val="accent1"/>
-            </a:effectRef>
-            <a:fontRef idx="minor">
-              <a:schemeClr val="lt1"/>
-            </a:fontRef>
-          </p:style>
-          <p:txBody>
-            <a:bodyPr rtlCol="0" anchor="ctr"/>
-            <a:lstStyle/>
-            <a:p>
-              <a:pPr algn="ctr"/>
-              <a:endParaRPr lang="en-PH"/>
-            </a:p>
-          </p:txBody>
-        </p:sp>
-        <p:sp>
-          <p:nvSpPr>
-            <p:cNvPr id="267" name="Oval 266">
-              <a:extLst>
-                <a:ext uri="{FF2B5EF4-FFF2-40B4-BE49-F238E27FC236}">
-                  <a16:creationId xmlns:a16="http://schemas.microsoft.com/office/drawing/2014/main" id="{3214AF59-14C0-4593-A8E6-9B38E086FAD4}"/>
-                </a:ext>
-              </a:extLst>
-            </p:cNvPr>
-            <p:cNvSpPr>
-              <a:spLocks noChangeAspect="1"/>
-            </p:cNvSpPr>
-            <p:nvPr/>
-          </p:nvSpPr>
-          <p:spPr>
-            <a:xfrm>
-              <a:off x="2030351" y="3522568"/>
-              <a:ext cx="36000" cy="36000"/>
-            </a:xfrm>
-            <a:prstGeom prst="ellipse">
-              <a:avLst/>
-            </a:prstGeom>
-            <a:solidFill>
-              <a:schemeClr val="tx1"/>
-            </a:solidFill>
-            <a:ln w="19050">
-              <a:solidFill>
-                <a:schemeClr val="tx1"/>
-              </a:solidFill>
-            </a:ln>
-          </p:spPr>
-          <p:style>
-            <a:lnRef idx="2">
-              <a:schemeClr val="accent1">
-                <a:shade val="50000"/>
-              </a:schemeClr>
-            </a:lnRef>
-            <a:fillRef idx="1">
-              <a:schemeClr val="accent1"/>
-            </a:fillRef>
-            <a:effectRef idx="0">
-              <a:schemeClr val="accent1"/>
-            </a:effectRef>
-            <a:fontRef idx="minor">
-              <a:schemeClr val="lt1"/>
-            </a:fontRef>
-          </p:style>
-          <p:txBody>
-            <a:bodyPr rtlCol="0" anchor="ctr"/>
-            <a:lstStyle/>
-            <a:p>
-              <a:pPr algn="ctr"/>
-              <a:endParaRPr lang="en-PH"/>
-            </a:p>
-          </p:txBody>
-        </p:sp>
-        <p:sp>
-          <p:nvSpPr>
-            <p:cNvPr id="268" name="Isosceles Triangle 267">
-              <a:extLst>
-                <a:ext uri="{FF2B5EF4-FFF2-40B4-BE49-F238E27FC236}">
-                  <a16:creationId xmlns:a16="http://schemas.microsoft.com/office/drawing/2014/main" id="{93B1A6B6-23D1-45EB-B538-126731230DE8}"/>
-                </a:ext>
-              </a:extLst>
-            </p:cNvPr>
-            <p:cNvSpPr/>
-            <p:nvPr/>
-          </p:nvSpPr>
-          <p:spPr>
-            <a:xfrm flipV="1">
-              <a:off x="1922351" y="3674269"/>
-              <a:ext cx="252000" cy="252000"/>
-            </a:xfrm>
-            <a:prstGeom prst="triangle">
-              <a:avLst/>
-            </a:prstGeom>
-            <a:solidFill>
-              <a:schemeClr val="tx1"/>
-            </a:solidFill>
-            <a:ln>
-              <a:solidFill>
-                <a:schemeClr val="tx1"/>
-              </a:solidFill>
-            </a:ln>
-          </p:spPr>
-          <p:style>
-            <a:lnRef idx="2">
-              <a:schemeClr val="accent1">
-                <a:shade val="50000"/>
-              </a:schemeClr>
-            </a:lnRef>
-            <a:fillRef idx="1">
-              <a:schemeClr val="accent1"/>
-            </a:fillRef>
-            <a:effectRef idx="0">
-              <a:schemeClr val="accent1"/>
-            </a:effectRef>
-            <a:fontRef idx="minor">
-              <a:schemeClr val="lt1"/>
-            </a:fontRef>
-          </p:style>
-          <p:txBody>
-            <a:bodyPr rtlCol="0" anchor="ctr"/>
-            <a:lstStyle/>
-            <a:p>
-              <a:pPr algn="ctr"/>
-              <a:endParaRPr lang="en-PH"/>
-            </a:p>
-          </p:txBody>
-        </p:sp>
-        <p:cxnSp>
-          <p:nvCxnSpPr>
-            <p:cNvPr id="269" name="Connector: Elbow 268">
-              <a:extLst>
-                <a:ext uri="{FF2B5EF4-FFF2-40B4-BE49-F238E27FC236}">
-                  <a16:creationId xmlns:a16="http://schemas.microsoft.com/office/drawing/2014/main" id="{DC610702-3D9F-4181-BAEE-0E9EF79C2EAB}"/>
-                </a:ext>
-              </a:extLst>
-            </p:cNvPr>
-            <p:cNvCxnSpPr>
-              <a:stCxn id="265" idx="3"/>
-              <a:endCxn id="266" idx="2"/>
-            </p:cNvCxnSpPr>
-            <p:nvPr/>
-          </p:nvCxnSpPr>
-          <p:spPr>
-            <a:xfrm rot="5400000" flipH="1" flipV="1">
-              <a:off x="1766049" y="2874282"/>
-              <a:ext cx="186604" cy="342000"/>
-            </a:xfrm>
-            <a:prstGeom prst="bentConnector2">
-              <a:avLst/>
-            </a:prstGeom>
-            <a:ln>
-              <a:solidFill>
-                <a:schemeClr val="tx1"/>
-              </a:solidFill>
-            </a:ln>
-          </p:spPr>
-          <p:style>
-            <a:lnRef idx="1">
-              <a:schemeClr val="accent1"/>
-            </a:lnRef>
-            <a:fillRef idx="0">
-              <a:schemeClr val="accent1"/>
-            </a:fillRef>
-            <a:effectRef idx="0">
-              <a:schemeClr val="accent1"/>
-            </a:effectRef>
-            <a:fontRef idx="minor">
-              <a:schemeClr val="tx1"/>
-            </a:fontRef>
-          </p:style>
-        </p:cxnSp>
-        <p:cxnSp>
-          <p:nvCxnSpPr>
-            <p:cNvPr id="270" name="Straight Connector 269">
-              <a:extLst>
-                <a:ext uri="{FF2B5EF4-FFF2-40B4-BE49-F238E27FC236}">
-                  <a16:creationId xmlns:a16="http://schemas.microsoft.com/office/drawing/2014/main" id="{CEDD8EF0-B4F4-4F71-9DC0-4F60A11AD452}"/>
-                </a:ext>
-              </a:extLst>
-            </p:cNvPr>
-            <p:cNvCxnSpPr>
-              <a:cxnSpLocks/>
-              <a:stCxn id="268" idx="3"/>
-              <a:endCxn id="267" idx="4"/>
-            </p:cNvCxnSpPr>
-            <p:nvPr/>
-          </p:nvCxnSpPr>
-          <p:spPr>
-            <a:xfrm flipV="1">
-              <a:off x="2048351" y="3558568"/>
-              <a:ext cx="0" cy="115701"/>
-            </a:xfrm>
-            <a:prstGeom prst="line">
-              <a:avLst/>
-            </a:prstGeom>
-            <a:ln>
-              <a:solidFill>
-                <a:schemeClr val="tx1"/>
-              </a:solidFill>
-            </a:ln>
-          </p:spPr>
-          <p:style>
-            <a:lnRef idx="1">
-              <a:schemeClr val="accent1"/>
-            </a:lnRef>
-            <a:fillRef idx="0">
-              <a:schemeClr val="accent1"/>
-            </a:fillRef>
-            <a:effectRef idx="0">
-              <a:schemeClr val="accent1"/>
-            </a:effectRef>
-            <a:fontRef idx="minor">
-              <a:schemeClr val="tx1"/>
-            </a:fontRef>
-          </p:style>
-        </p:cxnSp>
-        <p:sp>
-          <p:nvSpPr>
-            <p:cNvPr id="271" name="Oval 270">
-              <a:extLst>
-                <a:ext uri="{FF2B5EF4-FFF2-40B4-BE49-F238E27FC236}">
-                  <a16:creationId xmlns:a16="http://schemas.microsoft.com/office/drawing/2014/main" id="{6D007429-62ED-4FCC-8749-671FE76FFDAF}"/>
-                </a:ext>
-              </a:extLst>
-            </p:cNvPr>
-            <p:cNvSpPr>
-              <a:spLocks noChangeAspect="1"/>
-            </p:cNvSpPr>
-            <p:nvPr/>
-          </p:nvSpPr>
-          <p:spPr>
-            <a:xfrm>
-              <a:off x="2930351" y="2940724"/>
-              <a:ext cx="36000" cy="36000"/>
-            </a:xfrm>
-            <a:prstGeom prst="ellipse">
-              <a:avLst/>
-            </a:prstGeom>
-            <a:solidFill>
-              <a:schemeClr val="tx1"/>
-            </a:solidFill>
-            <a:ln w="19050">
-              <a:solidFill>
-                <a:schemeClr val="tx1"/>
-              </a:solidFill>
-            </a:ln>
-          </p:spPr>
-          <p:style>
-            <a:lnRef idx="2">
-              <a:schemeClr val="accent1">
-                <a:shade val="50000"/>
-              </a:schemeClr>
-            </a:lnRef>
-            <a:fillRef idx="1">
-              <a:schemeClr val="accent1"/>
-            </a:fillRef>
-            <a:effectRef idx="0">
-              <a:schemeClr val="accent1"/>
-            </a:effectRef>
-            <a:fontRef idx="minor">
-              <a:schemeClr val="lt1"/>
-            </a:fontRef>
-          </p:style>
-          <p:txBody>
-            <a:bodyPr rtlCol="0" anchor="ctr"/>
-            <a:lstStyle/>
-            <a:p>
-              <a:pPr algn="ctr"/>
-              <a:endParaRPr lang="en-PH"/>
-            </a:p>
-          </p:txBody>
-        </p:sp>
-        <p:sp>
-          <p:nvSpPr>
-            <p:cNvPr id="272" name="Isosceles Triangle 271">
-              <a:extLst>
-                <a:ext uri="{FF2B5EF4-FFF2-40B4-BE49-F238E27FC236}">
-                  <a16:creationId xmlns:a16="http://schemas.microsoft.com/office/drawing/2014/main" id="{BE6EB69C-B50A-4BC4-8FC2-4A410567AA8C}"/>
-                </a:ext>
-              </a:extLst>
-            </p:cNvPr>
-            <p:cNvSpPr/>
-            <p:nvPr/>
-          </p:nvSpPr>
-          <p:spPr>
-            <a:xfrm flipV="1">
-              <a:off x="2463126" y="3150598"/>
-              <a:ext cx="252000" cy="252000"/>
-            </a:xfrm>
-            <a:prstGeom prst="triangle">
-              <a:avLst/>
-            </a:prstGeom>
-            <a:solidFill>
-              <a:schemeClr val="tx1"/>
-            </a:solidFill>
-            <a:ln>
-              <a:solidFill>
-                <a:schemeClr val="tx1"/>
-              </a:solidFill>
-            </a:ln>
-          </p:spPr>
-          <p:style>
-            <a:lnRef idx="2">
-              <a:schemeClr val="accent1">
-                <a:shade val="50000"/>
-              </a:schemeClr>
-            </a:lnRef>
-            <a:fillRef idx="1">
-              <a:schemeClr val="accent1"/>
-            </a:fillRef>
-            <a:effectRef idx="0">
-              <a:schemeClr val="accent1"/>
-            </a:effectRef>
-            <a:fontRef idx="minor">
-              <a:schemeClr val="lt1"/>
-            </a:fontRef>
-          </p:style>
-          <p:txBody>
-            <a:bodyPr rtlCol="0" anchor="ctr"/>
-            <a:lstStyle/>
-            <a:p>
-              <a:pPr algn="ctr"/>
-              <a:endParaRPr lang="en-PH"/>
-            </a:p>
-          </p:txBody>
-        </p:sp>
-        <p:cxnSp>
-          <p:nvCxnSpPr>
-            <p:cNvPr id="273" name="Connector: Elbow 272">
-              <a:extLst>
-                <a:ext uri="{FF2B5EF4-FFF2-40B4-BE49-F238E27FC236}">
-                  <a16:creationId xmlns:a16="http://schemas.microsoft.com/office/drawing/2014/main" id="{75D00A4E-D7C5-4851-B5D8-88F35BA10F91}"/>
-                </a:ext>
-              </a:extLst>
-            </p:cNvPr>
-            <p:cNvCxnSpPr>
-              <a:cxnSpLocks/>
-            </p:cNvCxnSpPr>
-            <p:nvPr/>
-          </p:nvCxnSpPr>
-          <p:spPr>
-            <a:xfrm rot="5400000" flipH="1" flipV="1">
-              <a:off x="2666049" y="2881026"/>
-              <a:ext cx="186604" cy="342000"/>
-            </a:xfrm>
-            <a:prstGeom prst="bentConnector2">
-              <a:avLst/>
-            </a:prstGeom>
-            <a:ln>
-              <a:solidFill>
-                <a:schemeClr val="tx1"/>
-              </a:solidFill>
-            </a:ln>
-          </p:spPr>
-          <p:style>
-            <a:lnRef idx="1">
-              <a:schemeClr val="accent1"/>
-            </a:lnRef>
-            <a:fillRef idx="0">
-              <a:schemeClr val="accent1"/>
-            </a:fillRef>
-            <a:effectRef idx="0">
-              <a:schemeClr val="accent1"/>
-            </a:effectRef>
-            <a:fontRef idx="minor">
-              <a:schemeClr val="tx1"/>
-            </a:fontRef>
-          </p:style>
-        </p:cxnSp>
-        <p:grpSp>
-          <p:nvGrpSpPr>
-            <p:cNvPr id="274" name="Group 273">
-              <a:extLst>
-                <a:ext uri="{FF2B5EF4-FFF2-40B4-BE49-F238E27FC236}">
-                  <a16:creationId xmlns:a16="http://schemas.microsoft.com/office/drawing/2014/main" id="{E2735A6A-0D70-48F8-B155-24FAB53C55CE}"/>
-                </a:ext>
-              </a:extLst>
-            </p:cNvPr>
-            <p:cNvGrpSpPr/>
-            <p:nvPr/>
-          </p:nvGrpSpPr>
-          <p:grpSpPr>
-            <a:xfrm>
-              <a:off x="2930351" y="3438162"/>
-              <a:ext cx="36000" cy="342791"/>
-              <a:chOff x="2930351" y="3438162"/>
-              <a:chExt cx="36000" cy="342791"/>
-            </a:xfrm>
-          </p:grpSpPr>
-          <p:sp>
-            <p:nvSpPr>
-              <p:cNvPr id="313" name="Oval 312">
-                <a:extLst>
-                  <a:ext uri="{FF2B5EF4-FFF2-40B4-BE49-F238E27FC236}">
-                    <a16:creationId xmlns:a16="http://schemas.microsoft.com/office/drawing/2014/main" id="{34A54D33-A5D3-4B66-A177-67B57353D2F6}"/>
-                  </a:ext>
-                </a:extLst>
-              </p:cNvPr>
-              <p:cNvSpPr>
-                <a:spLocks noChangeAspect="1"/>
-              </p:cNvSpPr>
-              <p:nvPr/>
-            </p:nvSpPr>
-            <p:spPr>
-              <a:xfrm>
-                <a:off x="2930351" y="3438162"/>
-                <a:ext cx="36000" cy="36000"/>
-              </a:xfrm>
-              <a:prstGeom prst="ellipse">
-                <a:avLst/>
-              </a:prstGeom>
-              <a:solidFill>
-                <a:schemeClr val="tx1"/>
-              </a:solidFill>
-              <a:ln w="19050">
-                <a:solidFill>
-                  <a:schemeClr val="tx1"/>
-                </a:solidFill>
-              </a:ln>
-            </p:spPr>
-            <p:style>
-              <a:lnRef idx="2">
-                <a:schemeClr val="accent1">
-                  <a:shade val="50000"/>
-                </a:schemeClr>
-              </a:lnRef>
-              <a:fillRef idx="1">
-                <a:schemeClr val="accent1"/>
-              </a:fillRef>
-              <a:effectRef idx="0">
-                <a:schemeClr val="accent1"/>
-              </a:effectRef>
-              <a:fontRef idx="minor">
-                <a:schemeClr val="lt1"/>
-              </a:fontRef>
-            </p:style>
-            <p:txBody>
-              <a:bodyPr rtlCol="0" anchor="ctr"/>
-              <a:lstStyle/>
-              <a:p>
-                <a:pPr algn="ctr"/>
-                <a:endParaRPr lang="en-PH"/>
-              </a:p>
-            </p:txBody>
-          </p:sp>
-          <p:sp>
-            <p:nvSpPr>
-              <p:cNvPr id="314" name="Oval 313">
-                <a:extLst>
-                  <a:ext uri="{FF2B5EF4-FFF2-40B4-BE49-F238E27FC236}">
-                    <a16:creationId xmlns:a16="http://schemas.microsoft.com/office/drawing/2014/main" id="{28D55550-5213-44EB-A398-52016D952C2B}"/>
-                  </a:ext>
-                </a:extLst>
-              </p:cNvPr>
-              <p:cNvSpPr>
-                <a:spLocks noChangeAspect="1"/>
-              </p:cNvSpPr>
-              <p:nvPr/>
-            </p:nvSpPr>
-            <p:spPr>
-              <a:xfrm>
-                <a:off x="2930351" y="3591557"/>
-                <a:ext cx="36000" cy="36000"/>
-              </a:xfrm>
-              <a:prstGeom prst="ellipse">
-                <a:avLst/>
-              </a:prstGeom>
-              <a:solidFill>
-                <a:schemeClr val="tx1"/>
-              </a:solidFill>
-              <a:ln w="19050">
-                <a:solidFill>
-                  <a:schemeClr val="tx1"/>
-                </a:solidFill>
-              </a:ln>
-            </p:spPr>
-            <p:style>
-              <a:lnRef idx="2">
-                <a:schemeClr val="accent1">
-                  <a:shade val="50000"/>
-                </a:schemeClr>
-              </a:lnRef>
-              <a:fillRef idx="1">
-                <a:schemeClr val="accent1"/>
-              </a:fillRef>
-              <a:effectRef idx="0">
-                <a:schemeClr val="accent1"/>
-              </a:effectRef>
-              <a:fontRef idx="minor">
-                <a:schemeClr val="lt1"/>
-              </a:fontRef>
-            </p:style>
-            <p:txBody>
-              <a:bodyPr rtlCol="0" anchor="ctr"/>
-              <a:lstStyle/>
-              <a:p>
-                <a:pPr algn="ctr"/>
-                <a:endParaRPr lang="en-PH"/>
-              </a:p>
-            </p:txBody>
-          </p:sp>
-          <p:sp>
-            <p:nvSpPr>
-              <p:cNvPr id="315" name="Oval 314">
-                <a:extLst>
-                  <a:ext uri="{FF2B5EF4-FFF2-40B4-BE49-F238E27FC236}">
-                    <a16:creationId xmlns:a16="http://schemas.microsoft.com/office/drawing/2014/main" id="{DEC29646-BA55-4844-937D-BFEADDD27AF3}"/>
-                  </a:ext>
-                </a:extLst>
-              </p:cNvPr>
-              <p:cNvSpPr>
-                <a:spLocks noChangeAspect="1"/>
-              </p:cNvSpPr>
-              <p:nvPr/>
-            </p:nvSpPr>
-            <p:spPr>
-              <a:xfrm>
-                <a:off x="2930351" y="3744953"/>
-                <a:ext cx="36000" cy="36000"/>
-              </a:xfrm>
-              <a:prstGeom prst="ellipse">
-                <a:avLst/>
-              </a:prstGeom>
-              <a:solidFill>
-                <a:schemeClr val="tx1"/>
-              </a:solidFill>
-              <a:ln w="19050">
-                <a:solidFill>
-                  <a:schemeClr val="tx1"/>
-                </a:solidFill>
-              </a:ln>
-            </p:spPr>
-            <p:style>
-              <a:lnRef idx="2">
-                <a:schemeClr val="accent1">
-                  <a:shade val="50000"/>
-                </a:schemeClr>
-              </a:lnRef>
-              <a:fillRef idx="1">
-                <a:schemeClr val="accent1"/>
-              </a:fillRef>
-              <a:effectRef idx="0">
-                <a:schemeClr val="accent1"/>
-              </a:effectRef>
-              <a:fontRef idx="minor">
-                <a:schemeClr val="lt1"/>
-              </a:fontRef>
-            </p:style>
-            <p:txBody>
-              <a:bodyPr rtlCol="0" anchor="ctr"/>
-              <a:lstStyle/>
-              <a:p>
-                <a:pPr algn="ctr"/>
-                <a:endParaRPr lang="en-PH"/>
-              </a:p>
-            </p:txBody>
-          </p:sp>
-        </p:grpSp>
-        <p:cxnSp>
-          <p:nvCxnSpPr>
-            <p:cNvPr id="275" name="Straight Connector 274">
-              <a:extLst>
-                <a:ext uri="{FF2B5EF4-FFF2-40B4-BE49-F238E27FC236}">
-                  <a16:creationId xmlns:a16="http://schemas.microsoft.com/office/drawing/2014/main" id="{33FF8B39-803B-42FF-82E7-660DC2A9D664}"/>
-                </a:ext>
-              </a:extLst>
-            </p:cNvPr>
-            <p:cNvCxnSpPr>
-              <a:cxnSpLocks/>
-            </p:cNvCxnSpPr>
-            <p:nvPr/>
-          </p:nvCxnSpPr>
-          <p:spPr>
-            <a:xfrm>
-              <a:off x="2948351" y="3871913"/>
-              <a:ext cx="0" cy="249075"/>
-            </a:xfrm>
-            <a:prstGeom prst="line">
-              <a:avLst/>
-            </a:prstGeom>
-            <a:ln w="15875">
-              <a:solidFill>
-                <a:schemeClr val="tx1"/>
-              </a:solidFill>
-            </a:ln>
-          </p:spPr>
-          <p:style>
-            <a:lnRef idx="1">
-              <a:schemeClr val="accent1"/>
-            </a:lnRef>
-            <a:fillRef idx="0">
-              <a:schemeClr val="accent1"/>
-            </a:fillRef>
-            <a:effectRef idx="0">
-              <a:schemeClr val="accent1"/>
-            </a:effectRef>
-            <a:fontRef idx="minor">
-              <a:schemeClr val="tx1"/>
-            </a:fontRef>
-          </p:style>
-        </p:cxnSp>
-        <p:sp>
-          <p:nvSpPr>
-            <p:cNvPr id="276" name="Oval 275">
-              <a:extLst>
-                <a:ext uri="{FF2B5EF4-FFF2-40B4-BE49-F238E27FC236}">
-                  <a16:creationId xmlns:a16="http://schemas.microsoft.com/office/drawing/2014/main" id="{7BEBA7F9-C31F-472B-ABFF-51B22AB7E9DD}"/>
-                </a:ext>
-              </a:extLst>
-            </p:cNvPr>
-            <p:cNvSpPr>
-              <a:spLocks noChangeAspect="1"/>
-            </p:cNvSpPr>
-            <p:nvPr/>
-          </p:nvSpPr>
-          <p:spPr>
-            <a:xfrm>
-              <a:off x="2930351" y="4102989"/>
-              <a:ext cx="36000" cy="36000"/>
-            </a:xfrm>
-            <a:prstGeom prst="ellipse">
-              <a:avLst/>
-            </a:prstGeom>
-            <a:solidFill>
-              <a:schemeClr val="tx1"/>
-            </a:solidFill>
-            <a:ln w="19050">
-              <a:solidFill>
-                <a:schemeClr val="tx1"/>
-              </a:solidFill>
-            </a:ln>
-          </p:spPr>
-          <p:style>
-            <a:lnRef idx="2">
-              <a:schemeClr val="accent1">
-                <a:shade val="50000"/>
-              </a:schemeClr>
-            </a:lnRef>
-            <a:fillRef idx="1">
-              <a:schemeClr val="accent1"/>
-            </a:fillRef>
-            <a:effectRef idx="0">
-              <a:schemeClr val="accent1"/>
-            </a:effectRef>
-            <a:fontRef idx="minor">
-              <a:schemeClr val="lt1"/>
-            </a:fontRef>
-          </p:style>
-          <p:txBody>
-            <a:bodyPr rtlCol="0" anchor="ctr"/>
-            <a:lstStyle/>
-            <a:p>
-              <a:pPr algn="ctr"/>
-              <a:endParaRPr lang="en-PH"/>
-            </a:p>
-          </p:txBody>
-        </p:sp>
-        <p:sp>
-          <p:nvSpPr>
-            <p:cNvPr id="277" name="Isosceles Triangle 276">
-              <a:extLst>
-                <a:ext uri="{FF2B5EF4-FFF2-40B4-BE49-F238E27FC236}">
-                  <a16:creationId xmlns:a16="http://schemas.microsoft.com/office/drawing/2014/main" id="{E6B86F47-0A94-4E45-A032-84850DD42C9E}"/>
-                </a:ext>
-              </a:extLst>
-            </p:cNvPr>
-            <p:cNvSpPr/>
-            <p:nvPr/>
-          </p:nvSpPr>
-          <p:spPr>
-            <a:xfrm flipV="1">
-              <a:off x="2822351" y="4254690"/>
-              <a:ext cx="252000" cy="252000"/>
-            </a:xfrm>
-            <a:prstGeom prst="triangle">
-              <a:avLst/>
-            </a:prstGeom>
-            <a:solidFill>
-              <a:schemeClr val="tx1"/>
-            </a:solidFill>
-            <a:ln>
-              <a:solidFill>
-                <a:schemeClr val="tx1"/>
-              </a:solidFill>
-            </a:ln>
-          </p:spPr>
-          <p:style>
-            <a:lnRef idx="2">
-              <a:schemeClr val="accent1">
-                <a:shade val="50000"/>
-              </a:schemeClr>
-            </a:lnRef>
-            <a:fillRef idx="1">
-              <a:schemeClr val="accent1"/>
-            </a:fillRef>
-            <a:effectRef idx="0">
-              <a:schemeClr val="accent1"/>
-            </a:effectRef>
-            <a:fontRef idx="minor">
-              <a:schemeClr val="lt1"/>
-            </a:fontRef>
-          </p:style>
-          <p:txBody>
-            <a:bodyPr rtlCol="0" anchor="ctr"/>
-            <a:lstStyle/>
-            <a:p>
-              <a:pPr algn="ctr"/>
-              <a:endParaRPr lang="en-PH"/>
-            </a:p>
-          </p:txBody>
-        </p:sp>
-        <p:cxnSp>
-          <p:nvCxnSpPr>
-            <p:cNvPr id="278" name="Straight Connector 277">
-              <a:extLst>
-                <a:ext uri="{FF2B5EF4-FFF2-40B4-BE49-F238E27FC236}">
-                  <a16:creationId xmlns:a16="http://schemas.microsoft.com/office/drawing/2014/main" id="{96630D41-852A-4865-8E58-72828F2EAD60}"/>
-                </a:ext>
-              </a:extLst>
-            </p:cNvPr>
-            <p:cNvCxnSpPr>
-              <a:cxnSpLocks/>
-              <a:stCxn id="277" idx="3"/>
-              <a:endCxn id="276" idx="4"/>
-            </p:cNvCxnSpPr>
-            <p:nvPr/>
-          </p:nvCxnSpPr>
-          <p:spPr>
-            <a:xfrm flipV="1">
-              <a:off x="2948351" y="4138989"/>
-              <a:ext cx="0" cy="115701"/>
-            </a:xfrm>
-            <a:prstGeom prst="line">
-              <a:avLst/>
-            </a:prstGeom>
-            <a:ln>
-              <a:solidFill>
-                <a:schemeClr val="tx1"/>
-              </a:solidFill>
-            </a:ln>
-          </p:spPr>
-          <p:style>
-            <a:lnRef idx="1">
-              <a:schemeClr val="accent1"/>
-            </a:lnRef>
-            <a:fillRef idx="0">
-              <a:schemeClr val="accent1"/>
-            </a:fillRef>
-            <a:effectRef idx="0">
-              <a:schemeClr val="accent1"/>
-            </a:effectRef>
-            <a:fontRef idx="minor">
-              <a:schemeClr val="tx1"/>
-            </a:fontRef>
-          </p:style>
-        </p:cxnSp>
-        <p:grpSp>
-          <p:nvGrpSpPr>
-            <p:cNvPr id="279" name="Group 278">
-              <a:extLst>
-                <a:ext uri="{FF2B5EF4-FFF2-40B4-BE49-F238E27FC236}">
-                  <a16:creationId xmlns:a16="http://schemas.microsoft.com/office/drawing/2014/main" id="{1BA9FA41-070B-4111-877F-6DA55FA97C99}"/>
-                </a:ext>
-              </a:extLst>
-            </p:cNvPr>
-            <p:cNvGrpSpPr/>
-            <p:nvPr/>
-          </p:nvGrpSpPr>
-          <p:grpSpPr>
-            <a:xfrm>
-              <a:off x="3830350" y="3066837"/>
-              <a:ext cx="36000" cy="342791"/>
-              <a:chOff x="3830350" y="3066837"/>
-              <a:chExt cx="36000" cy="342791"/>
-            </a:xfrm>
-          </p:grpSpPr>
-          <p:sp>
-            <p:nvSpPr>
-              <p:cNvPr id="310" name="Oval 309">
-                <a:extLst>
-                  <a:ext uri="{FF2B5EF4-FFF2-40B4-BE49-F238E27FC236}">
-                    <a16:creationId xmlns:a16="http://schemas.microsoft.com/office/drawing/2014/main" id="{47C70F97-0E25-4876-8A1B-B89F59DAA33C}"/>
-                  </a:ext>
-                </a:extLst>
-              </p:cNvPr>
-              <p:cNvSpPr>
-                <a:spLocks noChangeAspect="1"/>
-              </p:cNvSpPr>
-              <p:nvPr/>
-            </p:nvSpPr>
-            <p:spPr>
-              <a:xfrm>
-                <a:off x="3830350" y="3066837"/>
-                <a:ext cx="36000" cy="36000"/>
-              </a:xfrm>
-              <a:prstGeom prst="ellipse">
-                <a:avLst/>
-              </a:prstGeom>
-              <a:solidFill>
-                <a:schemeClr val="tx1"/>
-              </a:solidFill>
-              <a:ln w="19050">
-                <a:solidFill>
-                  <a:schemeClr val="tx1"/>
-                </a:solidFill>
-              </a:ln>
-            </p:spPr>
-            <p:style>
-              <a:lnRef idx="2">
-                <a:schemeClr val="accent1">
-                  <a:shade val="50000"/>
-                </a:schemeClr>
-              </a:lnRef>
-              <a:fillRef idx="1">
-                <a:schemeClr val="accent1"/>
-              </a:fillRef>
-              <a:effectRef idx="0">
-                <a:schemeClr val="accent1"/>
-              </a:effectRef>
-              <a:fontRef idx="minor">
-                <a:schemeClr val="lt1"/>
-              </a:fontRef>
-            </p:style>
-            <p:txBody>
-              <a:bodyPr rtlCol="0" anchor="ctr"/>
-              <a:lstStyle/>
-              <a:p>
-                <a:pPr algn="ctr"/>
-                <a:endParaRPr lang="en-PH"/>
-              </a:p>
-            </p:txBody>
-          </p:sp>
-          <p:sp>
-            <p:nvSpPr>
-              <p:cNvPr id="311" name="Oval 310">
-                <a:extLst>
-                  <a:ext uri="{FF2B5EF4-FFF2-40B4-BE49-F238E27FC236}">
-                    <a16:creationId xmlns:a16="http://schemas.microsoft.com/office/drawing/2014/main" id="{0CED25A7-9ABE-4758-9EA6-53BE70D6867F}"/>
-                  </a:ext>
-                </a:extLst>
-              </p:cNvPr>
-              <p:cNvSpPr>
-                <a:spLocks noChangeAspect="1"/>
-              </p:cNvSpPr>
-              <p:nvPr/>
-            </p:nvSpPr>
-            <p:spPr>
-              <a:xfrm>
-                <a:off x="3830350" y="3220232"/>
-                <a:ext cx="36000" cy="36000"/>
-              </a:xfrm>
-              <a:prstGeom prst="ellipse">
-                <a:avLst/>
-              </a:prstGeom>
-              <a:solidFill>
-                <a:schemeClr val="tx1"/>
-              </a:solidFill>
-              <a:ln w="19050">
-                <a:solidFill>
-                  <a:schemeClr val="tx1"/>
-                </a:solidFill>
-              </a:ln>
-            </p:spPr>
-            <p:style>
-              <a:lnRef idx="2">
-                <a:schemeClr val="accent1">
-                  <a:shade val="50000"/>
-                </a:schemeClr>
-              </a:lnRef>
-              <a:fillRef idx="1">
-                <a:schemeClr val="accent1"/>
-              </a:fillRef>
-              <a:effectRef idx="0">
-                <a:schemeClr val="accent1"/>
-              </a:effectRef>
-              <a:fontRef idx="minor">
-                <a:schemeClr val="lt1"/>
-              </a:fontRef>
-            </p:style>
-            <p:txBody>
-              <a:bodyPr rtlCol="0" anchor="ctr"/>
-              <a:lstStyle/>
-              <a:p>
-                <a:pPr algn="ctr"/>
-                <a:endParaRPr lang="en-PH"/>
-              </a:p>
-            </p:txBody>
-          </p:sp>
-          <p:sp>
-            <p:nvSpPr>
-              <p:cNvPr id="312" name="Oval 311">
-                <a:extLst>
-                  <a:ext uri="{FF2B5EF4-FFF2-40B4-BE49-F238E27FC236}">
-                    <a16:creationId xmlns:a16="http://schemas.microsoft.com/office/drawing/2014/main" id="{CB1CC73F-ADCD-4D26-8925-6E7D095B8CCF}"/>
-                  </a:ext>
-                </a:extLst>
-              </p:cNvPr>
-              <p:cNvSpPr>
-                <a:spLocks noChangeAspect="1"/>
-              </p:cNvSpPr>
-              <p:nvPr/>
-            </p:nvSpPr>
-            <p:spPr>
-              <a:xfrm>
-                <a:off x="3830350" y="3373628"/>
-                <a:ext cx="36000" cy="36000"/>
-              </a:xfrm>
-              <a:prstGeom prst="ellipse">
-                <a:avLst/>
-              </a:prstGeom>
-              <a:solidFill>
-                <a:schemeClr val="tx1"/>
-              </a:solidFill>
-              <a:ln w="19050">
-                <a:solidFill>
-                  <a:schemeClr val="tx1"/>
-                </a:solidFill>
-              </a:ln>
-            </p:spPr>
-            <p:style>
-              <a:lnRef idx="2">
-                <a:schemeClr val="accent1">
-                  <a:shade val="50000"/>
-                </a:schemeClr>
-              </a:lnRef>
-              <a:fillRef idx="1">
-                <a:schemeClr val="accent1"/>
-              </a:fillRef>
-              <a:effectRef idx="0">
-                <a:schemeClr val="accent1"/>
-              </a:effectRef>
-              <a:fontRef idx="minor">
-                <a:schemeClr val="lt1"/>
-              </a:fontRef>
-            </p:style>
-            <p:txBody>
-              <a:bodyPr rtlCol="0" anchor="ctr"/>
-              <a:lstStyle/>
-              <a:p>
-                <a:pPr algn="ctr"/>
-                <a:endParaRPr lang="en-PH"/>
-              </a:p>
-            </p:txBody>
-          </p:sp>
-        </p:grpSp>
-        <p:cxnSp>
-          <p:nvCxnSpPr>
-            <p:cNvPr id="280" name="Straight Connector 279">
-              <a:extLst>
-                <a:ext uri="{FF2B5EF4-FFF2-40B4-BE49-F238E27FC236}">
-                  <a16:creationId xmlns:a16="http://schemas.microsoft.com/office/drawing/2014/main" id="{E8CBD759-DF2B-45AC-BA18-F8B73DCFF368}"/>
-                </a:ext>
-              </a:extLst>
-            </p:cNvPr>
-            <p:cNvCxnSpPr>
-              <a:cxnSpLocks/>
-              <a:endCxn id="285" idx="0"/>
-            </p:cNvCxnSpPr>
-            <p:nvPr/>
-          </p:nvCxnSpPr>
-          <p:spPr>
-            <a:xfrm>
-              <a:off x="3848351" y="3498027"/>
-              <a:ext cx="0" cy="604962"/>
-            </a:xfrm>
-            <a:prstGeom prst="line">
-              <a:avLst/>
-            </a:prstGeom>
-            <a:ln w="15875">
-              <a:solidFill>
-                <a:schemeClr val="tx1"/>
-              </a:solidFill>
-            </a:ln>
-          </p:spPr>
-          <p:style>
-            <a:lnRef idx="1">
-              <a:schemeClr val="accent1"/>
-            </a:lnRef>
-            <a:fillRef idx="0">
-              <a:schemeClr val="accent1"/>
-            </a:fillRef>
-            <a:effectRef idx="0">
-              <a:schemeClr val="accent1"/>
-            </a:effectRef>
-            <a:fontRef idx="minor">
-              <a:schemeClr val="tx1"/>
-            </a:fontRef>
-          </p:style>
-        </p:cxnSp>
-        <p:sp>
-          <p:nvSpPr>
-            <p:cNvPr id="281" name="Isosceles Triangle 280">
-              <a:extLst>
-                <a:ext uri="{FF2B5EF4-FFF2-40B4-BE49-F238E27FC236}">
-                  <a16:creationId xmlns:a16="http://schemas.microsoft.com/office/drawing/2014/main" id="{870C0E5A-379B-4771-8543-0178293AB2A0}"/>
-                </a:ext>
-              </a:extLst>
-            </p:cNvPr>
-            <p:cNvSpPr/>
-            <p:nvPr/>
-          </p:nvSpPr>
-          <p:spPr>
-            <a:xfrm flipH="1" flipV="1">
-              <a:off x="4082351" y="3809319"/>
-              <a:ext cx="252000" cy="252000"/>
-            </a:xfrm>
-            <a:prstGeom prst="triangle">
-              <a:avLst/>
-            </a:prstGeom>
-            <a:solidFill>
-              <a:schemeClr val="tx1"/>
-            </a:solidFill>
-            <a:ln>
-              <a:solidFill>
-                <a:schemeClr val="tx1"/>
-              </a:solidFill>
-            </a:ln>
-          </p:spPr>
-          <p:style>
-            <a:lnRef idx="2">
-              <a:schemeClr val="accent1">
-                <a:shade val="50000"/>
-              </a:schemeClr>
-            </a:lnRef>
-            <a:fillRef idx="1">
-              <a:schemeClr val="accent1"/>
-            </a:fillRef>
-            <a:effectRef idx="0">
-              <a:schemeClr val="accent1"/>
-            </a:effectRef>
-            <a:fontRef idx="minor">
-              <a:schemeClr val="lt1"/>
-            </a:fontRef>
-          </p:style>
-          <p:txBody>
-            <a:bodyPr rtlCol="0" anchor="ctr"/>
-            <a:lstStyle/>
-            <a:p>
-              <a:pPr algn="ctr"/>
-              <a:endParaRPr lang="en-PH"/>
-            </a:p>
-          </p:txBody>
-        </p:sp>
-        <p:sp>
-          <p:nvSpPr>
-            <p:cNvPr id="282" name="Oval 281">
-              <a:extLst>
-                <a:ext uri="{FF2B5EF4-FFF2-40B4-BE49-F238E27FC236}">
-                  <a16:creationId xmlns:a16="http://schemas.microsoft.com/office/drawing/2014/main" id="{77D8621C-1B99-471A-902B-B0272A5C8B78}"/>
-                </a:ext>
-              </a:extLst>
-            </p:cNvPr>
-            <p:cNvSpPr>
-              <a:spLocks noChangeAspect="1"/>
-            </p:cNvSpPr>
-            <p:nvPr/>
-          </p:nvSpPr>
-          <p:spPr>
-            <a:xfrm flipH="1">
-              <a:off x="3830351" y="3604715"/>
-              <a:ext cx="36000" cy="36000"/>
-            </a:xfrm>
-            <a:prstGeom prst="ellipse">
-              <a:avLst/>
-            </a:prstGeom>
-            <a:solidFill>
-              <a:schemeClr val="tx1"/>
-            </a:solidFill>
-            <a:ln w="19050">
-              <a:solidFill>
-                <a:schemeClr val="tx1"/>
-              </a:solidFill>
-            </a:ln>
-          </p:spPr>
-          <p:style>
-            <a:lnRef idx="2">
-              <a:schemeClr val="accent1">
-                <a:shade val="50000"/>
-              </a:schemeClr>
-            </a:lnRef>
-            <a:fillRef idx="1">
-              <a:schemeClr val="accent1"/>
-            </a:fillRef>
-            <a:effectRef idx="0">
-              <a:schemeClr val="accent1"/>
-            </a:effectRef>
-            <a:fontRef idx="minor">
-              <a:schemeClr val="lt1"/>
-            </a:fontRef>
-          </p:style>
-          <p:txBody>
-            <a:bodyPr rtlCol="0" anchor="ctr"/>
-            <a:lstStyle/>
-            <a:p>
-              <a:pPr algn="ctr"/>
-              <a:endParaRPr lang="en-PH"/>
-            </a:p>
-          </p:txBody>
-        </p:sp>
-        <p:cxnSp>
-          <p:nvCxnSpPr>
-            <p:cNvPr id="283" name="Connector: Elbow 282">
-              <a:extLst>
-                <a:ext uri="{FF2B5EF4-FFF2-40B4-BE49-F238E27FC236}">
-                  <a16:creationId xmlns:a16="http://schemas.microsoft.com/office/drawing/2014/main" id="{45F80131-6F71-439B-B49F-A4931768B79D}"/>
-                </a:ext>
-              </a:extLst>
-            </p:cNvPr>
-            <p:cNvCxnSpPr>
-              <a:stCxn id="281" idx="3"/>
-              <a:endCxn id="282" idx="2"/>
-            </p:cNvCxnSpPr>
-            <p:nvPr/>
-          </p:nvCxnSpPr>
-          <p:spPr>
-            <a:xfrm rot="16200000" flipV="1">
-              <a:off x="3944049" y="3545017"/>
-              <a:ext cx="186604" cy="342000"/>
-            </a:xfrm>
-            <a:prstGeom prst="bentConnector2">
-              <a:avLst/>
-            </a:prstGeom>
-            <a:ln>
-              <a:solidFill>
-                <a:schemeClr val="tx1"/>
-              </a:solidFill>
-            </a:ln>
-          </p:spPr>
-          <p:style>
-            <a:lnRef idx="1">
-              <a:schemeClr val="accent1"/>
-            </a:lnRef>
-            <a:fillRef idx="0">
-              <a:schemeClr val="accent1"/>
-            </a:fillRef>
-            <a:effectRef idx="0">
-              <a:schemeClr val="accent1"/>
-            </a:effectRef>
-            <a:fontRef idx="minor">
-              <a:schemeClr val="tx1"/>
-            </a:fontRef>
-          </p:style>
-        </p:cxnSp>
-        <p:grpSp>
-          <p:nvGrpSpPr>
-            <p:cNvPr id="284" name="Group 283">
-              <a:extLst>
-                <a:ext uri="{FF2B5EF4-FFF2-40B4-BE49-F238E27FC236}">
-                  <a16:creationId xmlns:a16="http://schemas.microsoft.com/office/drawing/2014/main" id="{D475F947-02B5-4725-9678-7852714D3029}"/>
-                </a:ext>
-              </a:extLst>
-            </p:cNvPr>
-            <p:cNvGrpSpPr/>
-            <p:nvPr/>
-          </p:nvGrpSpPr>
-          <p:grpSpPr>
-            <a:xfrm rot="16200000">
-              <a:off x="3380353" y="2607298"/>
-              <a:ext cx="36000" cy="342791"/>
-              <a:chOff x="3982750" y="3219237"/>
-              <a:chExt cx="36000" cy="342791"/>
-            </a:xfrm>
-          </p:grpSpPr>
-          <p:sp>
-            <p:nvSpPr>
-              <p:cNvPr id="307" name="Oval 306">
-                <a:extLst>
-                  <a:ext uri="{FF2B5EF4-FFF2-40B4-BE49-F238E27FC236}">
-                    <a16:creationId xmlns:a16="http://schemas.microsoft.com/office/drawing/2014/main" id="{F6C6C347-3280-4386-9021-7844ADD731D2}"/>
-                  </a:ext>
-                </a:extLst>
-              </p:cNvPr>
-              <p:cNvSpPr>
-                <a:spLocks noChangeAspect="1"/>
-              </p:cNvSpPr>
-              <p:nvPr/>
-            </p:nvSpPr>
-            <p:spPr>
-              <a:xfrm>
-                <a:off x="3982750" y="3219237"/>
-                <a:ext cx="36000" cy="36000"/>
-              </a:xfrm>
-              <a:prstGeom prst="ellipse">
-                <a:avLst/>
-              </a:prstGeom>
-              <a:solidFill>
-                <a:schemeClr val="tx1"/>
-              </a:solidFill>
-              <a:ln w="19050">
-                <a:solidFill>
-                  <a:schemeClr val="tx1"/>
-                </a:solidFill>
-              </a:ln>
-            </p:spPr>
-            <p:style>
-              <a:lnRef idx="2">
-                <a:schemeClr val="accent1">
-                  <a:shade val="50000"/>
-                </a:schemeClr>
-              </a:lnRef>
-              <a:fillRef idx="1">
-                <a:schemeClr val="accent1"/>
-              </a:fillRef>
-              <a:effectRef idx="0">
-                <a:schemeClr val="accent1"/>
-              </a:effectRef>
-              <a:fontRef idx="minor">
-                <a:schemeClr val="lt1"/>
-              </a:fontRef>
-            </p:style>
-            <p:txBody>
-              <a:bodyPr rtlCol="0" anchor="ctr"/>
-              <a:lstStyle/>
-              <a:p>
-                <a:pPr algn="ctr"/>
-                <a:endParaRPr lang="en-PH"/>
-              </a:p>
-            </p:txBody>
-          </p:sp>
-          <p:sp>
-            <p:nvSpPr>
-              <p:cNvPr id="308" name="Oval 307">
-                <a:extLst>
-                  <a:ext uri="{FF2B5EF4-FFF2-40B4-BE49-F238E27FC236}">
-                    <a16:creationId xmlns:a16="http://schemas.microsoft.com/office/drawing/2014/main" id="{9A1C6D53-C6BD-4443-9213-AA4051942E22}"/>
-                  </a:ext>
-                </a:extLst>
-              </p:cNvPr>
-              <p:cNvSpPr>
-                <a:spLocks noChangeAspect="1"/>
-              </p:cNvSpPr>
-              <p:nvPr/>
-            </p:nvSpPr>
-            <p:spPr>
-              <a:xfrm>
-                <a:off x="3982750" y="3372632"/>
-                <a:ext cx="36000" cy="36000"/>
-              </a:xfrm>
-              <a:prstGeom prst="ellipse">
-                <a:avLst/>
-              </a:prstGeom>
-              <a:solidFill>
-                <a:schemeClr val="tx1"/>
-              </a:solidFill>
-              <a:ln w="19050">
-                <a:solidFill>
-                  <a:schemeClr val="tx1"/>
-                </a:solidFill>
-              </a:ln>
-            </p:spPr>
-            <p:style>
-              <a:lnRef idx="2">
-                <a:schemeClr val="accent1">
-                  <a:shade val="50000"/>
-                </a:schemeClr>
-              </a:lnRef>
-              <a:fillRef idx="1">
-                <a:schemeClr val="accent1"/>
-              </a:fillRef>
-              <a:effectRef idx="0">
-                <a:schemeClr val="accent1"/>
-              </a:effectRef>
-              <a:fontRef idx="minor">
-                <a:schemeClr val="lt1"/>
-              </a:fontRef>
-            </p:style>
-            <p:txBody>
-              <a:bodyPr rtlCol="0" anchor="ctr"/>
-              <a:lstStyle/>
-              <a:p>
-                <a:pPr algn="ctr"/>
-                <a:endParaRPr lang="en-PH"/>
-              </a:p>
-            </p:txBody>
-          </p:sp>
-          <p:sp>
-            <p:nvSpPr>
-              <p:cNvPr id="309" name="Oval 308">
-                <a:extLst>
-                  <a:ext uri="{FF2B5EF4-FFF2-40B4-BE49-F238E27FC236}">
-                    <a16:creationId xmlns:a16="http://schemas.microsoft.com/office/drawing/2014/main" id="{8EA055B9-0AF0-4492-A4D0-DA71F910CF79}"/>
-                  </a:ext>
-                </a:extLst>
-              </p:cNvPr>
-              <p:cNvSpPr>
-                <a:spLocks noChangeAspect="1"/>
-              </p:cNvSpPr>
-              <p:nvPr/>
-            </p:nvSpPr>
-            <p:spPr>
-              <a:xfrm>
-                <a:off x="3982750" y="3526028"/>
-                <a:ext cx="36000" cy="36000"/>
-              </a:xfrm>
-              <a:prstGeom prst="ellipse">
-                <a:avLst/>
-              </a:prstGeom>
-              <a:solidFill>
-                <a:schemeClr val="tx1"/>
-              </a:solidFill>
-              <a:ln w="19050">
-                <a:solidFill>
-                  <a:schemeClr val="tx1"/>
-                </a:solidFill>
-              </a:ln>
-            </p:spPr>
-            <p:style>
-              <a:lnRef idx="2">
-                <a:schemeClr val="accent1">
-                  <a:shade val="50000"/>
-                </a:schemeClr>
-              </a:lnRef>
-              <a:fillRef idx="1">
-                <a:schemeClr val="accent1"/>
-              </a:fillRef>
-              <a:effectRef idx="0">
-                <a:schemeClr val="accent1"/>
-              </a:effectRef>
-              <a:fontRef idx="minor">
-                <a:schemeClr val="lt1"/>
-              </a:fontRef>
-            </p:style>
-            <p:txBody>
-              <a:bodyPr rtlCol="0" anchor="ctr"/>
-              <a:lstStyle/>
-              <a:p>
-                <a:pPr algn="ctr"/>
-                <a:endParaRPr lang="en-PH"/>
-              </a:p>
-            </p:txBody>
-          </p:sp>
-        </p:grpSp>
-        <p:sp>
-          <p:nvSpPr>
-            <p:cNvPr id="285" name="Oval 284">
-              <a:extLst>
-                <a:ext uri="{FF2B5EF4-FFF2-40B4-BE49-F238E27FC236}">
-                  <a16:creationId xmlns:a16="http://schemas.microsoft.com/office/drawing/2014/main" id="{580D80C9-C2FF-48C6-9C15-BEBC0C1773DC}"/>
-                </a:ext>
-              </a:extLst>
-            </p:cNvPr>
-            <p:cNvSpPr>
-              <a:spLocks noChangeAspect="1"/>
-            </p:cNvSpPr>
-            <p:nvPr/>
-          </p:nvSpPr>
-          <p:spPr>
-            <a:xfrm>
-              <a:off x="3830351" y="4102989"/>
-              <a:ext cx="36000" cy="36000"/>
-            </a:xfrm>
-            <a:prstGeom prst="ellipse">
-              <a:avLst/>
-            </a:prstGeom>
-            <a:solidFill>
-              <a:schemeClr val="tx1"/>
-            </a:solidFill>
-            <a:ln w="19050">
-              <a:solidFill>
-                <a:schemeClr val="tx1"/>
-              </a:solidFill>
-            </a:ln>
-          </p:spPr>
-          <p:style>
-            <a:lnRef idx="2">
-              <a:schemeClr val="accent1">
-                <a:shade val="50000"/>
-              </a:schemeClr>
-            </a:lnRef>
-            <a:fillRef idx="1">
-              <a:schemeClr val="accent1"/>
-            </a:fillRef>
-            <a:effectRef idx="0">
-              <a:schemeClr val="accent1"/>
-            </a:effectRef>
-            <a:fontRef idx="minor">
-              <a:schemeClr val="lt1"/>
-            </a:fontRef>
-          </p:style>
-          <p:txBody>
-            <a:bodyPr rtlCol="0" anchor="ctr"/>
-            <a:lstStyle/>
-            <a:p>
-              <a:pPr algn="ctr"/>
-              <a:endParaRPr lang="en-PH"/>
-            </a:p>
-          </p:txBody>
-        </p:sp>
-        <p:sp>
-          <p:nvSpPr>
-            <p:cNvPr id="286" name="Isosceles Triangle 285">
-              <a:extLst>
-                <a:ext uri="{FF2B5EF4-FFF2-40B4-BE49-F238E27FC236}">
-                  <a16:creationId xmlns:a16="http://schemas.microsoft.com/office/drawing/2014/main" id="{167B58AC-FD7E-454B-8D0F-5683FDFE1DD7}"/>
-                </a:ext>
-              </a:extLst>
-            </p:cNvPr>
-            <p:cNvSpPr/>
-            <p:nvPr/>
-          </p:nvSpPr>
-          <p:spPr>
-            <a:xfrm flipV="1">
-              <a:off x="3722351" y="4254690"/>
-              <a:ext cx="252000" cy="252000"/>
-            </a:xfrm>
-            <a:prstGeom prst="triangle">
-              <a:avLst/>
-            </a:prstGeom>
-            <a:solidFill>
-              <a:schemeClr val="tx1"/>
-            </a:solidFill>
-            <a:ln>
-              <a:solidFill>
-                <a:schemeClr val="tx1"/>
-              </a:solidFill>
-            </a:ln>
-          </p:spPr>
-          <p:style>
-            <a:lnRef idx="2">
-              <a:schemeClr val="accent1">
-                <a:shade val="50000"/>
-              </a:schemeClr>
-            </a:lnRef>
-            <a:fillRef idx="1">
-              <a:schemeClr val="accent1"/>
-            </a:fillRef>
-            <a:effectRef idx="0">
-              <a:schemeClr val="accent1"/>
-            </a:effectRef>
-            <a:fontRef idx="minor">
-              <a:schemeClr val="lt1"/>
-            </a:fontRef>
-          </p:style>
-          <p:txBody>
-            <a:bodyPr rtlCol="0" anchor="ctr"/>
-            <a:lstStyle/>
-            <a:p>
-              <a:pPr algn="ctr"/>
-              <a:endParaRPr lang="en-PH"/>
-            </a:p>
-          </p:txBody>
-        </p:sp>
-        <p:cxnSp>
-          <p:nvCxnSpPr>
-            <p:cNvPr id="287" name="Straight Connector 286">
-              <a:extLst>
-                <a:ext uri="{FF2B5EF4-FFF2-40B4-BE49-F238E27FC236}">
-                  <a16:creationId xmlns:a16="http://schemas.microsoft.com/office/drawing/2014/main" id="{E516910C-DBCB-4E1A-B258-E61734BF921F}"/>
-                </a:ext>
-              </a:extLst>
-            </p:cNvPr>
-            <p:cNvCxnSpPr>
-              <a:cxnSpLocks/>
-              <a:stCxn id="286" idx="3"/>
-              <a:endCxn id="285" idx="4"/>
-            </p:cNvCxnSpPr>
-            <p:nvPr/>
-          </p:nvCxnSpPr>
-          <p:spPr>
-            <a:xfrm flipV="1">
-              <a:off x="3848351" y="4138989"/>
-              <a:ext cx="0" cy="115701"/>
-            </a:xfrm>
-            <a:prstGeom prst="line">
-              <a:avLst/>
-            </a:prstGeom>
-            <a:ln>
-              <a:solidFill>
-                <a:schemeClr val="tx1"/>
-              </a:solidFill>
-            </a:ln>
-          </p:spPr>
-          <p:style>
-            <a:lnRef idx="1">
-              <a:schemeClr val="accent1"/>
-            </a:lnRef>
-            <a:fillRef idx="0">
-              <a:schemeClr val="accent1"/>
-            </a:fillRef>
-            <a:effectRef idx="0">
-              <a:schemeClr val="accent1"/>
-            </a:effectRef>
-            <a:fontRef idx="minor">
-              <a:schemeClr val="tx1"/>
-            </a:fontRef>
-          </p:style>
-        </p:cxnSp>
-        <p:sp>
-          <p:nvSpPr>
-            <p:cNvPr id="288" name="TextBox 287">
-              <a:extLst>
-                <a:ext uri="{FF2B5EF4-FFF2-40B4-BE49-F238E27FC236}">
-                  <a16:creationId xmlns:a16="http://schemas.microsoft.com/office/drawing/2014/main" id="{07C3A8C3-F9F4-407D-82F1-DD404808260A}"/>
-                </a:ext>
-              </a:extLst>
-            </p:cNvPr>
-            <p:cNvSpPr txBox="1"/>
-            <p:nvPr/>
-          </p:nvSpPr>
-          <p:spPr>
-            <a:xfrm>
-              <a:off x="1563961" y="3407497"/>
-              <a:ext cx="250390" cy="246221"/>
-            </a:xfrm>
-            <a:prstGeom prst="rect">
-              <a:avLst/>
-            </a:prstGeom>
-            <a:noFill/>
-          </p:spPr>
-          <p:txBody>
-            <a:bodyPr wrap="square" rtlCol="0" anchor="ctr">
-              <a:spAutoFit/>
-            </a:bodyPr>
-            <a:lstStyle/>
-            <a:p>
-              <a:pPr algn="ctr"/>
-              <a:r>
-                <a:rPr lang="en-PH" sz="1000" dirty="0">
-                  <a:effectLst>
-                    <a:outerShdw blurRad="38100" dist="38100" dir="2700000" algn="tl">
-                      <a:srgbClr val="000000">
-                        <a:alpha val="43137"/>
-                      </a:srgbClr>
-                    </a:outerShdw>
-                  </a:effectLst>
-                  <a:latin typeface="CMU Serif" panose="02000603000000000000" pitchFamily="2" charset="0"/>
-                  <a:ea typeface="CMU Serif" panose="02000603000000000000" pitchFamily="2" charset="0"/>
-                  <a:cs typeface="CMU Serif" panose="02000603000000000000" pitchFamily="2" charset="0"/>
-                </a:rPr>
-                <a:t>1</a:t>
-              </a:r>
-            </a:p>
-          </p:txBody>
-        </p:sp>
-        <p:sp>
-          <p:nvSpPr>
-            <p:cNvPr id="289" name="TextBox 288">
-              <a:extLst>
-                <a:ext uri="{FF2B5EF4-FFF2-40B4-BE49-F238E27FC236}">
-                  <a16:creationId xmlns:a16="http://schemas.microsoft.com/office/drawing/2014/main" id="{FC2D0331-1B90-4886-9414-7FA268074C95}"/>
-                </a:ext>
-              </a:extLst>
-            </p:cNvPr>
-            <p:cNvSpPr txBox="1"/>
-            <p:nvPr/>
-          </p:nvSpPr>
-          <p:spPr>
-            <a:xfrm>
-              <a:off x="1922351" y="3926269"/>
-              <a:ext cx="250390" cy="246221"/>
-            </a:xfrm>
-            <a:prstGeom prst="rect">
-              <a:avLst/>
-            </a:prstGeom>
-            <a:noFill/>
-          </p:spPr>
-          <p:txBody>
-            <a:bodyPr wrap="square" rtlCol="0" anchor="ctr">
-              <a:spAutoFit/>
-            </a:bodyPr>
-            <a:lstStyle/>
-            <a:p>
-              <a:pPr algn="ctr"/>
-              <a:r>
-                <a:rPr lang="en-PH" sz="1000" dirty="0">
-                  <a:effectLst>
-                    <a:outerShdw blurRad="38100" dist="38100" dir="2700000" algn="tl">
-                      <a:srgbClr val="000000">
-                        <a:alpha val="43137"/>
-                      </a:srgbClr>
-                    </a:outerShdw>
-                  </a:effectLst>
-                  <a:latin typeface="CMU Serif" panose="02000603000000000000" pitchFamily="2" charset="0"/>
-                  <a:ea typeface="CMU Serif" panose="02000603000000000000" pitchFamily="2" charset="0"/>
-                  <a:cs typeface="CMU Serif" panose="02000603000000000000" pitchFamily="2" charset="0"/>
-                </a:rPr>
-                <a:t>2</a:t>
-              </a:r>
-            </a:p>
-          </p:txBody>
-        </p:sp>
-        <p:sp>
-          <p:nvSpPr>
-            <p:cNvPr id="290" name="TextBox 289">
-              <a:extLst>
-                <a:ext uri="{FF2B5EF4-FFF2-40B4-BE49-F238E27FC236}">
-                  <a16:creationId xmlns:a16="http://schemas.microsoft.com/office/drawing/2014/main" id="{C8FCD763-71ED-4CED-89AE-66C8F95E0B43}"/>
-                </a:ext>
-              </a:extLst>
-            </p:cNvPr>
-            <p:cNvSpPr txBox="1"/>
-            <p:nvPr/>
-          </p:nvSpPr>
-          <p:spPr>
-            <a:xfrm>
-              <a:off x="2463126" y="3431650"/>
-              <a:ext cx="250390" cy="246221"/>
-            </a:xfrm>
-            <a:prstGeom prst="rect">
-              <a:avLst/>
-            </a:prstGeom>
-            <a:noFill/>
-          </p:spPr>
-          <p:txBody>
-            <a:bodyPr wrap="square" rtlCol="0" anchor="ctr">
-              <a:spAutoFit/>
-            </a:bodyPr>
-            <a:lstStyle/>
-            <a:p>
-              <a:pPr algn="ctr"/>
-              <a:r>
-                <a:rPr lang="en-PH" sz="1000" dirty="0">
-                  <a:effectLst>
-                    <a:outerShdw blurRad="38100" dist="38100" dir="2700000" algn="tl">
-                      <a:srgbClr val="000000">
-                        <a:alpha val="43137"/>
-                      </a:srgbClr>
-                    </a:outerShdw>
-                  </a:effectLst>
-                  <a:latin typeface="CMU Serif" panose="02000603000000000000" pitchFamily="2" charset="0"/>
-                  <a:ea typeface="CMU Serif" panose="02000603000000000000" pitchFamily="2" charset="0"/>
-                  <a:cs typeface="CMU Serif" panose="02000603000000000000" pitchFamily="2" charset="0"/>
-                </a:rPr>
-                <a:t>3</a:t>
-              </a:r>
-            </a:p>
-          </p:txBody>
-        </p:sp>
-        <p:sp>
-          <p:nvSpPr>
-            <p:cNvPr id="291" name="TextBox 290">
-              <a:extLst>
-                <a:ext uri="{FF2B5EF4-FFF2-40B4-BE49-F238E27FC236}">
-                  <a16:creationId xmlns:a16="http://schemas.microsoft.com/office/drawing/2014/main" id="{400DEBE0-F215-450A-A024-873CFAE40E7F}"/>
-                </a:ext>
-              </a:extLst>
-            </p:cNvPr>
-            <p:cNvSpPr txBox="1"/>
-            <p:nvPr/>
-          </p:nvSpPr>
-          <p:spPr>
-            <a:xfrm>
-              <a:off x="2823961" y="4509659"/>
-              <a:ext cx="250390" cy="246221"/>
-            </a:xfrm>
-            <a:prstGeom prst="rect">
-              <a:avLst/>
-            </a:prstGeom>
-            <a:noFill/>
-          </p:spPr>
-          <p:txBody>
-            <a:bodyPr wrap="square" rtlCol="0" anchor="ctr">
-              <a:spAutoFit/>
-            </a:bodyPr>
-            <a:lstStyle/>
-            <a:p>
-              <a:pPr algn="ctr"/>
-              <a:r>
-                <a:rPr lang="en-PH" sz="1000" i="1" dirty="0">
-                  <a:effectLst>
-                    <a:outerShdw blurRad="38100" dist="38100" dir="2700000" algn="tl">
-                      <a:srgbClr val="000000">
-                        <a:alpha val="43137"/>
-                      </a:srgbClr>
-                    </a:outerShdw>
-                  </a:effectLst>
-                  <a:latin typeface="CMU Serif" panose="02000603000000000000" pitchFamily="2" charset="0"/>
-                  <a:ea typeface="CMU Serif" panose="02000603000000000000" pitchFamily="2" charset="0"/>
-                  <a:cs typeface="CMU Serif" panose="02000603000000000000" pitchFamily="2" charset="0"/>
-                </a:rPr>
-                <a:t>c</a:t>
-              </a:r>
-            </a:p>
-          </p:txBody>
-        </p:sp>
-        <p:sp>
-          <p:nvSpPr>
-            <p:cNvPr id="292" name="TextBox 291">
-              <a:extLst>
-                <a:ext uri="{FF2B5EF4-FFF2-40B4-BE49-F238E27FC236}">
-                  <a16:creationId xmlns:a16="http://schemas.microsoft.com/office/drawing/2014/main" id="{C396D112-49AA-4ED5-9913-B7AB6D050677}"/>
-                </a:ext>
-              </a:extLst>
-            </p:cNvPr>
-            <p:cNvSpPr txBox="1"/>
-            <p:nvPr/>
-          </p:nvSpPr>
-          <p:spPr>
-            <a:xfrm>
-              <a:off x="3956351" y="4065855"/>
-              <a:ext cx="504001" cy="246221"/>
-            </a:xfrm>
-            <a:prstGeom prst="rect">
-              <a:avLst/>
-            </a:prstGeom>
-            <a:noFill/>
-          </p:spPr>
-          <p:txBody>
-            <a:bodyPr wrap="square" rtlCol="0" anchor="ctr">
-              <a:spAutoFit/>
-            </a:bodyPr>
-            <a:lstStyle/>
-            <a:p>
-              <a:pPr algn="ctr"/>
-              <a:r>
-                <a:rPr lang="en-PH" sz="1000" i="1" dirty="0">
-                  <a:effectLst>
-                    <a:outerShdw blurRad="38100" dist="38100" dir="2700000" algn="tl">
-                      <a:srgbClr val="000000">
-                        <a:alpha val="43137"/>
-                      </a:srgbClr>
-                    </a:outerShdw>
-                  </a:effectLst>
-                  <a:latin typeface="CMU Serif" panose="02000603000000000000" pitchFamily="2" charset="0"/>
-                  <a:ea typeface="CMU Serif" panose="02000603000000000000" pitchFamily="2" charset="0"/>
-                  <a:cs typeface="CMU Serif" panose="02000603000000000000" pitchFamily="2" charset="0"/>
-                </a:rPr>
-                <a:t>C</a:t>
-              </a:r>
-              <a:r>
-                <a:rPr lang="en-PH" sz="1000" dirty="0">
-                  <a:effectLst>
-                    <a:outerShdw blurRad="38100" dist="38100" dir="2700000" algn="tl">
-                      <a:srgbClr val="000000">
-                        <a:alpha val="43137"/>
-                      </a:srgbClr>
-                    </a:outerShdw>
-                  </a:effectLst>
-                  <a:latin typeface="CMU Serif" panose="02000603000000000000" pitchFamily="2" charset="0"/>
-                  <a:ea typeface="CMU Serif" panose="02000603000000000000" pitchFamily="2" charset="0"/>
-                  <a:cs typeface="CMU Serif" panose="02000603000000000000" pitchFamily="2" charset="0"/>
-                </a:rPr>
-                <a:t> – 1</a:t>
-              </a:r>
-            </a:p>
-          </p:txBody>
-        </p:sp>
-        <p:sp>
-          <p:nvSpPr>
-            <p:cNvPr id="293" name="TextBox 292">
-              <a:extLst>
-                <a:ext uri="{FF2B5EF4-FFF2-40B4-BE49-F238E27FC236}">
-                  <a16:creationId xmlns:a16="http://schemas.microsoft.com/office/drawing/2014/main" id="{16A4CE8E-2730-4BA3-A4C6-C732EFCFFC25}"/>
-                </a:ext>
-              </a:extLst>
-            </p:cNvPr>
-            <p:cNvSpPr txBox="1"/>
-            <p:nvPr/>
-          </p:nvSpPr>
-          <p:spPr>
-            <a:xfrm>
-              <a:off x="3717705" y="4506743"/>
-              <a:ext cx="250390" cy="246221"/>
-            </a:xfrm>
-            <a:prstGeom prst="rect">
-              <a:avLst/>
-            </a:prstGeom>
-            <a:noFill/>
-          </p:spPr>
-          <p:txBody>
-            <a:bodyPr wrap="square" rtlCol="0" anchor="ctr">
-              <a:spAutoFit/>
-            </a:bodyPr>
-            <a:lstStyle/>
-            <a:p>
-              <a:pPr algn="ctr"/>
-              <a:r>
-                <a:rPr lang="en-PH" sz="1000" i="1" dirty="0">
-                  <a:effectLst>
-                    <a:outerShdw blurRad="38100" dist="38100" dir="2700000" algn="tl">
-                      <a:srgbClr val="000000">
-                        <a:alpha val="43137"/>
-                      </a:srgbClr>
-                    </a:outerShdw>
-                  </a:effectLst>
-                  <a:latin typeface="CMU Serif" panose="02000603000000000000" pitchFamily="2" charset="0"/>
-                  <a:ea typeface="CMU Serif" panose="02000603000000000000" pitchFamily="2" charset="0"/>
-                  <a:cs typeface="CMU Serif" panose="02000603000000000000" pitchFamily="2" charset="0"/>
-                </a:rPr>
-                <a:t>C</a:t>
-              </a:r>
-            </a:p>
-          </p:txBody>
-        </p:sp>
-        <p:sp>
-          <p:nvSpPr>
-            <p:cNvPr id="294" name="TextBox 293">
-              <a:extLst>
-                <a:ext uri="{FF2B5EF4-FFF2-40B4-BE49-F238E27FC236}">
-                  <a16:creationId xmlns:a16="http://schemas.microsoft.com/office/drawing/2014/main" id="{BA00E7E6-4CC1-4385-B860-7EC64375A73A}"/>
-                </a:ext>
-              </a:extLst>
-            </p:cNvPr>
-            <p:cNvSpPr txBox="1"/>
-            <p:nvPr/>
-          </p:nvSpPr>
-          <p:spPr>
-            <a:xfrm>
-              <a:off x="2840292" y="2118044"/>
-              <a:ext cx="216117" cy="246221"/>
-            </a:xfrm>
-            <a:prstGeom prst="rect">
-              <a:avLst/>
-            </a:prstGeom>
-            <a:solidFill>
-              <a:schemeClr val="accent1"/>
-            </a:solidFill>
-          </p:spPr>
-          <p:txBody>
-            <a:bodyPr wrap="square" rtlCol="0" anchor="ctr">
-              <a:spAutoFit/>
-            </a:bodyPr>
-            <a:lstStyle/>
-            <a:p>
-              <a:pPr algn="ctr"/>
-              <a:r>
-                <a:rPr lang="en-PH" sz="1000" dirty="0">
-                  <a:solidFill>
-                    <a:schemeClr val="bg1"/>
-                  </a:solidFill>
-                  <a:effectLst>
-                    <a:outerShdw blurRad="38100" dist="38100" dir="2700000" algn="tl">
-                      <a:srgbClr val="000000">
-                        <a:alpha val="43137"/>
-                      </a:srgbClr>
-                    </a:outerShdw>
-                  </a:effectLst>
-                  <a:latin typeface="CMU Sans Serif" panose="02000603000000000000" pitchFamily="2" charset="0"/>
-                  <a:ea typeface="CMU Sans Serif" panose="02000603000000000000" pitchFamily="2" charset="0"/>
-                  <a:cs typeface="CMU Sans Serif" panose="02000603000000000000" pitchFamily="2" charset="0"/>
-                </a:rPr>
-                <a:t>U</a:t>
-              </a:r>
-            </a:p>
-          </p:txBody>
-        </p:sp>
-        <p:sp>
-          <p:nvSpPr>
-            <p:cNvPr id="295" name="TextBox 294">
-              <a:extLst>
-                <a:ext uri="{FF2B5EF4-FFF2-40B4-BE49-F238E27FC236}">
-                  <a16:creationId xmlns:a16="http://schemas.microsoft.com/office/drawing/2014/main" id="{72CED9F1-D9C8-4EB3-9E9B-16D5AAEA8263}"/>
-                </a:ext>
-              </a:extLst>
-            </p:cNvPr>
-            <p:cNvSpPr txBox="1"/>
-            <p:nvPr/>
-          </p:nvSpPr>
-          <p:spPr>
-            <a:xfrm>
-              <a:off x="1698264" y="2684951"/>
-              <a:ext cx="316112" cy="246221"/>
-            </a:xfrm>
-            <a:prstGeom prst="rect">
-              <a:avLst/>
-            </a:prstGeom>
-            <a:solidFill>
-              <a:schemeClr val="accent4">
-                <a:lumMod val="60000"/>
-                <a:lumOff val="40000"/>
-              </a:schemeClr>
-            </a:solidFill>
-          </p:spPr>
-          <p:txBody>
-            <a:bodyPr wrap="none" rtlCol="0" anchor="ctr">
-              <a:spAutoFit/>
-            </a:bodyPr>
-            <a:lstStyle/>
-            <a:p>
-              <a:pPr algn="ctr"/>
-              <a:r>
-                <a:rPr lang="en-PH" sz="1000" dirty="0">
-                  <a:effectLst>
-                    <a:outerShdw blurRad="38100" dist="38100" dir="2700000" algn="tl">
-                      <a:srgbClr val="000000">
-                        <a:alpha val="43137"/>
-                      </a:srgbClr>
-                    </a:outerShdw>
-                  </a:effectLst>
-                  <a:latin typeface="CMU Sans Serif" panose="02000603000000000000" pitchFamily="2" charset="0"/>
-                  <a:ea typeface="CMU Sans Serif" panose="02000603000000000000" pitchFamily="2" charset="0"/>
-                  <a:cs typeface="CMU Sans Serif" panose="02000603000000000000" pitchFamily="2" charset="0"/>
-                </a:rPr>
-                <a:t>K</a:t>
-              </a:r>
-              <a:r>
-                <a:rPr lang="en-PH" sz="1000" baseline="-25000" dirty="0">
-                  <a:effectLst>
-                    <a:outerShdw blurRad="38100" dist="38100" dir="2700000" algn="tl">
-                      <a:srgbClr val="000000">
-                        <a:alpha val="43137"/>
-                      </a:srgbClr>
-                    </a:outerShdw>
-                  </a:effectLst>
-                  <a:latin typeface="CMU Serif" panose="02000603000000000000" pitchFamily="2" charset="0"/>
-                  <a:ea typeface="CMU Serif" panose="02000603000000000000" pitchFamily="2" charset="0"/>
-                  <a:cs typeface="CMU Serif" panose="02000603000000000000" pitchFamily="2" charset="0"/>
-                </a:rPr>
-                <a:t>1</a:t>
-              </a:r>
-            </a:p>
-          </p:txBody>
-        </p:sp>
-        <p:sp>
-          <p:nvSpPr>
-            <p:cNvPr id="296" name="TextBox 295">
-              <a:extLst>
-                <a:ext uri="{FF2B5EF4-FFF2-40B4-BE49-F238E27FC236}">
-                  <a16:creationId xmlns:a16="http://schemas.microsoft.com/office/drawing/2014/main" id="{9551D828-E212-422A-AFFC-40ACCCF54A83}"/>
-                </a:ext>
-              </a:extLst>
-            </p:cNvPr>
-            <p:cNvSpPr txBox="1"/>
-            <p:nvPr/>
-          </p:nvSpPr>
-          <p:spPr>
-            <a:xfrm>
-              <a:off x="2108707" y="3368441"/>
-              <a:ext cx="330061" cy="246221"/>
-            </a:xfrm>
-            <a:prstGeom prst="rect">
-              <a:avLst/>
-            </a:prstGeom>
-            <a:solidFill>
-              <a:schemeClr val="accent4">
-                <a:lumMod val="60000"/>
-                <a:lumOff val="40000"/>
-              </a:schemeClr>
-            </a:solidFill>
-          </p:spPr>
-          <p:txBody>
-            <a:bodyPr wrap="none" rtlCol="0" anchor="ctr">
-              <a:spAutoFit/>
-            </a:bodyPr>
-            <a:lstStyle/>
-            <a:p>
-              <a:pPr algn="ctr"/>
-              <a:r>
-                <a:rPr lang="en-PH" sz="1000" dirty="0">
-                  <a:effectLst>
-                    <a:outerShdw blurRad="38100" dist="38100" dir="2700000" algn="tl">
-                      <a:srgbClr val="000000">
-                        <a:alpha val="43137"/>
-                      </a:srgbClr>
-                    </a:outerShdw>
-                  </a:effectLst>
-                  <a:latin typeface="CMU Sans Serif" panose="02000603000000000000" pitchFamily="2" charset="0"/>
-                  <a:ea typeface="CMU Sans Serif" panose="02000603000000000000" pitchFamily="2" charset="0"/>
-                  <a:cs typeface="CMU Sans Serif" panose="02000603000000000000" pitchFamily="2" charset="0"/>
-                </a:rPr>
-                <a:t>K</a:t>
-              </a:r>
-              <a:r>
-                <a:rPr lang="en-PH" sz="1000" baseline="-25000" dirty="0">
-                  <a:effectLst>
-                    <a:outerShdw blurRad="38100" dist="38100" dir="2700000" algn="tl">
-                      <a:srgbClr val="000000">
-                        <a:alpha val="43137"/>
-                      </a:srgbClr>
-                    </a:outerShdw>
-                  </a:effectLst>
-                  <a:latin typeface="CMU Serif" panose="02000603000000000000" pitchFamily="2" charset="0"/>
-                  <a:ea typeface="CMU Serif" panose="02000603000000000000" pitchFamily="2" charset="0"/>
-                  <a:cs typeface="CMU Serif" panose="02000603000000000000" pitchFamily="2" charset="0"/>
-                </a:rPr>
-                <a:t>2</a:t>
-              </a:r>
-            </a:p>
-          </p:txBody>
-        </p:sp>
-        <p:sp>
-          <p:nvSpPr>
-            <p:cNvPr id="297" name="TextBox 296">
-              <a:extLst>
-                <a:ext uri="{FF2B5EF4-FFF2-40B4-BE49-F238E27FC236}">
-                  <a16:creationId xmlns:a16="http://schemas.microsoft.com/office/drawing/2014/main" id="{DFDD6E12-D56A-4318-B555-25854274CD27}"/>
-                </a:ext>
-              </a:extLst>
-            </p:cNvPr>
-            <p:cNvSpPr txBox="1"/>
-            <p:nvPr/>
-          </p:nvSpPr>
-          <p:spPr>
-            <a:xfrm>
-              <a:off x="2574296" y="2655581"/>
-              <a:ext cx="316112" cy="246221"/>
-            </a:xfrm>
-            <a:prstGeom prst="rect">
-              <a:avLst/>
-            </a:prstGeom>
-            <a:solidFill>
-              <a:schemeClr val="accent4">
-                <a:lumMod val="60000"/>
-                <a:lumOff val="40000"/>
-              </a:schemeClr>
-            </a:solidFill>
-          </p:spPr>
-          <p:txBody>
-            <a:bodyPr wrap="none" rtlCol="0" anchor="ctr">
-              <a:spAutoFit/>
-            </a:bodyPr>
-            <a:lstStyle/>
-            <a:p>
-              <a:pPr algn="ctr"/>
-              <a:r>
-                <a:rPr lang="en-PH" sz="1000" dirty="0">
-                  <a:effectLst>
-                    <a:outerShdw blurRad="38100" dist="38100" dir="2700000" algn="tl">
-                      <a:srgbClr val="000000">
-                        <a:alpha val="43137"/>
-                      </a:srgbClr>
-                    </a:outerShdw>
-                  </a:effectLst>
-                  <a:latin typeface="CMU Sans Serif" panose="02000603000000000000" pitchFamily="2" charset="0"/>
-                  <a:ea typeface="CMU Sans Serif" panose="02000603000000000000" pitchFamily="2" charset="0"/>
-                  <a:cs typeface="CMU Sans Serif" panose="02000603000000000000" pitchFamily="2" charset="0"/>
-                </a:rPr>
-                <a:t>K</a:t>
-              </a:r>
-              <a:r>
-                <a:rPr lang="en-PH" sz="1000" baseline="-25000" dirty="0">
-                  <a:effectLst>
-                    <a:outerShdw blurRad="38100" dist="38100" dir="2700000" algn="tl">
-                      <a:srgbClr val="000000">
-                        <a:alpha val="43137"/>
-                      </a:srgbClr>
-                    </a:outerShdw>
-                  </a:effectLst>
-                  <a:latin typeface="CMU Serif" panose="02000603000000000000" pitchFamily="2" charset="0"/>
-                  <a:ea typeface="CMU Serif" panose="02000603000000000000" pitchFamily="2" charset="0"/>
-                  <a:cs typeface="CMU Serif" panose="02000603000000000000" pitchFamily="2" charset="0"/>
-                </a:rPr>
-                <a:t>3</a:t>
-              </a:r>
-            </a:p>
-          </p:txBody>
-        </p:sp>
-        <p:sp>
-          <p:nvSpPr>
-            <p:cNvPr id="298" name="TextBox 297">
-              <a:extLst>
-                <a:ext uri="{FF2B5EF4-FFF2-40B4-BE49-F238E27FC236}">
-                  <a16:creationId xmlns:a16="http://schemas.microsoft.com/office/drawing/2014/main" id="{9A78612C-55DE-4605-8708-BDEBDC86BB0F}"/>
-                </a:ext>
-              </a:extLst>
-            </p:cNvPr>
-            <p:cNvSpPr txBox="1"/>
-            <p:nvPr/>
-          </p:nvSpPr>
-          <p:spPr>
-            <a:xfrm>
-              <a:off x="3025096" y="3926268"/>
-              <a:ext cx="314509" cy="246221"/>
-            </a:xfrm>
-            <a:prstGeom prst="rect">
-              <a:avLst/>
-            </a:prstGeom>
-            <a:solidFill>
-              <a:schemeClr val="accent4">
-                <a:lumMod val="60000"/>
-                <a:lumOff val="40000"/>
-              </a:schemeClr>
-            </a:solidFill>
-          </p:spPr>
-          <p:txBody>
-            <a:bodyPr wrap="none" rtlCol="0" anchor="ctr">
-              <a:spAutoFit/>
-            </a:bodyPr>
-            <a:lstStyle/>
-            <a:p>
-              <a:pPr algn="ctr"/>
-              <a:r>
-                <a:rPr lang="en-PH" sz="1000" dirty="0">
-                  <a:effectLst>
-                    <a:outerShdw blurRad="38100" dist="38100" dir="2700000" algn="tl">
-                      <a:srgbClr val="000000">
-                        <a:alpha val="43137"/>
-                      </a:srgbClr>
-                    </a:outerShdw>
-                  </a:effectLst>
-                  <a:latin typeface="CMU Sans Serif" panose="02000603000000000000" pitchFamily="2" charset="0"/>
-                  <a:ea typeface="CMU Sans Serif" panose="02000603000000000000" pitchFamily="2" charset="0"/>
-                  <a:cs typeface="CMU Sans Serif" panose="02000603000000000000" pitchFamily="2" charset="0"/>
-                </a:rPr>
-                <a:t>K</a:t>
-              </a:r>
-              <a:r>
-                <a:rPr lang="en-PH" sz="1000" i="1" baseline="-25000" dirty="0">
-                  <a:effectLst>
-                    <a:outerShdw blurRad="38100" dist="38100" dir="2700000" algn="tl">
-                      <a:srgbClr val="000000">
-                        <a:alpha val="43137"/>
-                      </a:srgbClr>
-                    </a:outerShdw>
-                  </a:effectLst>
-                  <a:latin typeface="CMU Serif" panose="02000603000000000000" pitchFamily="2" charset="0"/>
-                  <a:ea typeface="CMU Serif" panose="02000603000000000000" pitchFamily="2" charset="0"/>
-                  <a:cs typeface="CMU Serif" panose="02000603000000000000" pitchFamily="2" charset="0"/>
-                </a:rPr>
-                <a:t>c</a:t>
-              </a:r>
-            </a:p>
-          </p:txBody>
-        </p:sp>
-        <p:sp>
-          <p:nvSpPr>
-            <p:cNvPr id="299" name="TextBox 298">
-              <a:extLst>
-                <a:ext uri="{FF2B5EF4-FFF2-40B4-BE49-F238E27FC236}">
-                  <a16:creationId xmlns:a16="http://schemas.microsoft.com/office/drawing/2014/main" id="{823EFF0C-50D5-407F-9E51-8BF224912DD7}"/>
-                </a:ext>
-              </a:extLst>
-            </p:cNvPr>
-            <p:cNvSpPr txBox="1"/>
-            <p:nvPr/>
-          </p:nvSpPr>
-          <p:spPr>
-            <a:xfrm>
-              <a:off x="3429839" y="3926268"/>
-              <a:ext cx="344966" cy="246221"/>
-            </a:xfrm>
-            <a:prstGeom prst="rect">
-              <a:avLst/>
-            </a:prstGeom>
-            <a:solidFill>
-              <a:schemeClr val="accent4">
-                <a:lumMod val="60000"/>
-                <a:lumOff val="40000"/>
-              </a:schemeClr>
-            </a:solidFill>
-          </p:spPr>
-          <p:txBody>
-            <a:bodyPr wrap="none" rtlCol="0" anchor="ctr">
-              <a:spAutoFit/>
-            </a:bodyPr>
-            <a:lstStyle/>
-            <a:p>
-              <a:pPr algn="ctr"/>
-              <a:r>
-                <a:rPr lang="en-PH" sz="1000" dirty="0">
-                  <a:effectLst>
-                    <a:outerShdw blurRad="38100" dist="38100" dir="2700000" algn="tl">
-                      <a:srgbClr val="000000">
-                        <a:alpha val="43137"/>
-                      </a:srgbClr>
-                    </a:outerShdw>
-                  </a:effectLst>
-                  <a:latin typeface="CMU Sans Serif" panose="02000603000000000000" pitchFamily="2" charset="0"/>
-                  <a:ea typeface="CMU Sans Serif" panose="02000603000000000000" pitchFamily="2" charset="0"/>
-                  <a:cs typeface="CMU Sans Serif" panose="02000603000000000000" pitchFamily="2" charset="0"/>
-                </a:rPr>
-                <a:t>K</a:t>
-              </a:r>
-              <a:r>
-                <a:rPr lang="en-PH" sz="1000" i="1" baseline="-25000" dirty="0">
-                  <a:effectLst>
-                    <a:outerShdw blurRad="38100" dist="38100" dir="2700000" algn="tl">
-                      <a:srgbClr val="000000">
-                        <a:alpha val="43137"/>
-                      </a:srgbClr>
-                    </a:outerShdw>
-                  </a:effectLst>
-                  <a:latin typeface="CMU Serif" panose="02000603000000000000" pitchFamily="2" charset="0"/>
-                  <a:ea typeface="CMU Serif" panose="02000603000000000000" pitchFamily="2" charset="0"/>
-                  <a:cs typeface="CMU Serif" panose="02000603000000000000" pitchFamily="2" charset="0"/>
-                </a:rPr>
-                <a:t>C</a:t>
-              </a:r>
-            </a:p>
-          </p:txBody>
-        </p:sp>
-        <p:sp>
-          <p:nvSpPr>
-            <p:cNvPr id="300" name="TextBox 299">
-              <a:extLst>
-                <a:ext uri="{FF2B5EF4-FFF2-40B4-BE49-F238E27FC236}">
-                  <a16:creationId xmlns:a16="http://schemas.microsoft.com/office/drawing/2014/main" id="{8CB1BA90-C11C-454D-9D78-5C0667938D06}"/>
-                </a:ext>
-              </a:extLst>
-            </p:cNvPr>
-            <p:cNvSpPr txBox="1"/>
-            <p:nvPr/>
-          </p:nvSpPr>
-          <p:spPr>
-            <a:xfrm>
-              <a:off x="3943055" y="3340412"/>
-              <a:ext cx="479618" cy="246221"/>
-            </a:xfrm>
-            <a:prstGeom prst="rect">
-              <a:avLst/>
-            </a:prstGeom>
-            <a:solidFill>
-              <a:schemeClr val="accent4">
-                <a:lumMod val="60000"/>
-                <a:lumOff val="40000"/>
-              </a:schemeClr>
-            </a:solidFill>
-          </p:spPr>
-          <p:txBody>
-            <a:bodyPr wrap="none" rtlCol="0" anchor="ctr">
-              <a:spAutoFit/>
-            </a:bodyPr>
-            <a:lstStyle/>
-            <a:p>
-              <a:pPr algn="ctr"/>
-              <a:r>
-                <a:rPr lang="en-PH" sz="1000" dirty="0">
-                  <a:effectLst>
-                    <a:outerShdw blurRad="38100" dist="38100" dir="2700000" algn="tl">
-                      <a:srgbClr val="000000">
-                        <a:alpha val="43137"/>
-                      </a:srgbClr>
-                    </a:outerShdw>
-                  </a:effectLst>
-                  <a:latin typeface="CMU Sans Serif" panose="02000603000000000000" pitchFamily="2" charset="0"/>
-                  <a:ea typeface="CMU Sans Serif" panose="02000603000000000000" pitchFamily="2" charset="0"/>
-                  <a:cs typeface="CMU Sans Serif" panose="02000603000000000000" pitchFamily="2" charset="0"/>
-                </a:rPr>
-                <a:t>K</a:t>
-              </a:r>
-              <a:r>
-                <a:rPr lang="en-PH" sz="1000" i="1" baseline="-25000" dirty="0">
-                  <a:effectLst>
-                    <a:outerShdw blurRad="38100" dist="38100" dir="2700000" algn="tl">
-                      <a:srgbClr val="000000">
-                        <a:alpha val="43137"/>
-                      </a:srgbClr>
-                    </a:outerShdw>
-                  </a:effectLst>
-                  <a:latin typeface="CMU Serif" panose="02000603000000000000" pitchFamily="2" charset="0"/>
-                  <a:ea typeface="CMU Serif" panose="02000603000000000000" pitchFamily="2" charset="0"/>
-                  <a:cs typeface="CMU Serif" panose="02000603000000000000" pitchFamily="2" charset="0"/>
-                </a:rPr>
-                <a:t>C </a:t>
-              </a:r>
-              <a:r>
-                <a:rPr lang="en-PH" sz="1000" baseline="-25000" dirty="0">
-                  <a:effectLst>
-                    <a:outerShdw blurRad="38100" dist="38100" dir="2700000" algn="tl">
-                      <a:srgbClr val="000000">
-                        <a:alpha val="43137"/>
-                      </a:srgbClr>
-                    </a:outerShdw>
-                  </a:effectLst>
-                  <a:latin typeface="CMU Serif" panose="02000603000000000000" pitchFamily="2" charset="0"/>
-                  <a:ea typeface="CMU Serif" panose="02000603000000000000" pitchFamily="2" charset="0"/>
-                  <a:cs typeface="CMU Serif" panose="02000603000000000000" pitchFamily="2" charset="0"/>
-                </a:rPr>
-                <a:t>– 1</a:t>
-              </a:r>
-            </a:p>
-          </p:txBody>
-        </p:sp>
-        <p:cxnSp>
-          <p:nvCxnSpPr>
-            <p:cNvPr id="301" name="Connector: Curved 300">
-              <a:extLst>
-                <a:ext uri="{FF2B5EF4-FFF2-40B4-BE49-F238E27FC236}">
-                  <a16:creationId xmlns:a16="http://schemas.microsoft.com/office/drawing/2014/main" id="{BBC741C5-8371-4CDF-9EEC-D4C4DD635FC6}"/>
-                </a:ext>
-              </a:extLst>
-            </p:cNvPr>
-            <p:cNvCxnSpPr>
-              <a:stCxn id="295" idx="0"/>
-              <a:endCxn id="294" idx="1"/>
-            </p:cNvCxnSpPr>
-            <p:nvPr/>
-          </p:nvCxnSpPr>
-          <p:spPr>
-            <a:xfrm rot="5400000" flipH="1" flipV="1">
-              <a:off x="2126408" y="1971067"/>
-              <a:ext cx="443796" cy="983972"/>
-            </a:xfrm>
-            <a:prstGeom prst="curvedConnector2">
-              <a:avLst/>
-            </a:prstGeom>
-            <a:ln w="9525">
-              <a:prstDash val="dash"/>
-              <a:headEnd type="stealth"/>
-              <a:tailEnd type="stealth"/>
-            </a:ln>
-          </p:spPr>
-          <p:style>
-            <a:lnRef idx="1">
-              <a:schemeClr val="accent1"/>
-            </a:lnRef>
-            <a:fillRef idx="0">
-              <a:schemeClr val="accent1"/>
-            </a:fillRef>
-            <a:effectRef idx="0">
-              <a:schemeClr val="accent1"/>
-            </a:effectRef>
-            <a:fontRef idx="minor">
-              <a:schemeClr val="tx1"/>
-            </a:fontRef>
-          </p:style>
-        </p:cxnSp>
-        <p:cxnSp>
-          <p:nvCxnSpPr>
-            <p:cNvPr id="302" name="Connector: Curved 301">
-              <a:extLst>
-                <a:ext uri="{FF2B5EF4-FFF2-40B4-BE49-F238E27FC236}">
-                  <a16:creationId xmlns:a16="http://schemas.microsoft.com/office/drawing/2014/main" id="{267BDE01-E64A-4E54-8ABB-C9AC15FC6672}"/>
-                </a:ext>
-              </a:extLst>
-            </p:cNvPr>
-            <p:cNvCxnSpPr>
-              <a:cxnSpLocks/>
-              <a:stCxn id="296" idx="0"/>
-              <a:endCxn id="294" idx="1"/>
-            </p:cNvCxnSpPr>
-            <p:nvPr/>
-          </p:nvCxnSpPr>
-          <p:spPr>
-            <a:xfrm rot="5400000" flipH="1" flipV="1">
-              <a:off x="1993372" y="2521521"/>
-              <a:ext cx="1127286" cy="566554"/>
-            </a:xfrm>
-            <a:prstGeom prst="curvedConnector2">
-              <a:avLst/>
-            </a:prstGeom>
-            <a:ln w="9525">
-              <a:prstDash val="dash"/>
-              <a:headEnd type="stealth"/>
-              <a:tailEnd type="stealth"/>
-            </a:ln>
-          </p:spPr>
-          <p:style>
-            <a:lnRef idx="1">
-              <a:schemeClr val="accent1"/>
-            </a:lnRef>
-            <a:fillRef idx="0">
-              <a:schemeClr val="accent1"/>
-            </a:fillRef>
-            <a:effectRef idx="0">
-              <a:schemeClr val="accent1"/>
-            </a:effectRef>
-            <a:fontRef idx="minor">
-              <a:schemeClr val="tx1"/>
-            </a:fontRef>
-          </p:style>
-        </p:cxnSp>
-        <p:cxnSp>
-          <p:nvCxnSpPr>
-            <p:cNvPr id="303" name="Connector: Curved 302">
-              <a:extLst>
-                <a:ext uri="{FF2B5EF4-FFF2-40B4-BE49-F238E27FC236}">
-                  <a16:creationId xmlns:a16="http://schemas.microsoft.com/office/drawing/2014/main" id="{05A97B8B-B0A5-45B5-B815-AB39D2C54707}"/>
-                </a:ext>
-              </a:extLst>
-            </p:cNvPr>
-            <p:cNvCxnSpPr>
-              <a:cxnSpLocks/>
-              <a:stCxn id="297" idx="0"/>
-              <a:endCxn id="294" idx="2"/>
-            </p:cNvCxnSpPr>
-            <p:nvPr/>
-          </p:nvCxnSpPr>
-          <p:spPr>
-            <a:xfrm rot="5400000" flipH="1" flipV="1">
-              <a:off x="2694693" y="2401924"/>
-              <a:ext cx="291316" cy="215999"/>
-            </a:xfrm>
-            <a:prstGeom prst="curvedConnector3">
-              <a:avLst>
-                <a:gd name="adj1" fmla="val 54360"/>
-              </a:avLst>
-            </a:prstGeom>
-            <a:ln w="9525">
-              <a:prstDash val="dash"/>
-              <a:headEnd type="stealth"/>
-              <a:tailEnd type="stealth"/>
-            </a:ln>
-          </p:spPr>
-          <p:style>
-            <a:lnRef idx="1">
-              <a:schemeClr val="accent1"/>
-            </a:lnRef>
-            <a:fillRef idx="0">
-              <a:schemeClr val="accent1"/>
-            </a:fillRef>
-            <a:effectRef idx="0">
-              <a:schemeClr val="accent1"/>
-            </a:effectRef>
-            <a:fontRef idx="minor">
-              <a:schemeClr val="tx1"/>
-            </a:fontRef>
-          </p:style>
-        </p:cxnSp>
-        <p:cxnSp>
-          <p:nvCxnSpPr>
-            <p:cNvPr id="304" name="Connector: Curved 303">
-              <a:extLst>
-                <a:ext uri="{FF2B5EF4-FFF2-40B4-BE49-F238E27FC236}">
-                  <a16:creationId xmlns:a16="http://schemas.microsoft.com/office/drawing/2014/main" id="{9547AA72-C519-4E52-A406-81F485697E5C}"/>
-                </a:ext>
-              </a:extLst>
-            </p:cNvPr>
-            <p:cNvCxnSpPr>
-              <a:cxnSpLocks/>
-              <a:stCxn id="298" idx="0"/>
-              <a:endCxn id="294" idx="3"/>
-            </p:cNvCxnSpPr>
-            <p:nvPr/>
-          </p:nvCxnSpPr>
-          <p:spPr>
-            <a:xfrm rot="16200000" flipV="1">
-              <a:off x="2276824" y="3020741"/>
-              <a:ext cx="1685113" cy="125942"/>
-            </a:xfrm>
-            <a:prstGeom prst="curvedConnector2">
-              <a:avLst/>
-            </a:prstGeom>
-            <a:ln w="9525">
-              <a:prstDash val="dash"/>
-              <a:headEnd type="stealth"/>
-              <a:tailEnd type="stealth"/>
-            </a:ln>
-          </p:spPr>
-          <p:style>
-            <a:lnRef idx="1">
-              <a:schemeClr val="accent1"/>
-            </a:lnRef>
-            <a:fillRef idx="0">
-              <a:schemeClr val="accent1"/>
-            </a:fillRef>
-            <a:effectRef idx="0">
-              <a:schemeClr val="accent1"/>
-            </a:effectRef>
-            <a:fontRef idx="minor">
-              <a:schemeClr val="tx1"/>
-            </a:fontRef>
-          </p:style>
-        </p:cxnSp>
-        <p:cxnSp>
-          <p:nvCxnSpPr>
-            <p:cNvPr id="305" name="Connector: Curved 304">
-              <a:extLst>
-                <a:ext uri="{FF2B5EF4-FFF2-40B4-BE49-F238E27FC236}">
-                  <a16:creationId xmlns:a16="http://schemas.microsoft.com/office/drawing/2014/main" id="{16B04215-5C19-40CD-BBA8-BE442D999DC8}"/>
-                </a:ext>
-              </a:extLst>
-            </p:cNvPr>
-            <p:cNvCxnSpPr>
-              <a:cxnSpLocks/>
-              <a:stCxn id="299" idx="0"/>
-              <a:endCxn id="294" idx="3"/>
-            </p:cNvCxnSpPr>
-            <p:nvPr/>
-          </p:nvCxnSpPr>
-          <p:spPr>
-            <a:xfrm rot="16200000" flipV="1">
-              <a:off x="2486810" y="2810755"/>
-              <a:ext cx="1685113" cy="545913"/>
-            </a:xfrm>
-            <a:prstGeom prst="curvedConnector2">
-              <a:avLst/>
-            </a:prstGeom>
-            <a:ln w="9525">
-              <a:prstDash val="dash"/>
-              <a:headEnd type="stealth"/>
-              <a:tailEnd type="stealth"/>
-            </a:ln>
-          </p:spPr>
-          <p:style>
-            <a:lnRef idx="1">
-              <a:schemeClr val="accent1"/>
-            </a:lnRef>
-            <a:fillRef idx="0">
-              <a:schemeClr val="accent1"/>
-            </a:fillRef>
-            <a:effectRef idx="0">
-              <a:schemeClr val="accent1"/>
-            </a:effectRef>
-            <a:fontRef idx="minor">
-              <a:schemeClr val="tx1"/>
-            </a:fontRef>
-          </p:style>
-        </p:cxnSp>
-        <p:cxnSp>
-          <p:nvCxnSpPr>
-            <p:cNvPr id="306" name="Connector: Curved 305">
-              <a:extLst>
-                <a:ext uri="{FF2B5EF4-FFF2-40B4-BE49-F238E27FC236}">
-                  <a16:creationId xmlns:a16="http://schemas.microsoft.com/office/drawing/2014/main" id="{0C082067-BC59-4B4A-BAF1-E437DC744FFD}"/>
-                </a:ext>
-              </a:extLst>
-            </p:cNvPr>
-            <p:cNvCxnSpPr>
-              <a:cxnSpLocks/>
-              <a:stCxn id="300" idx="0"/>
-              <a:endCxn id="294" idx="3"/>
-            </p:cNvCxnSpPr>
-            <p:nvPr/>
-          </p:nvCxnSpPr>
-          <p:spPr>
-            <a:xfrm rot="16200000" flipV="1">
-              <a:off x="3070009" y="2227556"/>
-              <a:ext cx="1099257" cy="1126455"/>
-            </a:xfrm>
-            <a:prstGeom prst="curvedConnector2">
-              <a:avLst/>
-            </a:prstGeom>
-            <a:ln w="9525">
-              <a:prstDash val="dash"/>
-              <a:headEnd type="stealth"/>
-              <a:tailEnd type="stealth"/>
-            </a:ln>
-          </p:spPr>
-          <p:style>
-            <a:lnRef idx="1">
-              <a:schemeClr val="accent1"/>
-            </a:lnRef>
-            <a:fillRef idx="0">
-              <a:schemeClr val="accent1"/>
-            </a:fillRef>
-            <a:effectRef idx="0">
-              <a:schemeClr val="accent1"/>
-            </a:effectRef>
-            <a:fontRef idx="minor">
-              <a:schemeClr val="tx1"/>
-            </a:fontRef>
-          </p:style>
-        </p:cxnSp>
-      </p:grpSp>
-    </p:spTree>
-    <p:extLst>
-      <p:ext uri="{BB962C8B-B14F-4D97-AF65-F5344CB8AC3E}">
-        <p14:creationId xmlns:p14="http://schemas.microsoft.com/office/powerpoint/2010/main" val="821477647"/>
-      </p:ext>
-    </p:extLst>
-  </p:cSld>
-  <p:clrMapOvr>
-    <a:masterClrMapping/>
-  </p:clrMapOvr>
-</p:sld>
-</file>
-
-<file path=ppt/slides/slide2.xml><?xml version="1.0" encoding="utf-8"?>
-<p:sld xmlns:a="http://schemas.openxmlformats.org/drawingml/2006/main" xmlns:r="http://schemas.openxmlformats.org/officeDocument/2006/relationships" xmlns:p="http://schemas.openxmlformats.org/presentationml/2006/main">
-  <p:cSld>
-    <p:spTree>
-      <p:nvGrpSpPr>
-        <p:cNvPr id="1" name=""/>
-        <p:cNvGrpSpPr/>
-        <p:nvPr/>
-      </p:nvGrpSpPr>
-      <p:grpSpPr>
-        <a:xfrm>
-          <a:off x="0" y="0"/>
-          <a:ext cx="0" cy="0"/>
-          <a:chOff x="0" y="0"/>
-          <a:chExt cx="0" cy="0"/>
-        </a:xfrm>
-      </p:grpSpPr>
-      <p:grpSp>
-        <p:nvGrpSpPr>
-          <p:cNvPr id="14" name="Group 13">
-            <a:extLst>
-              <a:ext uri="{FF2B5EF4-FFF2-40B4-BE49-F238E27FC236}">
-                <a16:creationId xmlns:a16="http://schemas.microsoft.com/office/drawing/2014/main" id="{E58AC24F-A78D-4DF9-9179-B4A2D2A998CA}"/>
-              </a:ext>
-            </a:extLst>
-          </p:cNvPr>
-          <p:cNvGrpSpPr/>
-          <p:nvPr/>
-        </p:nvGrpSpPr>
-        <p:grpSpPr>
-          <a:xfrm>
-            <a:off x="5020963" y="2137460"/>
-            <a:ext cx="3136534" cy="3609419"/>
-            <a:chOff x="5020963" y="2137460"/>
-            <a:chExt cx="3136534" cy="3609419"/>
-          </a:xfrm>
-        </p:grpSpPr>
-        <p:sp>
-          <p:nvSpPr>
-            <p:cNvPr id="230" name="Rectangle: Rounded Corners 229">
-              <a:extLst>
-                <a:ext uri="{FF2B5EF4-FFF2-40B4-BE49-F238E27FC236}">
-                  <a16:creationId xmlns:a16="http://schemas.microsoft.com/office/drawing/2014/main" id="{6281E948-FAB6-45E9-A22F-78293A83C387}"/>
-                </a:ext>
-              </a:extLst>
-            </p:cNvPr>
-            <p:cNvSpPr/>
-            <p:nvPr/>
-          </p:nvSpPr>
-          <p:spPr>
-            <a:xfrm>
-              <a:off x="5020963" y="4960180"/>
-              <a:ext cx="1238550" cy="786699"/>
-            </a:xfrm>
-            <a:prstGeom prst="roundRect">
-              <a:avLst/>
-            </a:prstGeom>
-            <a:solidFill>
-              <a:schemeClr val="accent3">
-                <a:lumMod val="60000"/>
-                <a:lumOff val="40000"/>
-                <a:alpha val="70000"/>
-              </a:schemeClr>
-            </a:solidFill>
-            <a:ln>
-              <a:noFill/>
-            </a:ln>
-          </p:spPr>
-          <p:style>
-            <a:lnRef idx="2">
-              <a:schemeClr val="accent1">
-                <a:shade val="50000"/>
-              </a:schemeClr>
-            </a:lnRef>
-            <a:fillRef idx="1">
-              <a:schemeClr val="accent1"/>
-            </a:fillRef>
-            <a:effectRef idx="0">
-              <a:schemeClr val="accent1"/>
-            </a:effectRef>
-            <a:fontRef idx="minor">
-              <a:schemeClr val="lt1"/>
-            </a:fontRef>
-          </p:style>
-          <p:txBody>
-            <a:bodyPr rtlCol="0" anchor="ctr"/>
-            <a:lstStyle/>
-            <a:p>
-              <a:pPr algn="ctr"/>
-              <a:endParaRPr lang="en-PH"/>
-            </a:p>
-          </p:txBody>
-        </p:sp>
-        <p:sp>
-          <p:nvSpPr>
-            <p:cNvPr id="226" name="Rectangle: Rounded Corners 225">
-              <a:extLst>
-                <a:ext uri="{FF2B5EF4-FFF2-40B4-BE49-F238E27FC236}">
-                  <a16:creationId xmlns:a16="http://schemas.microsoft.com/office/drawing/2014/main" id="{96E63C67-4786-41BB-98DE-AC74E0B69768}"/>
-                </a:ext>
-              </a:extLst>
-            </p:cNvPr>
-            <p:cNvSpPr/>
-            <p:nvPr/>
-          </p:nvSpPr>
-          <p:spPr>
-            <a:xfrm>
-              <a:off x="6262739" y="3955679"/>
-              <a:ext cx="1238550" cy="786699"/>
-            </a:xfrm>
-            <a:prstGeom prst="roundRect">
-              <a:avLst/>
-            </a:prstGeom>
-            <a:solidFill>
-              <a:schemeClr val="accent3">
-                <a:lumMod val="60000"/>
-                <a:lumOff val="40000"/>
-                <a:alpha val="70000"/>
-              </a:schemeClr>
-            </a:solidFill>
-            <a:ln>
-              <a:noFill/>
-            </a:ln>
-          </p:spPr>
-          <p:style>
-            <a:lnRef idx="2">
-              <a:schemeClr val="accent1">
-                <a:shade val="50000"/>
-              </a:schemeClr>
-            </a:lnRef>
-            <a:fillRef idx="1">
-              <a:schemeClr val="accent1"/>
-            </a:fillRef>
-            <a:effectRef idx="0">
-              <a:schemeClr val="accent1"/>
-            </a:effectRef>
-            <a:fontRef idx="minor">
-              <a:schemeClr val="lt1"/>
-            </a:fontRef>
-          </p:style>
-          <p:txBody>
-            <a:bodyPr rtlCol="0" anchor="ctr"/>
-            <a:lstStyle/>
-            <a:p>
-              <a:pPr algn="ctr"/>
-              <a:endParaRPr lang="en-PH"/>
-            </a:p>
-          </p:txBody>
-        </p:sp>
-        <p:cxnSp>
-          <p:nvCxnSpPr>
-            <p:cNvPr id="216" name="Connector: Curved 215">
-              <a:extLst>
-                <a:ext uri="{FF2B5EF4-FFF2-40B4-BE49-F238E27FC236}">
-                  <a16:creationId xmlns:a16="http://schemas.microsoft.com/office/drawing/2014/main" id="{A6FA9533-CC9A-4D5C-9950-1AD7D8CB9613}"/>
-                </a:ext>
-              </a:extLst>
-            </p:cNvPr>
-            <p:cNvCxnSpPr>
-              <a:cxnSpLocks/>
-              <a:stCxn id="142" idx="3"/>
-              <a:endCxn id="157" idx="2"/>
-            </p:cNvCxnSpPr>
-            <p:nvPr/>
-          </p:nvCxnSpPr>
-          <p:spPr>
-            <a:xfrm rot="5400000" flipH="1" flipV="1">
-              <a:off x="5607702" y="3185339"/>
-              <a:ext cx="1707368" cy="104052"/>
-            </a:xfrm>
-            <a:prstGeom prst="curvedConnector3">
-              <a:avLst>
-                <a:gd name="adj1" fmla="val 27406"/>
-              </a:avLst>
-            </a:prstGeom>
-            <a:ln w="9525">
-              <a:solidFill>
-                <a:schemeClr val="accent4">
-                  <a:lumMod val="75000"/>
-                </a:schemeClr>
-              </a:solidFill>
-              <a:prstDash val="dash"/>
-              <a:headEnd type="stealth"/>
-              <a:tailEnd type="none"/>
-            </a:ln>
-          </p:spPr>
-          <p:style>
-            <a:lnRef idx="1">
-              <a:schemeClr val="accent1"/>
-            </a:lnRef>
-            <a:fillRef idx="0">
-              <a:schemeClr val="accent1"/>
-            </a:fillRef>
-            <a:effectRef idx="0">
-              <a:schemeClr val="accent1"/>
-            </a:effectRef>
-            <a:fontRef idx="minor">
-              <a:schemeClr val="tx1"/>
-            </a:fontRef>
-          </p:style>
-        </p:cxnSp>
-        <p:cxnSp>
-          <p:nvCxnSpPr>
-            <p:cNvPr id="218" name="Connector: Curved 217">
-              <a:extLst>
-                <a:ext uri="{FF2B5EF4-FFF2-40B4-BE49-F238E27FC236}">
-                  <a16:creationId xmlns:a16="http://schemas.microsoft.com/office/drawing/2014/main" id="{C97D9099-172F-4B3A-9959-ECABBCBFDFA6}"/>
-                </a:ext>
-              </a:extLst>
-            </p:cNvPr>
-            <p:cNvCxnSpPr>
-              <a:cxnSpLocks/>
-              <a:stCxn id="145" idx="3"/>
-              <a:endCxn id="157" idx="2"/>
-            </p:cNvCxnSpPr>
-            <p:nvPr/>
-          </p:nvCxnSpPr>
-          <p:spPr>
-            <a:xfrm rot="16200000" flipV="1">
-              <a:off x="6083096" y="2813997"/>
-              <a:ext cx="1707368" cy="846735"/>
-            </a:xfrm>
-            <a:prstGeom prst="curvedConnector3">
-              <a:avLst>
-                <a:gd name="adj1" fmla="val 38284"/>
-              </a:avLst>
-            </a:prstGeom>
-            <a:ln w="9525">
-              <a:solidFill>
-                <a:schemeClr val="accent4">
-                  <a:lumMod val="75000"/>
-                </a:schemeClr>
-              </a:solidFill>
-              <a:prstDash val="dash"/>
-              <a:headEnd type="stealth"/>
-              <a:tailEnd type="none"/>
-            </a:ln>
-          </p:spPr>
-          <p:style>
-            <a:lnRef idx="1">
-              <a:schemeClr val="accent1"/>
-            </a:lnRef>
-            <a:fillRef idx="0">
-              <a:schemeClr val="accent1"/>
-            </a:fillRef>
-            <a:effectRef idx="0">
-              <a:schemeClr val="accent1"/>
-            </a:effectRef>
-            <a:fontRef idx="minor">
-              <a:schemeClr val="tx1"/>
-            </a:fontRef>
-          </p:style>
-        </p:cxnSp>
-        <p:cxnSp>
-          <p:nvCxnSpPr>
-            <p:cNvPr id="217" name="Connector: Curved 216">
-              <a:extLst>
-                <a:ext uri="{FF2B5EF4-FFF2-40B4-BE49-F238E27FC236}">
-                  <a16:creationId xmlns:a16="http://schemas.microsoft.com/office/drawing/2014/main" id="{74068A03-EBE7-4318-B464-47C7658DE8E1}"/>
-                </a:ext>
-              </a:extLst>
-            </p:cNvPr>
-            <p:cNvCxnSpPr>
-              <a:cxnSpLocks/>
-              <a:stCxn id="143" idx="3"/>
-              <a:endCxn id="157" idx="2"/>
-            </p:cNvCxnSpPr>
-            <p:nvPr/>
-          </p:nvCxnSpPr>
-          <p:spPr>
-            <a:xfrm rot="16200000" flipV="1">
-              <a:off x="5745402" y="3151691"/>
-              <a:ext cx="1707368" cy="171347"/>
-            </a:xfrm>
-            <a:prstGeom prst="curvedConnector3">
-              <a:avLst>
-                <a:gd name="adj1" fmla="val 50000"/>
-              </a:avLst>
-            </a:prstGeom>
-            <a:ln w="9525">
-              <a:solidFill>
-                <a:schemeClr val="accent4">
-                  <a:lumMod val="75000"/>
-                </a:schemeClr>
-              </a:solidFill>
-              <a:prstDash val="dash"/>
-              <a:headEnd type="stealth"/>
-              <a:tailEnd type="none"/>
-            </a:ln>
-          </p:spPr>
-          <p:style>
-            <a:lnRef idx="1">
-              <a:schemeClr val="accent1"/>
-            </a:lnRef>
-            <a:fillRef idx="0">
-              <a:schemeClr val="accent1"/>
-            </a:fillRef>
-            <a:effectRef idx="0">
-              <a:schemeClr val="accent1"/>
-            </a:effectRef>
-            <a:fontRef idx="minor">
-              <a:schemeClr val="tx1"/>
-            </a:fontRef>
-          </p:style>
-        </p:cxnSp>
-        <p:cxnSp>
-          <p:nvCxnSpPr>
-            <p:cNvPr id="219" name="Connector: Curved 218">
-              <a:extLst>
-                <a:ext uri="{FF2B5EF4-FFF2-40B4-BE49-F238E27FC236}">
-                  <a16:creationId xmlns:a16="http://schemas.microsoft.com/office/drawing/2014/main" id="{03AB4DBF-14A5-479F-A77A-8B9CBF3D34F8}"/>
-                </a:ext>
-              </a:extLst>
-            </p:cNvPr>
-            <p:cNvCxnSpPr>
-              <a:cxnSpLocks/>
-              <a:stCxn id="158" idx="3"/>
-              <a:endCxn id="157" idx="2"/>
-            </p:cNvCxnSpPr>
-            <p:nvPr/>
-          </p:nvCxnSpPr>
-          <p:spPr>
-            <a:xfrm rot="5400000" flipH="1" flipV="1">
-              <a:off x="4487626" y="3057086"/>
-              <a:ext cx="2699190" cy="1352381"/>
-            </a:xfrm>
-            <a:prstGeom prst="curvedConnector3">
-              <a:avLst>
-                <a:gd name="adj1" fmla="val 50000"/>
-              </a:avLst>
-            </a:prstGeom>
-            <a:ln w="9525">
-              <a:solidFill>
-                <a:schemeClr val="accent4">
-                  <a:lumMod val="75000"/>
-                </a:schemeClr>
-              </a:solidFill>
-              <a:prstDash val="dash"/>
-              <a:headEnd type="stealth"/>
-              <a:tailEnd type="none"/>
-            </a:ln>
-          </p:spPr>
-          <p:style>
-            <a:lnRef idx="1">
-              <a:schemeClr val="accent1"/>
-            </a:lnRef>
-            <a:fillRef idx="0">
-              <a:schemeClr val="accent1"/>
-            </a:fillRef>
-            <a:effectRef idx="0">
-              <a:schemeClr val="accent1"/>
-            </a:effectRef>
-            <a:fontRef idx="minor">
-              <a:schemeClr val="tx1"/>
-            </a:fontRef>
-          </p:style>
-        </p:cxnSp>
-        <p:cxnSp>
-          <p:nvCxnSpPr>
-            <p:cNvPr id="220" name="Connector: Curved 219">
-              <a:extLst>
-                <a:ext uri="{FF2B5EF4-FFF2-40B4-BE49-F238E27FC236}">
-                  <a16:creationId xmlns:a16="http://schemas.microsoft.com/office/drawing/2014/main" id="{EE94EBFB-DB72-4444-8FB1-1FC424D656C6}"/>
-                </a:ext>
-              </a:extLst>
-            </p:cNvPr>
-            <p:cNvCxnSpPr>
-              <a:cxnSpLocks/>
-              <a:stCxn id="159" idx="3"/>
-              <a:endCxn id="157" idx="2"/>
-            </p:cNvCxnSpPr>
-            <p:nvPr/>
-          </p:nvCxnSpPr>
-          <p:spPr>
-            <a:xfrm rot="5400000" flipH="1" flipV="1">
-              <a:off x="4625326" y="3194785"/>
-              <a:ext cx="2699190" cy="1076982"/>
-            </a:xfrm>
-            <a:prstGeom prst="curvedConnector3">
-              <a:avLst>
-                <a:gd name="adj1" fmla="val 50000"/>
-              </a:avLst>
-            </a:prstGeom>
-            <a:ln w="9525">
-              <a:solidFill>
-                <a:schemeClr val="accent4">
-                  <a:lumMod val="75000"/>
-                </a:schemeClr>
-              </a:solidFill>
-              <a:prstDash val="dash"/>
-              <a:headEnd type="stealth"/>
-              <a:tailEnd type="none"/>
-            </a:ln>
-          </p:spPr>
-          <p:style>
-            <a:lnRef idx="1">
-              <a:schemeClr val="accent1"/>
-            </a:lnRef>
-            <a:fillRef idx="0">
-              <a:schemeClr val="accent1"/>
-            </a:fillRef>
-            <a:effectRef idx="0">
-              <a:schemeClr val="accent1"/>
-            </a:effectRef>
-            <a:fontRef idx="minor">
-              <a:schemeClr val="tx1"/>
-            </a:fontRef>
-          </p:style>
-        </p:cxnSp>
-        <p:cxnSp>
-          <p:nvCxnSpPr>
-            <p:cNvPr id="221" name="Connector: Curved 220">
-              <a:extLst>
-                <a:ext uri="{FF2B5EF4-FFF2-40B4-BE49-F238E27FC236}">
-                  <a16:creationId xmlns:a16="http://schemas.microsoft.com/office/drawing/2014/main" id="{20C9903A-5CC3-41A2-8507-7EFDD6C16BDE}"/>
-                </a:ext>
-              </a:extLst>
-            </p:cNvPr>
-            <p:cNvCxnSpPr>
-              <a:cxnSpLocks/>
-              <a:stCxn id="160" idx="3"/>
-              <a:endCxn id="157" idx="2"/>
-            </p:cNvCxnSpPr>
-            <p:nvPr/>
-          </p:nvCxnSpPr>
-          <p:spPr>
-            <a:xfrm rot="5400000" flipH="1" flipV="1">
-              <a:off x="4963020" y="3532479"/>
-              <a:ext cx="2699190" cy="401594"/>
-            </a:xfrm>
-            <a:prstGeom prst="curvedConnector3">
-              <a:avLst>
-                <a:gd name="adj1" fmla="val 50000"/>
-              </a:avLst>
-            </a:prstGeom>
-            <a:ln w="9525">
-              <a:solidFill>
-                <a:schemeClr val="accent4">
-                  <a:lumMod val="75000"/>
-                </a:schemeClr>
-              </a:solidFill>
-              <a:prstDash val="dash"/>
-              <a:headEnd type="stealth"/>
-              <a:tailEnd type="none"/>
-            </a:ln>
-          </p:spPr>
-          <p:style>
-            <a:lnRef idx="1">
-              <a:schemeClr val="accent1"/>
-            </a:lnRef>
-            <a:fillRef idx="0">
-              <a:schemeClr val="accent1"/>
-            </a:fillRef>
-            <a:effectRef idx="0">
-              <a:schemeClr val="accent1"/>
-            </a:effectRef>
-            <a:fontRef idx="minor">
-              <a:schemeClr val="tx1"/>
-            </a:fontRef>
-          </p:style>
-        </p:cxnSp>
-        <p:sp>
-          <p:nvSpPr>
-            <p:cNvPr id="157" name="TextBox 156">
-              <a:extLst>
-                <a:ext uri="{FF2B5EF4-FFF2-40B4-BE49-F238E27FC236}">
-                  <a16:creationId xmlns:a16="http://schemas.microsoft.com/office/drawing/2014/main" id="{762904D1-5E36-41CE-BE8A-DE550AF46819}"/>
-                </a:ext>
-              </a:extLst>
-            </p:cNvPr>
-            <p:cNvSpPr txBox="1"/>
-            <p:nvPr/>
-          </p:nvSpPr>
-          <p:spPr>
-            <a:xfrm>
-              <a:off x="6348381" y="2137460"/>
-              <a:ext cx="330061" cy="246221"/>
-            </a:xfrm>
-            <a:prstGeom prst="rect">
-              <a:avLst/>
-            </a:prstGeom>
-            <a:solidFill>
-              <a:schemeClr val="accent4">
-                <a:lumMod val="60000"/>
-                <a:lumOff val="40000"/>
-              </a:schemeClr>
-            </a:solidFill>
-          </p:spPr>
-          <p:txBody>
-            <a:bodyPr wrap="square" rtlCol="0" anchor="ctr">
-              <a:spAutoFit/>
-            </a:bodyPr>
-            <a:lstStyle/>
-            <a:p>
-              <a:pPr algn="ctr"/>
-              <a:r>
-                <a:rPr lang="en-PH" sz="1000" dirty="0">
-                  <a:effectLst>
-                    <a:outerShdw blurRad="38100" dist="38100" dir="2700000" algn="tl">
-                      <a:srgbClr val="000000">
-                        <a:alpha val="43137"/>
-                      </a:srgbClr>
-                    </a:outerShdw>
-                  </a:effectLst>
-                  <a:latin typeface="CMU Sans Serif" panose="02000603000000000000" pitchFamily="2" charset="0"/>
-                  <a:ea typeface="CMU Sans Serif" panose="02000603000000000000" pitchFamily="2" charset="0"/>
-                  <a:cs typeface="CMU Sans Serif" panose="02000603000000000000" pitchFamily="2" charset="0"/>
-                </a:rPr>
-                <a:t>K</a:t>
-              </a:r>
-              <a:r>
-                <a:rPr lang="en-PH" sz="1000" i="1" baseline="-25000" dirty="0">
-                  <a:effectLst>
-                    <a:outerShdw blurRad="38100" dist="38100" dir="2700000" algn="tl">
-                      <a:srgbClr val="000000">
-                        <a:alpha val="43137"/>
-                      </a:srgbClr>
-                    </a:outerShdw>
-                  </a:effectLst>
-                  <a:latin typeface="CMU Serif" panose="02000603000000000000" pitchFamily="2" charset="0"/>
-                  <a:ea typeface="CMU Serif" panose="02000603000000000000" pitchFamily="2" charset="0"/>
-                  <a:cs typeface="CMU Serif" panose="02000603000000000000" pitchFamily="2" charset="0"/>
-                </a:rPr>
-                <a:t>c</a:t>
-              </a:r>
-            </a:p>
-          </p:txBody>
-        </p:sp>
-        <p:grpSp>
-          <p:nvGrpSpPr>
-            <p:cNvPr id="140" name="Group 139">
-              <a:extLst>
-                <a:ext uri="{FF2B5EF4-FFF2-40B4-BE49-F238E27FC236}">
-                  <a16:creationId xmlns:a16="http://schemas.microsoft.com/office/drawing/2014/main" id="{3FF89A5C-0B5B-4C65-BAF6-3F223E12530F}"/>
-                </a:ext>
-              </a:extLst>
-            </p:cNvPr>
-            <p:cNvGrpSpPr/>
-            <p:nvPr/>
-          </p:nvGrpSpPr>
-          <p:grpSpPr>
-            <a:xfrm>
-              <a:off x="6291618" y="4091049"/>
-              <a:ext cx="1214438" cy="454006"/>
-              <a:chOff x="4531045" y="2711425"/>
-              <a:chExt cx="1214438" cy="454006"/>
-            </a:xfrm>
-          </p:grpSpPr>
-          <p:sp>
-            <p:nvSpPr>
-              <p:cNvPr id="142" name="Isosceles Triangle 141">
-                <a:extLst>
-                  <a:ext uri="{FF2B5EF4-FFF2-40B4-BE49-F238E27FC236}">
-                    <a16:creationId xmlns:a16="http://schemas.microsoft.com/office/drawing/2014/main" id="{ED1823A6-0787-4934-8111-437C49F572A6}"/>
-                  </a:ext>
-                </a:extLst>
-              </p:cNvPr>
-              <p:cNvSpPr>
-                <a:spLocks noChangeAspect="1"/>
-              </p:cNvSpPr>
-              <p:nvPr/>
-            </p:nvSpPr>
-            <p:spPr>
-              <a:xfrm flipH="1" flipV="1">
-                <a:off x="4576787" y="2711425"/>
-                <a:ext cx="144000" cy="144000"/>
-              </a:xfrm>
-              <a:prstGeom prst="triangle">
-                <a:avLst/>
-              </a:prstGeom>
-              <a:solidFill>
-                <a:schemeClr val="tx1"/>
-              </a:solidFill>
-              <a:ln>
-                <a:solidFill>
-                  <a:schemeClr val="tx1"/>
-                </a:solidFill>
-              </a:ln>
-            </p:spPr>
-            <p:style>
-              <a:lnRef idx="2">
-                <a:schemeClr val="accent1">
-                  <a:shade val="50000"/>
-                </a:schemeClr>
-              </a:lnRef>
-              <a:fillRef idx="1">
-                <a:schemeClr val="accent1"/>
-              </a:fillRef>
-              <a:effectRef idx="0">
-                <a:schemeClr val="accent1"/>
-              </a:effectRef>
-              <a:fontRef idx="minor">
-                <a:schemeClr val="lt1"/>
-              </a:fontRef>
-            </p:style>
-            <p:txBody>
-              <a:bodyPr rtlCol="0" anchor="ctr"/>
-              <a:lstStyle/>
-              <a:p>
-                <a:pPr algn="ctr"/>
-                <a:endParaRPr lang="en-PH"/>
-              </a:p>
-            </p:txBody>
-          </p:sp>
-          <p:sp>
-            <p:nvSpPr>
-              <p:cNvPr id="143" name="Isosceles Triangle 142">
-                <a:extLst>
-                  <a:ext uri="{FF2B5EF4-FFF2-40B4-BE49-F238E27FC236}">
-                    <a16:creationId xmlns:a16="http://schemas.microsoft.com/office/drawing/2014/main" id="{E4853706-074B-46BA-8994-6E367EF5D30B}"/>
-                  </a:ext>
-                </a:extLst>
-              </p:cNvPr>
-              <p:cNvSpPr>
-                <a:spLocks noChangeAspect="1"/>
-              </p:cNvSpPr>
-              <p:nvPr/>
-            </p:nvSpPr>
-            <p:spPr>
-              <a:xfrm flipH="1" flipV="1">
-                <a:off x="4852186" y="2711425"/>
-                <a:ext cx="144000" cy="144000"/>
-              </a:xfrm>
-              <a:prstGeom prst="triangle">
-                <a:avLst/>
-              </a:prstGeom>
-              <a:solidFill>
-                <a:schemeClr val="tx1"/>
-              </a:solidFill>
-              <a:ln>
-                <a:solidFill>
-                  <a:schemeClr val="tx1"/>
-                </a:solidFill>
-              </a:ln>
-            </p:spPr>
-            <p:style>
-              <a:lnRef idx="2">
-                <a:schemeClr val="accent1">
-                  <a:shade val="50000"/>
-                </a:schemeClr>
-              </a:lnRef>
-              <a:fillRef idx="1">
-                <a:schemeClr val="accent1"/>
-              </a:fillRef>
-              <a:effectRef idx="0">
-                <a:schemeClr val="accent1"/>
-              </a:effectRef>
-              <a:fontRef idx="minor">
-                <a:schemeClr val="lt1"/>
-              </a:fontRef>
-            </p:style>
-            <p:txBody>
-              <a:bodyPr rtlCol="0" anchor="ctr"/>
-              <a:lstStyle/>
-              <a:p>
-                <a:pPr algn="ctr"/>
-                <a:endParaRPr lang="en-PH"/>
-              </a:p>
-            </p:txBody>
-          </p:sp>
-          <p:sp>
-            <p:nvSpPr>
-              <p:cNvPr id="145" name="Isosceles Triangle 144">
-                <a:extLst>
-                  <a:ext uri="{FF2B5EF4-FFF2-40B4-BE49-F238E27FC236}">
-                    <a16:creationId xmlns:a16="http://schemas.microsoft.com/office/drawing/2014/main" id="{6AF1BB19-88A2-410E-B00B-3160CF0D41F2}"/>
-                  </a:ext>
-                </a:extLst>
-              </p:cNvPr>
-              <p:cNvSpPr>
-                <a:spLocks noChangeAspect="1"/>
-              </p:cNvSpPr>
-              <p:nvPr/>
-            </p:nvSpPr>
-            <p:spPr>
-              <a:xfrm flipH="1" flipV="1">
-                <a:off x="5527574" y="2711425"/>
-                <a:ext cx="144000" cy="144000"/>
-              </a:xfrm>
-              <a:prstGeom prst="triangle">
-                <a:avLst/>
-              </a:prstGeom>
-              <a:solidFill>
-                <a:schemeClr val="tx1"/>
-              </a:solidFill>
-              <a:ln>
-                <a:solidFill>
-                  <a:schemeClr val="tx1"/>
-                </a:solidFill>
-              </a:ln>
-            </p:spPr>
-            <p:style>
-              <a:lnRef idx="2">
-                <a:schemeClr val="accent1">
-                  <a:shade val="50000"/>
-                </a:schemeClr>
-              </a:lnRef>
-              <a:fillRef idx="1">
-                <a:schemeClr val="accent1"/>
-              </a:fillRef>
-              <a:effectRef idx="0">
-                <a:schemeClr val="accent1"/>
-              </a:effectRef>
-              <a:fontRef idx="minor">
-                <a:schemeClr val="lt1"/>
-              </a:fontRef>
-            </p:style>
-            <p:txBody>
-              <a:bodyPr rtlCol="0" anchor="ctr"/>
-              <a:lstStyle/>
-              <a:p>
-                <a:pPr algn="ctr"/>
-                <a:endParaRPr lang="en-PH"/>
-              </a:p>
-            </p:txBody>
-          </p:sp>
-          <p:grpSp>
-            <p:nvGrpSpPr>
-              <p:cNvPr id="146" name="Group 145">
-                <a:extLst>
-                  <a:ext uri="{FF2B5EF4-FFF2-40B4-BE49-F238E27FC236}">
-                    <a16:creationId xmlns:a16="http://schemas.microsoft.com/office/drawing/2014/main" id="{1EB89113-8491-4374-9EA3-9300F92654D6}"/>
-                  </a:ext>
-                </a:extLst>
-              </p:cNvPr>
-              <p:cNvGrpSpPr/>
-              <p:nvPr/>
-            </p:nvGrpSpPr>
-            <p:grpSpPr>
-              <a:xfrm>
-                <a:off x="5121441" y="2799601"/>
-                <a:ext cx="280878" cy="36000"/>
-                <a:chOff x="6307740" y="2976576"/>
-                <a:chExt cx="280878" cy="36000"/>
-              </a:xfrm>
-            </p:grpSpPr>
-            <p:sp>
-              <p:nvSpPr>
-                <p:cNvPr id="152" name="Oval 151">
-                  <a:extLst>
-                    <a:ext uri="{FF2B5EF4-FFF2-40B4-BE49-F238E27FC236}">
-                      <a16:creationId xmlns:a16="http://schemas.microsoft.com/office/drawing/2014/main" id="{E7FA9614-81A3-4E56-8BA4-9C845001E547}"/>
-                    </a:ext>
-                  </a:extLst>
-                </p:cNvPr>
-                <p:cNvSpPr>
-                  <a:spLocks noChangeAspect="1"/>
-                </p:cNvSpPr>
-                <p:nvPr/>
-              </p:nvSpPr>
-              <p:spPr>
-                <a:xfrm rot="16200000">
-                  <a:off x="6307740" y="2976576"/>
-                  <a:ext cx="36000" cy="36000"/>
-                </a:xfrm>
-                <a:prstGeom prst="ellipse">
-                  <a:avLst/>
-                </a:prstGeom>
-                <a:solidFill>
-                  <a:schemeClr val="tx1"/>
-                </a:solidFill>
-                <a:ln w="19050">
-                  <a:solidFill>
-                    <a:schemeClr val="tx1"/>
-                  </a:solidFill>
-                </a:ln>
-              </p:spPr>
-              <p:style>
-                <a:lnRef idx="2">
-                  <a:schemeClr val="accent1">
-                    <a:shade val="50000"/>
-                  </a:schemeClr>
-                </a:lnRef>
-                <a:fillRef idx="1">
-                  <a:schemeClr val="accent1"/>
-                </a:fillRef>
-                <a:effectRef idx="0">
-                  <a:schemeClr val="accent1"/>
-                </a:effectRef>
-                <a:fontRef idx="minor">
-                  <a:schemeClr val="lt1"/>
-                </a:fontRef>
-              </p:style>
-              <p:txBody>
-                <a:bodyPr rtlCol="0" anchor="ctr"/>
-                <a:lstStyle/>
-                <a:p>
-                  <a:pPr algn="ctr"/>
-                  <a:endParaRPr lang="en-PH"/>
-                </a:p>
-              </p:txBody>
-            </p:sp>
-            <p:sp>
-              <p:nvSpPr>
-                <p:cNvPr id="153" name="Oval 152">
-                  <a:extLst>
-                    <a:ext uri="{FF2B5EF4-FFF2-40B4-BE49-F238E27FC236}">
-                      <a16:creationId xmlns:a16="http://schemas.microsoft.com/office/drawing/2014/main" id="{AE394D65-4F7C-44C1-AC9F-34D5F256F5CC}"/>
-                    </a:ext>
-                  </a:extLst>
-                </p:cNvPr>
-                <p:cNvSpPr>
-                  <a:spLocks noChangeAspect="1"/>
-                </p:cNvSpPr>
-                <p:nvPr/>
-              </p:nvSpPr>
-              <p:spPr>
-                <a:xfrm rot="16200000">
-                  <a:off x="6430179" y="2976576"/>
-                  <a:ext cx="36000" cy="36000"/>
-                </a:xfrm>
-                <a:prstGeom prst="ellipse">
-                  <a:avLst/>
-                </a:prstGeom>
-                <a:solidFill>
-                  <a:schemeClr val="tx1"/>
-                </a:solidFill>
-                <a:ln w="19050">
-                  <a:solidFill>
-                    <a:schemeClr val="tx1"/>
-                  </a:solidFill>
-                </a:ln>
-              </p:spPr>
-              <p:style>
-                <a:lnRef idx="2">
-                  <a:schemeClr val="accent1">
-                    <a:shade val="50000"/>
-                  </a:schemeClr>
-                </a:lnRef>
-                <a:fillRef idx="1">
-                  <a:schemeClr val="accent1"/>
-                </a:fillRef>
-                <a:effectRef idx="0">
-                  <a:schemeClr val="accent1"/>
-                </a:effectRef>
-                <a:fontRef idx="minor">
-                  <a:schemeClr val="lt1"/>
-                </a:fontRef>
-              </p:style>
-              <p:txBody>
-                <a:bodyPr rtlCol="0" anchor="ctr"/>
-                <a:lstStyle/>
-                <a:p>
-                  <a:pPr algn="ctr"/>
-                  <a:endParaRPr lang="en-PH"/>
-                </a:p>
-              </p:txBody>
-            </p:sp>
-            <p:sp>
-              <p:nvSpPr>
-                <p:cNvPr id="154" name="Oval 153">
-                  <a:extLst>
-                    <a:ext uri="{FF2B5EF4-FFF2-40B4-BE49-F238E27FC236}">
-                      <a16:creationId xmlns:a16="http://schemas.microsoft.com/office/drawing/2014/main" id="{C16A845F-E60B-4B64-A3C6-881D457E30B3}"/>
-                    </a:ext>
-                  </a:extLst>
-                </p:cNvPr>
-                <p:cNvSpPr>
-                  <a:spLocks noChangeAspect="1"/>
-                </p:cNvSpPr>
-                <p:nvPr/>
-              </p:nvSpPr>
-              <p:spPr>
-                <a:xfrm rot="16200000">
-                  <a:off x="6552618" y="2976576"/>
-                  <a:ext cx="36000" cy="36000"/>
-                </a:xfrm>
-                <a:prstGeom prst="ellipse">
-                  <a:avLst/>
-                </a:prstGeom>
-                <a:solidFill>
-                  <a:schemeClr val="tx1"/>
-                </a:solidFill>
-                <a:ln w="19050">
-                  <a:solidFill>
-                    <a:schemeClr val="tx1"/>
-                  </a:solidFill>
-                </a:ln>
-              </p:spPr>
-              <p:style>
-                <a:lnRef idx="2">
-                  <a:schemeClr val="accent1">
-                    <a:shade val="50000"/>
-                  </a:schemeClr>
-                </a:lnRef>
-                <a:fillRef idx="1">
-                  <a:schemeClr val="accent1"/>
-                </a:fillRef>
-                <a:effectRef idx="0">
-                  <a:schemeClr val="accent1"/>
-                </a:effectRef>
-                <a:fontRef idx="minor">
-                  <a:schemeClr val="lt1"/>
-                </a:fontRef>
-              </p:style>
-              <p:txBody>
-                <a:bodyPr rtlCol="0" anchor="ctr"/>
-                <a:lstStyle/>
-                <a:p>
-                  <a:pPr algn="ctr"/>
-                  <a:endParaRPr lang="en-PH"/>
-                </a:p>
-              </p:txBody>
-            </p:sp>
-          </p:grpSp>
-          <p:graphicFrame>
-            <p:nvGraphicFramePr>
-              <p:cNvPr id="147" name="Object 146">
-                <a:extLst>
-                  <a:ext uri="{FF2B5EF4-FFF2-40B4-BE49-F238E27FC236}">
-                    <a16:creationId xmlns:a16="http://schemas.microsoft.com/office/drawing/2014/main" id="{FD872813-ED92-4D22-ACD9-858E19DC9DDF}"/>
-                  </a:ext>
-                </a:extLst>
-              </p:cNvPr>
-              <p:cNvGraphicFramePr>
-                <a:graphicFrameLocks noChangeAspect="1"/>
-              </p:cNvGraphicFramePr>
-              <p:nvPr>
-                <p:extLst>
-                  <p:ext uri="{D42A27DB-BD31-4B8C-83A1-F6EECF244321}">
-                    <p14:modId xmlns:p14="http://schemas.microsoft.com/office/powerpoint/2010/main" val="847668445"/>
-                  </p:ext>
-                </p:extLst>
-              </p:nvPr>
-            </p:nvGraphicFramePr>
-            <p:xfrm>
-              <a:off x="4531045" y="2905081"/>
-              <a:ext cx="241300" cy="254000"/>
-            </p:xfrm>
-            <a:graphic>
-              <a:graphicData uri="http://schemas.openxmlformats.org/presentationml/2006/ole">
-                <mc:AlternateContent xmlns:mc="http://schemas.openxmlformats.org/markup-compatibility/2006">
-                  <mc:Choice xmlns:v="urn:schemas-microsoft-com:vml" Requires="v">
-                    <p:oleObj spid="_x0000_s2736" name="Equation" r:id="rId3" imgW="241200" imgH="253800" progId="Equation.DSMT4">
-                      <p:embed/>
-                    </p:oleObj>
-                  </mc:Choice>
-                  <mc:Fallback>
-                    <p:oleObj name="Equation" r:id="rId3" imgW="241200" imgH="253800" progId="Equation.DSMT4">
-                      <p:embed/>
-                      <p:pic>
-                        <p:nvPicPr>
-                          <p:cNvPr id="147" name="Object 146">
-                            <a:extLst>
-                              <a:ext uri="{FF2B5EF4-FFF2-40B4-BE49-F238E27FC236}">
-                                <a16:creationId xmlns:a16="http://schemas.microsoft.com/office/drawing/2014/main" id="{FD872813-ED92-4D22-ACD9-858E19DC9DDF}"/>
-                              </a:ext>
-                            </a:extLst>
-                          </p:cNvPr>
-                          <p:cNvPicPr/>
-                          <p:nvPr/>
-                        </p:nvPicPr>
-                        <p:blipFill>
-                          <a:blip r:embed="rId4"/>
-                          <a:stretch>
-                            <a:fillRect/>
-                          </a:stretch>
-                        </p:blipFill>
-                        <p:spPr>
-                          <a:xfrm>
-                            <a:off x="4531045" y="2905081"/>
-                            <a:ext cx="241300" cy="254000"/>
-                          </a:xfrm>
-                          <a:prstGeom prst="rect">
-                            <a:avLst/>
-                          </a:prstGeom>
-                        </p:spPr>
-                      </p:pic>
-                    </p:oleObj>
-                  </mc:Fallback>
-                </mc:AlternateContent>
-              </a:graphicData>
-            </a:graphic>
-          </p:graphicFrame>
-          <p:graphicFrame>
-            <p:nvGraphicFramePr>
-              <p:cNvPr id="149" name="Object 148">
-                <a:extLst>
-                  <a:ext uri="{FF2B5EF4-FFF2-40B4-BE49-F238E27FC236}">
-                    <a16:creationId xmlns:a16="http://schemas.microsoft.com/office/drawing/2014/main" id="{7C8034E0-80D2-4CEC-9BCA-C418C38372BA}"/>
-                  </a:ext>
-                </a:extLst>
-              </p:cNvPr>
-              <p:cNvGraphicFramePr>
-                <a:graphicFrameLocks noChangeAspect="1"/>
-              </p:cNvGraphicFramePr>
-              <p:nvPr>
-                <p:extLst>
-                  <p:ext uri="{D42A27DB-BD31-4B8C-83A1-F6EECF244321}">
-                    <p14:modId xmlns:p14="http://schemas.microsoft.com/office/powerpoint/2010/main" val="704558076"/>
-                  </p:ext>
-                </p:extLst>
-              </p:nvPr>
-            </p:nvGraphicFramePr>
-            <p:xfrm>
-              <a:off x="4804095" y="2905081"/>
-              <a:ext cx="241300" cy="254000"/>
-            </p:xfrm>
-            <a:graphic>
-              <a:graphicData uri="http://schemas.openxmlformats.org/presentationml/2006/ole">
-                <mc:AlternateContent xmlns:mc="http://schemas.openxmlformats.org/markup-compatibility/2006">
-                  <mc:Choice xmlns:v="urn:schemas-microsoft-com:vml" Requires="v">
-                    <p:oleObj spid="_x0000_s2737" name="Equation" r:id="rId5" imgW="241200" imgH="253800" progId="Equation.DSMT4">
-                      <p:embed/>
-                    </p:oleObj>
-                  </mc:Choice>
-                  <mc:Fallback>
-                    <p:oleObj name="Equation" r:id="rId5" imgW="241200" imgH="253800" progId="Equation.DSMT4">
-                      <p:embed/>
-                      <p:pic>
-                        <p:nvPicPr>
-                          <p:cNvPr id="149" name="Object 148">
-                            <a:extLst>
-                              <a:ext uri="{FF2B5EF4-FFF2-40B4-BE49-F238E27FC236}">
-                                <a16:creationId xmlns:a16="http://schemas.microsoft.com/office/drawing/2014/main" id="{7C8034E0-80D2-4CEC-9BCA-C418C38372BA}"/>
-                              </a:ext>
-                            </a:extLst>
-                          </p:cNvPr>
-                          <p:cNvPicPr/>
-                          <p:nvPr/>
-                        </p:nvPicPr>
-                        <p:blipFill>
-                          <a:blip r:embed="rId6"/>
-                          <a:stretch>
-                            <a:fillRect/>
-                          </a:stretch>
-                        </p:blipFill>
-                        <p:spPr>
-                          <a:xfrm>
-                            <a:off x="4804095" y="2905081"/>
-                            <a:ext cx="241300" cy="254000"/>
-                          </a:xfrm>
-                          <a:prstGeom prst="rect">
-                            <a:avLst/>
-                          </a:prstGeom>
-                        </p:spPr>
-                      </p:pic>
-                    </p:oleObj>
-                  </mc:Fallback>
-                </mc:AlternateContent>
-              </a:graphicData>
-            </a:graphic>
-          </p:graphicFrame>
-          <p:graphicFrame>
-            <p:nvGraphicFramePr>
-              <p:cNvPr id="150" name="Object 149">
-                <a:extLst>
-                  <a:ext uri="{FF2B5EF4-FFF2-40B4-BE49-F238E27FC236}">
-                    <a16:creationId xmlns:a16="http://schemas.microsoft.com/office/drawing/2014/main" id="{E9D9D856-E42D-4695-A881-9598ACF37ABD}"/>
-                  </a:ext>
-                </a:extLst>
-              </p:cNvPr>
-              <p:cNvGraphicFramePr>
-                <a:graphicFrameLocks noChangeAspect="1"/>
-              </p:cNvGraphicFramePr>
-              <p:nvPr>
-                <p:extLst>
-                  <p:ext uri="{D42A27DB-BD31-4B8C-83A1-F6EECF244321}">
-                    <p14:modId xmlns:p14="http://schemas.microsoft.com/office/powerpoint/2010/main" val="2977854337"/>
-                  </p:ext>
-                </p:extLst>
-              </p:nvPr>
-            </p:nvGraphicFramePr>
-            <p:xfrm>
-              <a:off x="5453383" y="2898731"/>
-              <a:ext cx="292100" cy="266700"/>
-            </p:xfrm>
-            <a:graphic>
-              <a:graphicData uri="http://schemas.openxmlformats.org/presentationml/2006/ole">
-                <mc:AlternateContent xmlns:mc="http://schemas.openxmlformats.org/markup-compatibility/2006">
-                  <mc:Choice xmlns:v="urn:schemas-microsoft-com:vml" Requires="v">
-                    <p:oleObj spid="_x0000_s2738" name="Equation" r:id="rId7" imgW="291960" imgH="266400" progId="Equation.DSMT4">
-                      <p:embed/>
-                    </p:oleObj>
-                  </mc:Choice>
-                  <mc:Fallback>
-                    <p:oleObj name="Equation" r:id="rId7" imgW="291960" imgH="266400" progId="Equation.DSMT4">
-                      <p:embed/>
-                      <p:pic>
-                        <p:nvPicPr>
-                          <p:cNvPr id="150" name="Object 149">
-                            <a:extLst>
-                              <a:ext uri="{FF2B5EF4-FFF2-40B4-BE49-F238E27FC236}">
-                                <a16:creationId xmlns:a16="http://schemas.microsoft.com/office/drawing/2014/main" id="{E9D9D856-E42D-4695-A881-9598ACF37ABD}"/>
-                              </a:ext>
-                            </a:extLst>
-                          </p:cNvPr>
-                          <p:cNvPicPr/>
-                          <p:nvPr/>
-                        </p:nvPicPr>
-                        <p:blipFill>
-                          <a:blip r:embed="rId8"/>
-                          <a:stretch>
-                            <a:fillRect/>
-                          </a:stretch>
-                        </p:blipFill>
-                        <p:spPr>
-                          <a:xfrm>
-                            <a:off x="5453383" y="2898731"/>
-                            <a:ext cx="292100" cy="266700"/>
-                          </a:xfrm>
-                          <a:prstGeom prst="rect">
-                            <a:avLst/>
-                          </a:prstGeom>
-                        </p:spPr>
-                      </p:pic>
-                    </p:oleObj>
-                  </mc:Fallback>
-                </mc:AlternateContent>
-              </a:graphicData>
-            </a:graphic>
-          </p:graphicFrame>
-        </p:grpSp>
-        <p:grpSp>
-          <p:nvGrpSpPr>
-            <p:cNvPr id="156" name="Group 155">
-              <a:extLst>
-                <a:ext uri="{FF2B5EF4-FFF2-40B4-BE49-F238E27FC236}">
-                  <a16:creationId xmlns:a16="http://schemas.microsoft.com/office/drawing/2014/main" id="{FA1C16DD-F48B-4882-86F7-D6CD837A3907}"/>
-                </a:ext>
-              </a:extLst>
-            </p:cNvPr>
-            <p:cNvGrpSpPr/>
-            <p:nvPr/>
-          </p:nvGrpSpPr>
-          <p:grpSpPr>
-            <a:xfrm>
-              <a:off x="5030961" y="5082871"/>
-              <a:ext cx="1239838" cy="453735"/>
-              <a:chOff x="4518717" y="2711425"/>
-              <a:chExt cx="1239838" cy="453735"/>
-            </a:xfrm>
-          </p:grpSpPr>
-          <p:sp>
-            <p:nvSpPr>
-              <p:cNvPr id="158" name="Isosceles Triangle 157">
-                <a:extLst>
-                  <a:ext uri="{FF2B5EF4-FFF2-40B4-BE49-F238E27FC236}">
-                    <a16:creationId xmlns:a16="http://schemas.microsoft.com/office/drawing/2014/main" id="{B1901C3F-EA2D-44C3-BFC8-165297462221}"/>
-                  </a:ext>
-                </a:extLst>
-              </p:cNvPr>
-              <p:cNvSpPr>
-                <a:spLocks noChangeAspect="1"/>
-              </p:cNvSpPr>
-              <p:nvPr/>
-            </p:nvSpPr>
-            <p:spPr>
-              <a:xfrm flipH="1" flipV="1">
-                <a:off x="4576787" y="2711425"/>
-                <a:ext cx="144000" cy="144000"/>
-              </a:xfrm>
-              <a:prstGeom prst="triangle">
-                <a:avLst/>
-              </a:prstGeom>
-              <a:solidFill>
-                <a:schemeClr val="tx1"/>
-              </a:solidFill>
-              <a:ln>
-                <a:solidFill>
-                  <a:schemeClr val="tx1"/>
-                </a:solidFill>
-              </a:ln>
-            </p:spPr>
-            <p:style>
-              <a:lnRef idx="2">
-                <a:schemeClr val="accent1">
-                  <a:shade val="50000"/>
-                </a:schemeClr>
-              </a:lnRef>
-              <a:fillRef idx="1">
-                <a:schemeClr val="accent1"/>
-              </a:fillRef>
-              <a:effectRef idx="0">
-                <a:schemeClr val="accent1"/>
-              </a:effectRef>
-              <a:fontRef idx="minor">
-                <a:schemeClr val="lt1"/>
-              </a:fontRef>
-            </p:style>
-            <p:txBody>
-              <a:bodyPr rtlCol="0" anchor="ctr"/>
-              <a:lstStyle/>
-              <a:p>
-                <a:pPr algn="ctr"/>
-                <a:endParaRPr lang="en-PH"/>
-              </a:p>
-            </p:txBody>
-          </p:sp>
-          <p:sp>
-            <p:nvSpPr>
-              <p:cNvPr id="159" name="Isosceles Triangle 158">
-                <a:extLst>
-                  <a:ext uri="{FF2B5EF4-FFF2-40B4-BE49-F238E27FC236}">
-                    <a16:creationId xmlns:a16="http://schemas.microsoft.com/office/drawing/2014/main" id="{2D5836CF-0B3F-4612-B5AE-48FC2F5A70BF}"/>
-                  </a:ext>
-                </a:extLst>
-              </p:cNvPr>
-              <p:cNvSpPr>
-                <a:spLocks noChangeAspect="1"/>
-              </p:cNvSpPr>
-              <p:nvPr/>
-            </p:nvSpPr>
-            <p:spPr>
-              <a:xfrm flipH="1" flipV="1">
-                <a:off x="4852186" y="2711425"/>
-                <a:ext cx="144000" cy="144000"/>
-              </a:xfrm>
-              <a:prstGeom prst="triangle">
-                <a:avLst/>
-              </a:prstGeom>
-              <a:solidFill>
-                <a:schemeClr val="tx1"/>
-              </a:solidFill>
-              <a:ln>
-                <a:solidFill>
-                  <a:schemeClr val="tx1"/>
-                </a:solidFill>
-              </a:ln>
-            </p:spPr>
-            <p:style>
-              <a:lnRef idx="2">
-                <a:schemeClr val="accent1">
-                  <a:shade val="50000"/>
-                </a:schemeClr>
-              </a:lnRef>
-              <a:fillRef idx="1">
-                <a:schemeClr val="accent1"/>
-              </a:fillRef>
-              <a:effectRef idx="0">
-                <a:schemeClr val="accent1"/>
-              </a:effectRef>
-              <a:fontRef idx="minor">
-                <a:schemeClr val="lt1"/>
-              </a:fontRef>
-            </p:style>
-            <p:txBody>
-              <a:bodyPr rtlCol="0" anchor="ctr"/>
-              <a:lstStyle/>
-              <a:p>
-                <a:pPr algn="ctr"/>
-                <a:endParaRPr lang="en-PH"/>
-              </a:p>
-            </p:txBody>
-          </p:sp>
-          <p:sp>
-            <p:nvSpPr>
-              <p:cNvPr id="160" name="Isosceles Triangle 159">
-                <a:extLst>
-                  <a:ext uri="{FF2B5EF4-FFF2-40B4-BE49-F238E27FC236}">
-                    <a16:creationId xmlns:a16="http://schemas.microsoft.com/office/drawing/2014/main" id="{3349D73E-0D48-49D6-98EB-AC63F16E9D10}"/>
-                  </a:ext>
-                </a:extLst>
-              </p:cNvPr>
-              <p:cNvSpPr>
-                <a:spLocks noChangeAspect="1"/>
-              </p:cNvSpPr>
-              <p:nvPr/>
-            </p:nvSpPr>
-            <p:spPr>
-              <a:xfrm flipH="1" flipV="1">
-                <a:off x="5527574" y="2711425"/>
-                <a:ext cx="144000" cy="144000"/>
-              </a:xfrm>
-              <a:prstGeom prst="triangle">
-                <a:avLst/>
-              </a:prstGeom>
-              <a:solidFill>
-                <a:schemeClr val="tx1"/>
-              </a:solidFill>
-              <a:ln>
-                <a:solidFill>
-                  <a:schemeClr val="tx1"/>
-                </a:solidFill>
-              </a:ln>
-            </p:spPr>
-            <p:style>
-              <a:lnRef idx="2">
-                <a:schemeClr val="accent1">
-                  <a:shade val="50000"/>
-                </a:schemeClr>
-              </a:lnRef>
-              <a:fillRef idx="1">
-                <a:schemeClr val="accent1"/>
-              </a:fillRef>
-              <a:effectRef idx="0">
-                <a:schemeClr val="accent1"/>
-              </a:effectRef>
-              <a:fontRef idx="minor">
-                <a:schemeClr val="lt1"/>
-              </a:fontRef>
-            </p:style>
-            <p:txBody>
-              <a:bodyPr rtlCol="0" anchor="ctr"/>
-              <a:lstStyle/>
-              <a:p>
-                <a:pPr algn="ctr"/>
-                <a:endParaRPr lang="en-PH"/>
-              </a:p>
-            </p:txBody>
-          </p:sp>
-          <p:grpSp>
-            <p:nvGrpSpPr>
-              <p:cNvPr id="162" name="Group 161">
-                <a:extLst>
-                  <a:ext uri="{FF2B5EF4-FFF2-40B4-BE49-F238E27FC236}">
-                    <a16:creationId xmlns:a16="http://schemas.microsoft.com/office/drawing/2014/main" id="{AD6F368C-E3F2-469B-AF06-9D4037A01A35}"/>
-                  </a:ext>
-                </a:extLst>
-              </p:cNvPr>
-              <p:cNvGrpSpPr/>
-              <p:nvPr/>
-            </p:nvGrpSpPr>
-            <p:grpSpPr>
-              <a:xfrm>
-                <a:off x="5121441" y="2799601"/>
-                <a:ext cx="280878" cy="36000"/>
-                <a:chOff x="6307740" y="2976576"/>
-                <a:chExt cx="280878" cy="36000"/>
-              </a:xfrm>
-            </p:grpSpPr>
-            <p:sp>
-              <p:nvSpPr>
-                <p:cNvPr id="170" name="Oval 169">
-                  <a:extLst>
-                    <a:ext uri="{FF2B5EF4-FFF2-40B4-BE49-F238E27FC236}">
-                      <a16:creationId xmlns:a16="http://schemas.microsoft.com/office/drawing/2014/main" id="{54D8BC28-EE6A-4401-BDD1-DC1B27D4EC58}"/>
-                    </a:ext>
-                  </a:extLst>
-                </p:cNvPr>
-                <p:cNvSpPr>
-                  <a:spLocks noChangeAspect="1"/>
-                </p:cNvSpPr>
-                <p:nvPr/>
-              </p:nvSpPr>
-              <p:spPr>
-                <a:xfrm rot="16200000">
-                  <a:off x="6307740" y="2976576"/>
-                  <a:ext cx="36000" cy="36000"/>
-                </a:xfrm>
-                <a:prstGeom prst="ellipse">
-                  <a:avLst/>
-                </a:prstGeom>
-                <a:solidFill>
-                  <a:schemeClr val="tx1"/>
-                </a:solidFill>
-                <a:ln w="19050">
-                  <a:solidFill>
-                    <a:schemeClr val="tx1"/>
-                  </a:solidFill>
-                </a:ln>
-              </p:spPr>
-              <p:style>
-                <a:lnRef idx="2">
-                  <a:schemeClr val="accent1">
-                    <a:shade val="50000"/>
-                  </a:schemeClr>
-                </a:lnRef>
-                <a:fillRef idx="1">
-                  <a:schemeClr val="accent1"/>
-                </a:fillRef>
-                <a:effectRef idx="0">
-                  <a:schemeClr val="accent1"/>
-                </a:effectRef>
-                <a:fontRef idx="minor">
-                  <a:schemeClr val="lt1"/>
-                </a:fontRef>
-              </p:style>
-              <p:txBody>
-                <a:bodyPr rtlCol="0" anchor="ctr"/>
-                <a:lstStyle/>
-                <a:p>
-                  <a:pPr algn="ctr"/>
-                  <a:endParaRPr lang="en-PH"/>
-                </a:p>
-              </p:txBody>
-            </p:sp>
-            <p:sp>
-              <p:nvSpPr>
-                <p:cNvPr id="172" name="Oval 171">
-                  <a:extLst>
-                    <a:ext uri="{FF2B5EF4-FFF2-40B4-BE49-F238E27FC236}">
-                      <a16:creationId xmlns:a16="http://schemas.microsoft.com/office/drawing/2014/main" id="{3268CEEF-1DA1-4F8B-8524-96A4F944E536}"/>
-                    </a:ext>
-                  </a:extLst>
-                </p:cNvPr>
-                <p:cNvSpPr>
-                  <a:spLocks noChangeAspect="1"/>
-                </p:cNvSpPr>
-                <p:nvPr/>
-              </p:nvSpPr>
-              <p:spPr>
-                <a:xfrm rot="16200000">
-                  <a:off x="6430179" y="2976576"/>
-                  <a:ext cx="36000" cy="36000"/>
-                </a:xfrm>
-                <a:prstGeom prst="ellipse">
-                  <a:avLst/>
-                </a:prstGeom>
-                <a:solidFill>
-                  <a:schemeClr val="tx1"/>
-                </a:solidFill>
-                <a:ln w="19050">
-                  <a:solidFill>
-                    <a:schemeClr val="tx1"/>
-                  </a:solidFill>
-                </a:ln>
-              </p:spPr>
-              <p:style>
-                <a:lnRef idx="2">
-                  <a:schemeClr val="accent1">
-                    <a:shade val="50000"/>
-                  </a:schemeClr>
-                </a:lnRef>
-                <a:fillRef idx="1">
-                  <a:schemeClr val="accent1"/>
-                </a:fillRef>
-                <a:effectRef idx="0">
-                  <a:schemeClr val="accent1"/>
-                </a:effectRef>
-                <a:fontRef idx="minor">
-                  <a:schemeClr val="lt1"/>
-                </a:fontRef>
-              </p:style>
-              <p:txBody>
-                <a:bodyPr rtlCol="0" anchor="ctr"/>
-                <a:lstStyle/>
-                <a:p>
-                  <a:pPr algn="ctr"/>
-                  <a:endParaRPr lang="en-PH"/>
-                </a:p>
-              </p:txBody>
-            </p:sp>
-            <p:sp>
-              <p:nvSpPr>
-                <p:cNvPr id="191" name="Oval 190">
-                  <a:extLst>
-                    <a:ext uri="{FF2B5EF4-FFF2-40B4-BE49-F238E27FC236}">
-                      <a16:creationId xmlns:a16="http://schemas.microsoft.com/office/drawing/2014/main" id="{44D29150-0A9C-42D1-966C-B4D2879BD6E9}"/>
-                    </a:ext>
-                  </a:extLst>
-                </p:cNvPr>
-                <p:cNvSpPr>
-                  <a:spLocks noChangeAspect="1"/>
-                </p:cNvSpPr>
-                <p:nvPr/>
-              </p:nvSpPr>
-              <p:spPr>
-                <a:xfrm rot="16200000">
-                  <a:off x="6552618" y="2976576"/>
-                  <a:ext cx="36000" cy="36000"/>
-                </a:xfrm>
-                <a:prstGeom prst="ellipse">
-                  <a:avLst/>
-                </a:prstGeom>
-                <a:solidFill>
-                  <a:schemeClr val="tx1"/>
-                </a:solidFill>
-                <a:ln w="19050">
-                  <a:solidFill>
-                    <a:schemeClr val="tx1"/>
-                  </a:solidFill>
-                </a:ln>
-              </p:spPr>
-              <p:style>
-                <a:lnRef idx="2">
-                  <a:schemeClr val="accent1">
-                    <a:shade val="50000"/>
-                  </a:schemeClr>
-                </a:lnRef>
-                <a:fillRef idx="1">
-                  <a:schemeClr val="accent1"/>
-                </a:fillRef>
-                <a:effectRef idx="0">
-                  <a:schemeClr val="accent1"/>
-                </a:effectRef>
-                <a:fontRef idx="minor">
-                  <a:schemeClr val="lt1"/>
-                </a:fontRef>
-              </p:style>
-              <p:txBody>
-                <a:bodyPr rtlCol="0" anchor="ctr"/>
-                <a:lstStyle/>
-                <a:p>
-                  <a:pPr algn="ctr"/>
-                  <a:endParaRPr lang="en-PH"/>
-                </a:p>
-              </p:txBody>
-            </p:sp>
-          </p:grpSp>
-          <p:graphicFrame>
-            <p:nvGraphicFramePr>
-              <p:cNvPr id="164" name="Object 163">
-                <a:extLst>
-                  <a:ext uri="{FF2B5EF4-FFF2-40B4-BE49-F238E27FC236}">
-                    <a16:creationId xmlns:a16="http://schemas.microsoft.com/office/drawing/2014/main" id="{F1804178-A749-4FE1-AA81-1544F555E148}"/>
-                  </a:ext>
-                </a:extLst>
-              </p:cNvPr>
-              <p:cNvGraphicFramePr>
-                <a:graphicFrameLocks noChangeAspect="1"/>
-              </p:cNvGraphicFramePr>
-              <p:nvPr>
-                <p:extLst>
-                  <p:ext uri="{D42A27DB-BD31-4B8C-83A1-F6EECF244321}">
-                    <p14:modId xmlns:p14="http://schemas.microsoft.com/office/powerpoint/2010/main" val="1334321079"/>
-                  </p:ext>
-                </p:extLst>
-              </p:nvPr>
-            </p:nvGraphicFramePr>
-            <p:xfrm>
-              <a:off x="4518717" y="2904810"/>
-              <a:ext cx="266700" cy="254000"/>
-            </p:xfrm>
-            <a:graphic>
-              <a:graphicData uri="http://schemas.openxmlformats.org/presentationml/2006/ole">
-                <mc:AlternateContent xmlns:mc="http://schemas.openxmlformats.org/markup-compatibility/2006">
-                  <mc:Choice xmlns:v="urn:schemas-microsoft-com:vml" Requires="v">
-                    <p:oleObj spid="_x0000_s2739" name="Equation" r:id="rId9" imgW="266400" imgH="253800" progId="Equation.DSMT4">
-                      <p:embed/>
-                    </p:oleObj>
-                  </mc:Choice>
-                  <mc:Fallback>
-                    <p:oleObj name="Equation" r:id="rId9" imgW="266400" imgH="253800" progId="Equation.DSMT4">
-                      <p:embed/>
-                      <p:pic>
-                        <p:nvPicPr>
-                          <p:cNvPr id="164" name="Object 163">
-                            <a:extLst>
-                              <a:ext uri="{FF2B5EF4-FFF2-40B4-BE49-F238E27FC236}">
-                                <a16:creationId xmlns:a16="http://schemas.microsoft.com/office/drawing/2014/main" id="{F1804178-A749-4FE1-AA81-1544F555E148}"/>
-                              </a:ext>
-                            </a:extLst>
-                          </p:cNvPr>
-                          <p:cNvPicPr/>
-                          <p:nvPr/>
-                        </p:nvPicPr>
-                        <p:blipFill>
-                          <a:blip r:embed="rId10"/>
-                          <a:stretch>
-                            <a:fillRect/>
-                          </a:stretch>
-                        </p:blipFill>
-                        <p:spPr>
-                          <a:xfrm>
-                            <a:off x="4518717" y="2904810"/>
-                            <a:ext cx="266700" cy="254000"/>
-                          </a:xfrm>
-                          <a:prstGeom prst="rect">
-                            <a:avLst/>
-                          </a:prstGeom>
-                        </p:spPr>
-                      </p:pic>
-                    </p:oleObj>
-                  </mc:Fallback>
-                </mc:AlternateContent>
-              </a:graphicData>
-            </a:graphic>
-          </p:graphicFrame>
-          <p:graphicFrame>
-            <p:nvGraphicFramePr>
-              <p:cNvPr id="166" name="Object 165">
-                <a:extLst>
-                  <a:ext uri="{FF2B5EF4-FFF2-40B4-BE49-F238E27FC236}">
-                    <a16:creationId xmlns:a16="http://schemas.microsoft.com/office/drawing/2014/main" id="{29D53772-2EF0-4C21-BF82-2A71FD8855CB}"/>
-                  </a:ext>
-                </a:extLst>
-              </p:cNvPr>
-              <p:cNvGraphicFramePr>
-                <a:graphicFrameLocks noChangeAspect="1"/>
-              </p:cNvGraphicFramePr>
-              <p:nvPr>
-                <p:extLst>
-                  <p:ext uri="{D42A27DB-BD31-4B8C-83A1-F6EECF244321}">
-                    <p14:modId xmlns:p14="http://schemas.microsoft.com/office/powerpoint/2010/main" val="4094228567"/>
-                  </p:ext>
-                </p:extLst>
-              </p:nvPr>
-            </p:nvGraphicFramePr>
-            <p:xfrm>
-              <a:off x="4791767" y="2904810"/>
-              <a:ext cx="266700" cy="254000"/>
-            </p:xfrm>
-            <a:graphic>
-              <a:graphicData uri="http://schemas.openxmlformats.org/presentationml/2006/ole">
-                <mc:AlternateContent xmlns:mc="http://schemas.openxmlformats.org/markup-compatibility/2006">
-                  <mc:Choice xmlns:v="urn:schemas-microsoft-com:vml" Requires="v">
-                    <p:oleObj spid="_x0000_s2740" name="Equation" r:id="rId11" imgW="266400" imgH="253800" progId="Equation.DSMT4">
-                      <p:embed/>
-                    </p:oleObj>
-                  </mc:Choice>
-                  <mc:Fallback>
-                    <p:oleObj name="Equation" r:id="rId11" imgW="266400" imgH="253800" progId="Equation.DSMT4">
-                      <p:embed/>
-                      <p:pic>
-                        <p:nvPicPr>
-                          <p:cNvPr id="166" name="Object 165">
-                            <a:extLst>
-                              <a:ext uri="{FF2B5EF4-FFF2-40B4-BE49-F238E27FC236}">
-                                <a16:creationId xmlns:a16="http://schemas.microsoft.com/office/drawing/2014/main" id="{29D53772-2EF0-4C21-BF82-2A71FD8855CB}"/>
-                              </a:ext>
-                            </a:extLst>
-                          </p:cNvPr>
-                          <p:cNvPicPr/>
-                          <p:nvPr/>
-                        </p:nvPicPr>
-                        <p:blipFill>
-                          <a:blip r:embed="rId12"/>
-                          <a:stretch>
-                            <a:fillRect/>
-                          </a:stretch>
-                        </p:blipFill>
-                        <p:spPr>
-                          <a:xfrm>
-                            <a:off x="4791767" y="2904810"/>
-                            <a:ext cx="266700" cy="254000"/>
-                          </a:xfrm>
-                          <a:prstGeom prst="rect">
-                            <a:avLst/>
-                          </a:prstGeom>
-                        </p:spPr>
-                      </p:pic>
-                    </p:oleObj>
-                  </mc:Fallback>
-                </mc:AlternateContent>
-              </a:graphicData>
-            </a:graphic>
-          </p:graphicFrame>
-          <p:graphicFrame>
-            <p:nvGraphicFramePr>
-              <p:cNvPr id="168" name="Object 167">
-                <a:extLst>
-                  <a:ext uri="{FF2B5EF4-FFF2-40B4-BE49-F238E27FC236}">
-                    <a16:creationId xmlns:a16="http://schemas.microsoft.com/office/drawing/2014/main" id="{C04215D0-8D02-4932-93BF-357533E142C5}"/>
-                  </a:ext>
-                </a:extLst>
-              </p:cNvPr>
-              <p:cNvGraphicFramePr>
-                <a:graphicFrameLocks noChangeAspect="1"/>
-              </p:cNvGraphicFramePr>
-              <p:nvPr>
-                <p:extLst>
-                  <p:ext uri="{D42A27DB-BD31-4B8C-83A1-F6EECF244321}">
-                    <p14:modId xmlns:p14="http://schemas.microsoft.com/office/powerpoint/2010/main" val="2729954064"/>
-                  </p:ext>
-                </p:extLst>
-              </p:nvPr>
-            </p:nvGraphicFramePr>
-            <p:xfrm>
-              <a:off x="5441055" y="2898460"/>
-              <a:ext cx="317500" cy="266700"/>
-            </p:xfrm>
-            <a:graphic>
-              <a:graphicData uri="http://schemas.openxmlformats.org/presentationml/2006/ole">
-                <mc:AlternateContent xmlns:mc="http://schemas.openxmlformats.org/markup-compatibility/2006">
-                  <mc:Choice xmlns:v="urn:schemas-microsoft-com:vml" Requires="v">
-                    <p:oleObj spid="_x0000_s2741" name="Equation" r:id="rId13" imgW="317160" imgH="266400" progId="Equation.DSMT4">
-                      <p:embed/>
-                    </p:oleObj>
-                  </mc:Choice>
-                  <mc:Fallback>
-                    <p:oleObj name="Equation" r:id="rId13" imgW="317160" imgH="266400" progId="Equation.DSMT4">
-                      <p:embed/>
-                      <p:pic>
-                        <p:nvPicPr>
-                          <p:cNvPr id="168" name="Object 167">
-                            <a:extLst>
-                              <a:ext uri="{FF2B5EF4-FFF2-40B4-BE49-F238E27FC236}">
-                                <a16:creationId xmlns:a16="http://schemas.microsoft.com/office/drawing/2014/main" id="{C04215D0-8D02-4932-93BF-357533E142C5}"/>
-                              </a:ext>
-                            </a:extLst>
-                          </p:cNvPr>
-                          <p:cNvPicPr/>
-                          <p:nvPr/>
-                        </p:nvPicPr>
-                        <p:blipFill>
-                          <a:blip r:embed="rId14"/>
-                          <a:stretch>
-                            <a:fillRect/>
-                          </a:stretch>
-                        </p:blipFill>
-                        <p:spPr>
-                          <a:xfrm>
-                            <a:off x="5441055" y="2898460"/>
-                            <a:ext cx="317500" cy="266700"/>
-                          </a:xfrm>
-                          <a:prstGeom prst="rect">
-                            <a:avLst/>
-                          </a:prstGeom>
-                        </p:spPr>
-                      </p:pic>
-                    </p:oleObj>
-                  </mc:Fallback>
-                </mc:AlternateContent>
-              </a:graphicData>
-            </a:graphic>
-          </p:graphicFrame>
-        </p:grpSp>
-        <p:sp>
-          <p:nvSpPr>
-            <p:cNvPr id="222" name="Rectangle: Rounded Corners 221">
-              <a:extLst>
-                <a:ext uri="{FF2B5EF4-FFF2-40B4-BE49-F238E27FC236}">
-                  <a16:creationId xmlns:a16="http://schemas.microsoft.com/office/drawing/2014/main" id="{E208A981-3ED7-4257-9CC6-0B893C504BE2}"/>
-                </a:ext>
-              </a:extLst>
-            </p:cNvPr>
-            <p:cNvSpPr/>
-            <p:nvPr/>
-          </p:nvSpPr>
-          <p:spPr>
-            <a:xfrm>
-              <a:off x="6918947" y="2917599"/>
-              <a:ext cx="1238550" cy="786699"/>
-            </a:xfrm>
-            <a:prstGeom prst="roundRect">
-              <a:avLst/>
-            </a:prstGeom>
-            <a:solidFill>
-              <a:schemeClr val="accent3">
-                <a:lumMod val="60000"/>
-                <a:lumOff val="40000"/>
-                <a:alpha val="70000"/>
-              </a:schemeClr>
-            </a:solidFill>
-            <a:ln>
-              <a:noFill/>
-            </a:ln>
-          </p:spPr>
-          <p:style>
-            <a:lnRef idx="2">
-              <a:schemeClr val="accent1">
-                <a:shade val="50000"/>
-              </a:schemeClr>
-            </a:lnRef>
-            <a:fillRef idx="1">
-              <a:schemeClr val="accent1"/>
-            </a:fillRef>
-            <a:effectRef idx="0">
-              <a:schemeClr val="accent1"/>
-            </a:effectRef>
-            <a:fontRef idx="minor">
-              <a:schemeClr val="lt1"/>
-            </a:fontRef>
-          </p:style>
-          <p:txBody>
-            <a:bodyPr rtlCol="0" anchor="ctr"/>
-            <a:lstStyle/>
-            <a:p>
-              <a:pPr algn="ctr"/>
-              <a:endParaRPr lang="en-PH"/>
-            </a:p>
-          </p:txBody>
-        </p:sp>
-        <p:grpSp>
-          <p:nvGrpSpPr>
-            <p:cNvPr id="120" name="Group 119">
-              <a:extLst>
-                <a:ext uri="{FF2B5EF4-FFF2-40B4-BE49-F238E27FC236}">
-                  <a16:creationId xmlns:a16="http://schemas.microsoft.com/office/drawing/2014/main" id="{3EA90632-B997-4EDE-82CE-77CFB864E528}"/>
-                </a:ext>
-              </a:extLst>
-            </p:cNvPr>
-            <p:cNvGrpSpPr/>
-            <p:nvPr/>
-          </p:nvGrpSpPr>
-          <p:grpSpPr>
-            <a:xfrm>
-              <a:off x="6961188" y="3033589"/>
-              <a:ext cx="1185862" cy="460499"/>
-              <a:chOff x="4537639" y="2711425"/>
-              <a:chExt cx="1185862" cy="460499"/>
-            </a:xfrm>
-          </p:grpSpPr>
-          <p:sp>
-            <p:nvSpPr>
-              <p:cNvPr id="121" name="Isosceles Triangle 120">
-                <a:extLst>
-                  <a:ext uri="{FF2B5EF4-FFF2-40B4-BE49-F238E27FC236}">
-                    <a16:creationId xmlns:a16="http://schemas.microsoft.com/office/drawing/2014/main" id="{218378EA-9D99-40A9-BD63-39EBD9692B01}"/>
-                  </a:ext>
-                </a:extLst>
-              </p:cNvPr>
-              <p:cNvSpPr>
-                <a:spLocks noChangeAspect="1"/>
-              </p:cNvSpPr>
-              <p:nvPr/>
-            </p:nvSpPr>
-            <p:spPr>
-              <a:xfrm flipH="1" flipV="1">
-                <a:off x="4576787" y="2711425"/>
-                <a:ext cx="144000" cy="144000"/>
-              </a:xfrm>
-              <a:prstGeom prst="triangle">
-                <a:avLst/>
-              </a:prstGeom>
-              <a:solidFill>
-                <a:schemeClr val="tx1"/>
-              </a:solidFill>
-              <a:ln>
-                <a:solidFill>
-                  <a:schemeClr val="tx1"/>
-                </a:solidFill>
-              </a:ln>
-            </p:spPr>
-            <p:style>
-              <a:lnRef idx="2">
-                <a:schemeClr val="accent1">
-                  <a:shade val="50000"/>
-                </a:schemeClr>
-              </a:lnRef>
-              <a:fillRef idx="1">
-                <a:schemeClr val="accent1"/>
-              </a:fillRef>
-              <a:effectRef idx="0">
-                <a:schemeClr val="accent1"/>
-              </a:effectRef>
-              <a:fontRef idx="minor">
-                <a:schemeClr val="lt1"/>
-              </a:fontRef>
-            </p:style>
-            <p:txBody>
-              <a:bodyPr rtlCol="0" anchor="ctr"/>
-              <a:lstStyle/>
-              <a:p>
-                <a:pPr algn="ctr"/>
-                <a:endParaRPr lang="en-PH"/>
-              </a:p>
-            </p:txBody>
-          </p:sp>
-          <p:sp>
-            <p:nvSpPr>
-              <p:cNvPr id="122" name="Isosceles Triangle 121">
-                <a:extLst>
-                  <a:ext uri="{FF2B5EF4-FFF2-40B4-BE49-F238E27FC236}">
-                    <a16:creationId xmlns:a16="http://schemas.microsoft.com/office/drawing/2014/main" id="{90C477AE-623F-465E-8E83-DD1774CE68E6}"/>
-                  </a:ext>
-                </a:extLst>
-              </p:cNvPr>
-              <p:cNvSpPr>
-                <a:spLocks noChangeAspect="1"/>
-              </p:cNvSpPr>
-              <p:nvPr/>
-            </p:nvSpPr>
-            <p:spPr>
-              <a:xfrm flipH="1" flipV="1">
-                <a:off x="4852186" y="2711425"/>
-                <a:ext cx="144000" cy="144000"/>
-              </a:xfrm>
-              <a:prstGeom prst="triangle">
-                <a:avLst/>
-              </a:prstGeom>
-              <a:solidFill>
-                <a:schemeClr val="tx1"/>
-              </a:solidFill>
-              <a:ln>
-                <a:solidFill>
-                  <a:schemeClr val="tx1"/>
-                </a:solidFill>
-              </a:ln>
-            </p:spPr>
-            <p:style>
-              <a:lnRef idx="2">
-                <a:schemeClr val="accent1">
-                  <a:shade val="50000"/>
-                </a:schemeClr>
-              </a:lnRef>
-              <a:fillRef idx="1">
-                <a:schemeClr val="accent1"/>
-              </a:fillRef>
-              <a:effectRef idx="0">
-                <a:schemeClr val="accent1"/>
-              </a:effectRef>
-              <a:fontRef idx="minor">
-                <a:schemeClr val="lt1"/>
-              </a:fontRef>
-            </p:style>
-            <p:txBody>
-              <a:bodyPr rtlCol="0" anchor="ctr"/>
-              <a:lstStyle/>
-              <a:p>
-                <a:pPr algn="ctr"/>
-                <a:endParaRPr lang="en-PH"/>
-              </a:p>
-            </p:txBody>
-          </p:sp>
-          <p:sp>
-            <p:nvSpPr>
-              <p:cNvPr id="124" name="Isosceles Triangle 123">
-                <a:extLst>
-                  <a:ext uri="{FF2B5EF4-FFF2-40B4-BE49-F238E27FC236}">
-                    <a16:creationId xmlns:a16="http://schemas.microsoft.com/office/drawing/2014/main" id="{A758CFB3-5A37-40C5-BEFB-8252F223A351}"/>
-                  </a:ext>
-                </a:extLst>
-              </p:cNvPr>
-              <p:cNvSpPr>
-                <a:spLocks noChangeAspect="1"/>
-              </p:cNvSpPr>
-              <p:nvPr/>
-            </p:nvSpPr>
-            <p:spPr>
-              <a:xfrm flipH="1" flipV="1">
-                <a:off x="5527574" y="2711425"/>
-                <a:ext cx="144000" cy="144000"/>
-              </a:xfrm>
-              <a:prstGeom prst="triangle">
-                <a:avLst/>
-              </a:prstGeom>
-              <a:solidFill>
-                <a:schemeClr val="tx1"/>
-              </a:solidFill>
-              <a:ln>
-                <a:solidFill>
-                  <a:schemeClr val="tx1"/>
-                </a:solidFill>
-              </a:ln>
-            </p:spPr>
-            <p:style>
-              <a:lnRef idx="2">
-                <a:schemeClr val="accent1">
-                  <a:shade val="50000"/>
-                </a:schemeClr>
-              </a:lnRef>
-              <a:fillRef idx="1">
-                <a:schemeClr val="accent1"/>
-              </a:fillRef>
-              <a:effectRef idx="0">
-                <a:schemeClr val="accent1"/>
-              </a:effectRef>
-              <a:fontRef idx="minor">
-                <a:schemeClr val="lt1"/>
-              </a:fontRef>
-            </p:style>
-            <p:txBody>
-              <a:bodyPr rtlCol="0" anchor="ctr"/>
-              <a:lstStyle/>
-              <a:p>
-                <a:pPr algn="ctr"/>
-                <a:endParaRPr lang="en-PH"/>
-              </a:p>
-            </p:txBody>
-          </p:sp>
-          <p:grpSp>
-            <p:nvGrpSpPr>
-              <p:cNvPr id="126" name="Group 125">
-                <a:extLst>
-                  <a:ext uri="{FF2B5EF4-FFF2-40B4-BE49-F238E27FC236}">
-                    <a16:creationId xmlns:a16="http://schemas.microsoft.com/office/drawing/2014/main" id="{05042162-EFAA-4C4C-ABF1-78BE4F271E68}"/>
-                  </a:ext>
-                </a:extLst>
-              </p:cNvPr>
-              <p:cNvGrpSpPr/>
-              <p:nvPr/>
-            </p:nvGrpSpPr>
-            <p:grpSpPr>
-              <a:xfrm>
-                <a:off x="5121441" y="2799601"/>
-                <a:ext cx="280878" cy="36000"/>
-                <a:chOff x="6307740" y="2976576"/>
-                <a:chExt cx="280878" cy="36000"/>
-              </a:xfrm>
-            </p:grpSpPr>
-            <p:sp>
-              <p:nvSpPr>
-                <p:cNvPr id="134" name="Oval 133">
-                  <a:extLst>
-                    <a:ext uri="{FF2B5EF4-FFF2-40B4-BE49-F238E27FC236}">
-                      <a16:creationId xmlns:a16="http://schemas.microsoft.com/office/drawing/2014/main" id="{8419D3F8-7A14-4792-83E5-E0A6F84C5E6D}"/>
-                    </a:ext>
-                  </a:extLst>
-                </p:cNvPr>
-                <p:cNvSpPr>
-                  <a:spLocks noChangeAspect="1"/>
-                </p:cNvSpPr>
-                <p:nvPr/>
-              </p:nvSpPr>
-              <p:spPr>
-                <a:xfrm rot="16200000">
-                  <a:off x="6307740" y="2976576"/>
-                  <a:ext cx="36000" cy="36000"/>
-                </a:xfrm>
-                <a:prstGeom prst="ellipse">
-                  <a:avLst/>
-                </a:prstGeom>
-                <a:solidFill>
-                  <a:schemeClr val="tx1"/>
-                </a:solidFill>
-                <a:ln w="19050">
-                  <a:solidFill>
-                    <a:schemeClr val="tx1"/>
-                  </a:solidFill>
-                </a:ln>
-              </p:spPr>
-              <p:style>
-                <a:lnRef idx="2">
-                  <a:schemeClr val="accent1">
-                    <a:shade val="50000"/>
-                  </a:schemeClr>
-                </a:lnRef>
-                <a:fillRef idx="1">
-                  <a:schemeClr val="accent1"/>
-                </a:fillRef>
-                <a:effectRef idx="0">
-                  <a:schemeClr val="accent1"/>
-                </a:effectRef>
-                <a:fontRef idx="minor">
-                  <a:schemeClr val="lt1"/>
-                </a:fontRef>
-              </p:style>
-              <p:txBody>
-                <a:bodyPr rtlCol="0" anchor="ctr"/>
-                <a:lstStyle/>
-                <a:p>
-                  <a:pPr algn="ctr"/>
-                  <a:endParaRPr lang="en-PH"/>
-                </a:p>
-              </p:txBody>
-            </p:sp>
-            <p:sp>
-              <p:nvSpPr>
-                <p:cNvPr id="136" name="Oval 135">
-                  <a:extLst>
-                    <a:ext uri="{FF2B5EF4-FFF2-40B4-BE49-F238E27FC236}">
-                      <a16:creationId xmlns:a16="http://schemas.microsoft.com/office/drawing/2014/main" id="{A4EEEA1D-A836-450C-9B9B-0825D26C6E34}"/>
-                    </a:ext>
-                  </a:extLst>
-                </p:cNvPr>
-                <p:cNvSpPr>
-                  <a:spLocks noChangeAspect="1"/>
-                </p:cNvSpPr>
-                <p:nvPr/>
-              </p:nvSpPr>
-              <p:spPr>
-                <a:xfrm rot="16200000">
-                  <a:off x="6430179" y="2976576"/>
-                  <a:ext cx="36000" cy="36000"/>
-                </a:xfrm>
-                <a:prstGeom prst="ellipse">
-                  <a:avLst/>
-                </a:prstGeom>
-                <a:solidFill>
-                  <a:schemeClr val="tx1"/>
-                </a:solidFill>
-                <a:ln w="19050">
-                  <a:solidFill>
-                    <a:schemeClr val="tx1"/>
-                  </a:solidFill>
-                </a:ln>
-              </p:spPr>
-              <p:style>
-                <a:lnRef idx="2">
-                  <a:schemeClr val="accent1">
-                    <a:shade val="50000"/>
-                  </a:schemeClr>
-                </a:lnRef>
-                <a:fillRef idx="1">
-                  <a:schemeClr val="accent1"/>
-                </a:fillRef>
-                <a:effectRef idx="0">
-                  <a:schemeClr val="accent1"/>
-                </a:effectRef>
-                <a:fontRef idx="minor">
-                  <a:schemeClr val="lt1"/>
-                </a:fontRef>
-              </p:style>
-              <p:txBody>
-                <a:bodyPr rtlCol="0" anchor="ctr"/>
-                <a:lstStyle/>
-                <a:p>
-                  <a:pPr algn="ctr"/>
-                  <a:endParaRPr lang="en-PH"/>
-                </a:p>
-              </p:txBody>
-            </p:sp>
-            <p:sp>
-              <p:nvSpPr>
-                <p:cNvPr id="139" name="Oval 138">
-                  <a:extLst>
-                    <a:ext uri="{FF2B5EF4-FFF2-40B4-BE49-F238E27FC236}">
-                      <a16:creationId xmlns:a16="http://schemas.microsoft.com/office/drawing/2014/main" id="{EFC904DE-8CAC-4F77-B096-34F9BE08F444}"/>
-                    </a:ext>
-                  </a:extLst>
-                </p:cNvPr>
-                <p:cNvSpPr>
-                  <a:spLocks noChangeAspect="1"/>
-                </p:cNvSpPr>
-                <p:nvPr/>
-              </p:nvSpPr>
-              <p:spPr>
-                <a:xfrm rot="16200000">
-                  <a:off x="6552618" y="2976576"/>
-                  <a:ext cx="36000" cy="36000"/>
-                </a:xfrm>
-                <a:prstGeom prst="ellipse">
-                  <a:avLst/>
-                </a:prstGeom>
-                <a:solidFill>
-                  <a:schemeClr val="tx1"/>
-                </a:solidFill>
-                <a:ln w="19050">
-                  <a:solidFill>
-                    <a:schemeClr val="tx1"/>
-                  </a:solidFill>
-                </a:ln>
-              </p:spPr>
-              <p:style>
-                <a:lnRef idx="2">
-                  <a:schemeClr val="accent1">
-                    <a:shade val="50000"/>
-                  </a:schemeClr>
-                </a:lnRef>
-                <a:fillRef idx="1">
-                  <a:schemeClr val="accent1"/>
-                </a:fillRef>
-                <a:effectRef idx="0">
-                  <a:schemeClr val="accent1"/>
-                </a:effectRef>
-                <a:fontRef idx="minor">
-                  <a:schemeClr val="lt1"/>
-                </a:fontRef>
-              </p:style>
-              <p:txBody>
-                <a:bodyPr rtlCol="0" anchor="ctr"/>
-                <a:lstStyle/>
-                <a:p>
-                  <a:pPr algn="ctr"/>
-                  <a:endParaRPr lang="en-PH"/>
-                </a:p>
-              </p:txBody>
-            </p:sp>
-          </p:grpSp>
-          <p:graphicFrame>
-            <p:nvGraphicFramePr>
-              <p:cNvPr id="128" name="Object 127">
-                <a:extLst>
-                  <a:ext uri="{FF2B5EF4-FFF2-40B4-BE49-F238E27FC236}">
-                    <a16:creationId xmlns:a16="http://schemas.microsoft.com/office/drawing/2014/main" id="{AFB6453D-EE10-4BE0-B44A-9C1C524E7E39}"/>
-                  </a:ext>
-                </a:extLst>
-              </p:cNvPr>
-              <p:cNvGraphicFramePr>
-                <a:graphicFrameLocks noChangeAspect="1"/>
-              </p:cNvGraphicFramePr>
-              <p:nvPr>
-                <p:extLst>
-                  <p:ext uri="{D42A27DB-BD31-4B8C-83A1-F6EECF244321}">
-                    <p14:modId xmlns:p14="http://schemas.microsoft.com/office/powerpoint/2010/main" val="402036918"/>
-                  </p:ext>
-                </p:extLst>
-              </p:nvPr>
-            </p:nvGraphicFramePr>
-            <p:xfrm>
-              <a:off x="4537639" y="2905224"/>
-              <a:ext cx="228600" cy="254000"/>
-            </p:xfrm>
-            <a:graphic>
-              <a:graphicData uri="http://schemas.openxmlformats.org/presentationml/2006/ole">
-                <mc:AlternateContent xmlns:mc="http://schemas.openxmlformats.org/markup-compatibility/2006">
-                  <mc:Choice xmlns:v="urn:schemas-microsoft-com:vml" Requires="v">
-                    <p:oleObj spid="_x0000_s2742" name="Equation" r:id="rId15" imgW="228600" imgH="253800" progId="Equation.DSMT4">
-                      <p:embed/>
-                    </p:oleObj>
-                  </mc:Choice>
-                  <mc:Fallback>
-                    <p:oleObj name="Equation" r:id="rId15" imgW="228600" imgH="253800" progId="Equation.DSMT4">
-                      <p:embed/>
-                      <p:pic>
-                        <p:nvPicPr>
-                          <p:cNvPr id="128" name="Object 127">
-                            <a:extLst>
-                              <a:ext uri="{FF2B5EF4-FFF2-40B4-BE49-F238E27FC236}">
-                                <a16:creationId xmlns:a16="http://schemas.microsoft.com/office/drawing/2014/main" id="{AFB6453D-EE10-4BE0-B44A-9C1C524E7E39}"/>
-                              </a:ext>
-                            </a:extLst>
-                          </p:cNvPr>
-                          <p:cNvPicPr/>
-                          <p:nvPr/>
-                        </p:nvPicPr>
-                        <p:blipFill>
-                          <a:blip r:embed="rId16"/>
-                          <a:stretch>
-                            <a:fillRect/>
-                          </a:stretch>
-                        </p:blipFill>
-                        <p:spPr>
-                          <a:xfrm>
-                            <a:off x="4537639" y="2905224"/>
-                            <a:ext cx="228600" cy="254000"/>
-                          </a:xfrm>
-                          <a:prstGeom prst="rect">
-                            <a:avLst/>
-                          </a:prstGeom>
-                        </p:spPr>
-                      </p:pic>
-                    </p:oleObj>
-                  </mc:Fallback>
-                </mc:AlternateContent>
-              </a:graphicData>
-            </a:graphic>
-          </p:graphicFrame>
-          <p:graphicFrame>
-            <p:nvGraphicFramePr>
-              <p:cNvPr id="130" name="Object 129">
-                <a:extLst>
-                  <a:ext uri="{FF2B5EF4-FFF2-40B4-BE49-F238E27FC236}">
-                    <a16:creationId xmlns:a16="http://schemas.microsoft.com/office/drawing/2014/main" id="{A671386D-96BB-4159-BD18-8EC503DB7C26}"/>
-                  </a:ext>
-                </a:extLst>
-              </p:cNvPr>
-              <p:cNvGraphicFramePr>
-                <a:graphicFrameLocks noChangeAspect="1"/>
-              </p:cNvGraphicFramePr>
-              <p:nvPr>
-                <p:extLst>
-                  <p:ext uri="{D42A27DB-BD31-4B8C-83A1-F6EECF244321}">
-                    <p14:modId xmlns:p14="http://schemas.microsoft.com/office/powerpoint/2010/main" val="976822011"/>
-                  </p:ext>
-                </p:extLst>
-              </p:nvPr>
-            </p:nvGraphicFramePr>
-            <p:xfrm>
-              <a:off x="4810689" y="2905224"/>
-              <a:ext cx="228600" cy="254000"/>
-            </p:xfrm>
-            <a:graphic>
-              <a:graphicData uri="http://schemas.openxmlformats.org/presentationml/2006/ole">
-                <mc:AlternateContent xmlns:mc="http://schemas.openxmlformats.org/markup-compatibility/2006">
-                  <mc:Choice xmlns:v="urn:schemas-microsoft-com:vml" Requires="v">
-                    <p:oleObj spid="_x0000_s2743" name="Equation" r:id="rId17" imgW="228600" imgH="253800" progId="Equation.DSMT4">
-                      <p:embed/>
-                    </p:oleObj>
-                  </mc:Choice>
-                  <mc:Fallback>
-                    <p:oleObj name="Equation" r:id="rId17" imgW="228600" imgH="253800" progId="Equation.DSMT4">
-                      <p:embed/>
-                      <p:pic>
-                        <p:nvPicPr>
-                          <p:cNvPr id="130" name="Object 129">
-                            <a:extLst>
-                              <a:ext uri="{FF2B5EF4-FFF2-40B4-BE49-F238E27FC236}">
-                                <a16:creationId xmlns:a16="http://schemas.microsoft.com/office/drawing/2014/main" id="{A671386D-96BB-4159-BD18-8EC503DB7C26}"/>
-                              </a:ext>
-                            </a:extLst>
-                          </p:cNvPr>
-                          <p:cNvPicPr/>
-                          <p:nvPr/>
-                        </p:nvPicPr>
-                        <p:blipFill>
-                          <a:blip r:embed="rId18"/>
-                          <a:stretch>
-                            <a:fillRect/>
-                          </a:stretch>
-                        </p:blipFill>
-                        <p:spPr>
-                          <a:xfrm>
-                            <a:off x="4810689" y="2905224"/>
-                            <a:ext cx="228600" cy="254000"/>
-                          </a:xfrm>
-                          <a:prstGeom prst="rect">
-                            <a:avLst/>
-                          </a:prstGeom>
-                        </p:spPr>
-                      </p:pic>
-                    </p:oleObj>
-                  </mc:Fallback>
-                </mc:AlternateContent>
-              </a:graphicData>
-            </a:graphic>
-          </p:graphicFrame>
-          <p:graphicFrame>
-            <p:nvGraphicFramePr>
-              <p:cNvPr id="132" name="Object 131">
-                <a:extLst>
-                  <a:ext uri="{FF2B5EF4-FFF2-40B4-BE49-F238E27FC236}">
-                    <a16:creationId xmlns:a16="http://schemas.microsoft.com/office/drawing/2014/main" id="{5F0A7A5B-FE08-4382-B7C1-47B739B89B84}"/>
-                  </a:ext>
-                </a:extLst>
-              </p:cNvPr>
-              <p:cNvGraphicFramePr>
-                <a:graphicFrameLocks noChangeAspect="1"/>
-              </p:cNvGraphicFramePr>
-              <p:nvPr>
-                <p:extLst>
-                  <p:ext uri="{D42A27DB-BD31-4B8C-83A1-F6EECF244321}">
-                    <p14:modId xmlns:p14="http://schemas.microsoft.com/office/powerpoint/2010/main" val="2107169251"/>
-                  </p:ext>
-                </p:extLst>
-              </p:nvPr>
-            </p:nvGraphicFramePr>
-            <p:xfrm>
-              <a:off x="5431401" y="2892524"/>
-              <a:ext cx="292100" cy="279400"/>
-            </p:xfrm>
-            <a:graphic>
-              <a:graphicData uri="http://schemas.openxmlformats.org/presentationml/2006/ole">
-                <mc:AlternateContent xmlns:mc="http://schemas.openxmlformats.org/markup-compatibility/2006">
-                  <mc:Choice xmlns:v="urn:schemas-microsoft-com:vml" Requires="v">
-                    <p:oleObj spid="_x0000_s2744" name="Equation" r:id="rId19" imgW="291960" imgH="279360" progId="Equation.DSMT4">
-                      <p:embed/>
-                    </p:oleObj>
-                  </mc:Choice>
-                  <mc:Fallback>
-                    <p:oleObj name="Equation" r:id="rId19" imgW="291960" imgH="279360" progId="Equation.DSMT4">
-                      <p:embed/>
-                      <p:pic>
-                        <p:nvPicPr>
-                          <p:cNvPr id="132" name="Object 131">
-                            <a:extLst>
-                              <a:ext uri="{FF2B5EF4-FFF2-40B4-BE49-F238E27FC236}">
-                                <a16:creationId xmlns:a16="http://schemas.microsoft.com/office/drawing/2014/main" id="{5F0A7A5B-FE08-4382-B7C1-47B739B89B84}"/>
-                              </a:ext>
-                            </a:extLst>
-                          </p:cNvPr>
-                          <p:cNvPicPr/>
-                          <p:nvPr/>
-                        </p:nvPicPr>
-                        <p:blipFill>
-                          <a:blip r:embed="rId20"/>
-                          <a:stretch>
-                            <a:fillRect/>
-                          </a:stretch>
-                        </p:blipFill>
-                        <p:spPr>
-                          <a:xfrm>
-                            <a:off x="5431401" y="2892524"/>
-                            <a:ext cx="292100" cy="279400"/>
-                          </a:xfrm>
-                          <a:prstGeom prst="rect">
-                            <a:avLst/>
-                          </a:prstGeom>
-                        </p:spPr>
-                      </p:pic>
-                    </p:oleObj>
-                  </mc:Fallback>
-                </mc:AlternateContent>
-              </a:graphicData>
-            </a:graphic>
-          </p:graphicFrame>
-        </p:grpSp>
-        <p:cxnSp>
-          <p:nvCxnSpPr>
-            <p:cNvPr id="208" name="Connector: Curved 207">
-              <a:extLst>
-                <a:ext uri="{FF2B5EF4-FFF2-40B4-BE49-F238E27FC236}">
-                  <a16:creationId xmlns:a16="http://schemas.microsoft.com/office/drawing/2014/main" id="{F83B57F3-5451-45F2-8E07-FC1D3ACEED2F}"/>
-                </a:ext>
-              </a:extLst>
-            </p:cNvPr>
-            <p:cNvCxnSpPr>
-              <a:cxnSpLocks/>
-              <a:stCxn id="121" idx="3"/>
-              <a:endCxn id="157" idx="3"/>
-            </p:cNvCxnSpPr>
-            <p:nvPr/>
-          </p:nvCxnSpPr>
-          <p:spPr>
-            <a:xfrm rot="16200000" flipV="1">
-              <a:off x="6488880" y="2450133"/>
-              <a:ext cx="773018" cy="393894"/>
-            </a:xfrm>
-            <a:prstGeom prst="curvedConnector2">
-              <a:avLst/>
-            </a:prstGeom>
-            <a:ln w="9525">
-              <a:solidFill>
-                <a:schemeClr val="accent4">
-                  <a:lumMod val="75000"/>
-                </a:schemeClr>
-              </a:solidFill>
-              <a:prstDash val="dash"/>
-              <a:headEnd type="stealth"/>
-              <a:tailEnd type="none"/>
-            </a:ln>
-          </p:spPr>
-          <p:style>
-            <a:lnRef idx="1">
-              <a:schemeClr val="accent1"/>
-            </a:lnRef>
-            <a:fillRef idx="0">
-              <a:schemeClr val="accent1"/>
-            </a:fillRef>
-            <a:effectRef idx="0">
-              <a:schemeClr val="accent1"/>
-            </a:effectRef>
-            <a:fontRef idx="minor">
-              <a:schemeClr val="tx1"/>
-            </a:fontRef>
-          </p:style>
-        </p:cxnSp>
-        <p:cxnSp>
-          <p:nvCxnSpPr>
-            <p:cNvPr id="209" name="Connector: Curved 208">
-              <a:extLst>
-                <a:ext uri="{FF2B5EF4-FFF2-40B4-BE49-F238E27FC236}">
-                  <a16:creationId xmlns:a16="http://schemas.microsoft.com/office/drawing/2014/main" id="{772187F0-C1BF-481D-AAC8-6BC72AA5CBE2}"/>
-                </a:ext>
-              </a:extLst>
-            </p:cNvPr>
-            <p:cNvCxnSpPr>
-              <a:cxnSpLocks/>
-              <a:stCxn id="122" idx="3"/>
-              <a:endCxn id="157" idx="3"/>
-            </p:cNvCxnSpPr>
-            <p:nvPr/>
-          </p:nvCxnSpPr>
-          <p:spPr>
-            <a:xfrm rot="16200000" flipV="1">
-              <a:off x="6626580" y="2312433"/>
-              <a:ext cx="773018" cy="669293"/>
-            </a:xfrm>
-            <a:prstGeom prst="curvedConnector2">
-              <a:avLst/>
-            </a:prstGeom>
-            <a:ln w="9525">
-              <a:solidFill>
-                <a:schemeClr val="accent4">
-                  <a:lumMod val="75000"/>
-                </a:schemeClr>
-              </a:solidFill>
-              <a:prstDash val="dash"/>
-              <a:headEnd type="stealth"/>
-              <a:tailEnd type="none"/>
-            </a:ln>
-          </p:spPr>
-          <p:style>
-            <a:lnRef idx="1">
-              <a:schemeClr val="accent1"/>
-            </a:lnRef>
-            <a:fillRef idx="0">
-              <a:schemeClr val="accent1"/>
-            </a:fillRef>
-            <a:effectRef idx="0">
-              <a:schemeClr val="accent1"/>
-            </a:effectRef>
-            <a:fontRef idx="minor">
-              <a:schemeClr val="tx1"/>
-            </a:fontRef>
-          </p:style>
-        </p:cxnSp>
-        <p:cxnSp>
-          <p:nvCxnSpPr>
-            <p:cNvPr id="210" name="Connector: Curved 209">
-              <a:extLst>
-                <a:ext uri="{FF2B5EF4-FFF2-40B4-BE49-F238E27FC236}">
-                  <a16:creationId xmlns:a16="http://schemas.microsoft.com/office/drawing/2014/main" id="{A6C3A071-425F-43F0-B201-CDE3E232EFBF}"/>
-                </a:ext>
-              </a:extLst>
-            </p:cNvPr>
-            <p:cNvCxnSpPr>
-              <a:cxnSpLocks/>
-              <a:stCxn id="124" idx="3"/>
-              <a:endCxn id="157" idx="3"/>
-            </p:cNvCxnSpPr>
-            <p:nvPr/>
-          </p:nvCxnSpPr>
-          <p:spPr>
-            <a:xfrm rot="16200000" flipV="1">
-              <a:off x="6964274" y="1974739"/>
-              <a:ext cx="773018" cy="1344681"/>
-            </a:xfrm>
-            <a:prstGeom prst="curvedConnector2">
-              <a:avLst/>
-            </a:prstGeom>
-            <a:ln w="9525">
-              <a:solidFill>
-                <a:schemeClr val="accent4">
-                  <a:lumMod val="75000"/>
-                </a:schemeClr>
-              </a:solidFill>
-              <a:prstDash val="dash"/>
-              <a:headEnd type="stealth"/>
-              <a:tailEnd type="none"/>
-            </a:ln>
-          </p:spPr>
-          <p:style>
-            <a:lnRef idx="1">
-              <a:schemeClr val="accent1"/>
-            </a:lnRef>
-            <a:fillRef idx="0">
-              <a:schemeClr val="accent1"/>
-            </a:fillRef>
-            <a:effectRef idx="0">
-              <a:schemeClr val="accent1"/>
-            </a:effectRef>
-            <a:fontRef idx="minor">
-              <a:schemeClr val="tx1"/>
-            </a:fontRef>
-          </p:style>
-        </p:cxnSp>
-        <p:sp>
-          <p:nvSpPr>
-            <p:cNvPr id="223" name="TextBox 222">
-              <a:extLst>
-                <a:ext uri="{FF2B5EF4-FFF2-40B4-BE49-F238E27FC236}">
-                  <a16:creationId xmlns:a16="http://schemas.microsoft.com/office/drawing/2014/main" id="{EE5BBC21-5382-4625-BA46-805157582ACF}"/>
-                </a:ext>
-              </a:extLst>
-            </p:cNvPr>
-            <p:cNvSpPr txBox="1"/>
-            <p:nvPr/>
-          </p:nvSpPr>
-          <p:spPr>
-            <a:xfrm>
-              <a:off x="6918947" y="3458077"/>
-              <a:ext cx="970137" cy="246221"/>
-            </a:xfrm>
-            <a:prstGeom prst="rect">
-              <a:avLst/>
-            </a:prstGeom>
-            <a:noFill/>
-          </p:spPr>
-          <p:txBody>
-            <a:bodyPr wrap="none" rtlCol="0" anchor="ctr">
-              <a:spAutoFit/>
-            </a:bodyPr>
-            <a:lstStyle/>
-            <a:p>
-              <a:r>
-                <a:rPr lang="en-PH" sz="1000" dirty="0">
-                  <a:effectLst>
-                    <a:outerShdw blurRad="38100" dist="38100" dir="2700000" algn="tl">
-                      <a:srgbClr val="000000">
-                        <a:alpha val="43137"/>
-                      </a:srgbClr>
-                    </a:outerShdw>
-                  </a:effectLst>
-                  <a:latin typeface="CMU Sans Serif" panose="02000603000000000000" pitchFamily="2" charset="0"/>
-                  <a:ea typeface="CMU Sans Serif" panose="02000603000000000000" pitchFamily="2" charset="0"/>
-                  <a:cs typeface="CMU Sans Serif" panose="02000603000000000000" pitchFamily="2" charset="0"/>
-                </a:rPr>
-                <a:t>Priority level 2</a:t>
-              </a:r>
-              <a:endParaRPr lang="en-PH" sz="1000" i="1" baseline="-25000" dirty="0">
-                <a:effectLst>
-                  <a:outerShdw blurRad="38100" dist="38100" dir="2700000" algn="tl">
-                    <a:srgbClr val="000000">
-                      <a:alpha val="43137"/>
-                    </a:srgbClr>
-                  </a:outerShdw>
-                </a:effectLst>
-                <a:latin typeface="CMU Sans Serif" panose="02000603000000000000" pitchFamily="2" charset="0"/>
-                <a:ea typeface="CMU Sans Serif" panose="02000603000000000000" pitchFamily="2" charset="0"/>
-                <a:cs typeface="CMU Sans Serif" panose="02000603000000000000" pitchFamily="2" charset="0"/>
-              </a:endParaRPr>
-            </a:p>
-          </p:txBody>
-        </p:sp>
-        <p:sp>
-          <p:nvSpPr>
-            <p:cNvPr id="60" name="Rectangle: Rounded Corners 59">
-              <a:extLst>
-                <a:ext uri="{FF2B5EF4-FFF2-40B4-BE49-F238E27FC236}">
-                  <a16:creationId xmlns:a16="http://schemas.microsoft.com/office/drawing/2014/main" id="{6EBBBBB3-4265-407F-BD68-9CDE7CDB9ED7}"/>
-                </a:ext>
-              </a:extLst>
-            </p:cNvPr>
-            <p:cNvSpPr/>
-            <p:nvPr/>
-          </p:nvSpPr>
-          <p:spPr>
-            <a:xfrm>
-              <a:off x="5026434" y="2462525"/>
-              <a:ext cx="1238550" cy="786699"/>
-            </a:xfrm>
-            <a:prstGeom prst="roundRect">
-              <a:avLst/>
-            </a:prstGeom>
-            <a:solidFill>
-              <a:schemeClr val="accent3">
-                <a:lumMod val="60000"/>
-                <a:lumOff val="40000"/>
-                <a:alpha val="70000"/>
-              </a:schemeClr>
-            </a:solidFill>
-            <a:ln>
-              <a:noFill/>
-            </a:ln>
-          </p:spPr>
-          <p:style>
-            <a:lnRef idx="2">
-              <a:schemeClr val="accent1">
-                <a:shade val="50000"/>
-              </a:schemeClr>
-            </a:lnRef>
-            <a:fillRef idx="1">
-              <a:schemeClr val="accent1"/>
-            </a:fillRef>
-            <a:effectRef idx="0">
-              <a:schemeClr val="accent1"/>
-            </a:effectRef>
-            <a:fontRef idx="minor">
-              <a:schemeClr val="lt1"/>
-            </a:fontRef>
-          </p:style>
-          <p:txBody>
-            <a:bodyPr rtlCol="0" anchor="ctr"/>
-            <a:lstStyle/>
-            <a:p>
-              <a:pPr algn="ctr"/>
-              <a:endParaRPr lang="en-PH"/>
-            </a:p>
-          </p:txBody>
-        </p:sp>
-        <p:cxnSp>
-          <p:nvCxnSpPr>
-            <p:cNvPr id="192" name="Connector: Curved 191">
-              <a:extLst>
-                <a:ext uri="{FF2B5EF4-FFF2-40B4-BE49-F238E27FC236}">
-                  <a16:creationId xmlns:a16="http://schemas.microsoft.com/office/drawing/2014/main" id="{35FAD739-BC8C-4469-9440-F757F7C1ECD2}"/>
-                </a:ext>
-              </a:extLst>
-            </p:cNvPr>
-            <p:cNvCxnSpPr>
-              <a:cxnSpLocks/>
-              <a:stCxn id="161" idx="3"/>
-              <a:endCxn id="157" idx="1"/>
-            </p:cNvCxnSpPr>
-            <p:nvPr/>
-          </p:nvCxnSpPr>
-          <p:spPr>
-            <a:xfrm rot="5400000" flipH="1" flipV="1">
-              <a:off x="5593375" y="1835032"/>
-              <a:ext cx="329467" cy="1180546"/>
-            </a:xfrm>
-            <a:prstGeom prst="curvedConnector2">
-              <a:avLst/>
-            </a:prstGeom>
-            <a:ln w="9525">
-              <a:solidFill>
-                <a:schemeClr val="accent4">
-                  <a:lumMod val="75000"/>
-                </a:schemeClr>
-              </a:solidFill>
-              <a:prstDash val="dash"/>
-              <a:headEnd type="stealth"/>
-              <a:tailEnd type="none"/>
-            </a:ln>
-          </p:spPr>
-          <p:style>
-            <a:lnRef idx="1">
-              <a:schemeClr val="accent1"/>
-            </a:lnRef>
-            <a:fillRef idx="0">
-              <a:schemeClr val="accent1"/>
-            </a:fillRef>
-            <a:effectRef idx="0">
-              <a:schemeClr val="accent1"/>
-            </a:effectRef>
-            <a:fontRef idx="minor">
-              <a:schemeClr val="tx1"/>
-            </a:fontRef>
-          </p:style>
-        </p:cxnSp>
-        <p:cxnSp>
-          <p:nvCxnSpPr>
-            <p:cNvPr id="193" name="Connector: Curved 192">
-              <a:extLst>
-                <a:ext uri="{FF2B5EF4-FFF2-40B4-BE49-F238E27FC236}">
-                  <a16:creationId xmlns:a16="http://schemas.microsoft.com/office/drawing/2014/main" id="{1EFFDE76-B1E8-4C6E-9603-4EDB52E254DE}"/>
-                </a:ext>
-              </a:extLst>
-            </p:cNvPr>
-            <p:cNvCxnSpPr>
-              <a:cxnSpLocks/>
-              <a:stCxn id="163" idx="3"/>
-              <a:endCxn id="157" idx="1"/>
-            </p:cNvCxnSpPr>
-            <p:nvPr/>
-          </p:nvCxnSpPr>
-          <p:spPr>
-            <a:xfrm rot="5400000" flipH="1" flipV="1">
-              <a:off x="5731074" y="1972732"/>
-              <a:ext cx="329467" cy="905147"/>
-            </a:xfrm>
-            <a:prstGeom prst="curvedConnector2">
-              <a:avLst/>
-            </a:prstGeom>
-            <a:ln w="9525">
-              <a:solidFill>
-                <a:schemeClr val="accent4">
-                  <a:lumMod val="75000"/>
-                </a:schemeClr>
-              </a:solidFill>
-              <a:prstDash val="dash"/>
-              <a:headEnd type="stealth"/>
-              <a:tailEnd type="none"/>
-            </a:ln>
-          </p:spPr>
-          <p:style>
-            <a:lnRef idx="1">
-              <a:schemeClr val="accent1"/>
-            </a:lnRef>
-            <a:fillRef idx="0">
-              <a:schemeClr val="accent1"/>
-            </a:fillRef>
-            <a:effectRef idx="0">
-              <a:schemeClr val="accent1"/>
-            </a:effectRef>
-            <a:fontRef idx="minor">
-              <a:schemeClr val="tx1"/>
-            </a:fontRef>
-          </p:style>
-        </p:cxnSp>
-        <p:cxnSp>
-          <p:nvCxnSpPr>
-            <p:cNvPr id="194" name="Connector: Curved 193">
-              <a:extLst>
-                <a:ext uri="{FF2B5EF4-FFF2-40B4-BE49-F238E27FC236}">
-                  <a16:creationId xmlns:a16="http://schemas.microsoft.com/office/drawing/2014/main" id="{8C3F0E3F-D3DC-4A2D-AA73-41D6CBF7135F}"/>
-                </a:ext>
-              </a:extLst>
-            </p:cNvPr>
-            <p:cNvCxnSpPr>
-              <a:cxnSpLocks/>
-              <a:stCxn id="165" idx="3"/>
-              <a:endCxn id="157" idx="1"/>
-            </p:cNvCxnSpPr>
-            <p:nvPr/>
-          </p:nvCxnSpPr>
-          <p:spPr>
-            <a:xfrm rot="5400000" flipH="1" flipV="1">
-              <a:off x="6068768" y="2310426"/>
-              <a:ext cx="329467" cy="229759"/>
-            </a:xfrm>
-            <a:prstGeom prst="curvedConnector2">
-              <a:avLst/>
-            </a:prstGeom>
-            <a:ln w="9525">
-              <a:solidFill>
-                <a:schemeClr val="accent4">
-                  <a:lumMod val="75000"/>
-                </a:schemeClr>
-              </a:solidFill>
-              <a:prstDash val="dash"/>
-              <a:headEnd type="stealth"/>
-              <a:tailEnd type="none"/>
-            </a:ln>
-          </p:spPr>
-          <p:style>
-            <a:lnRef idx="1">
-              <a:schemeClr val="accent1"/>
-            </a:lnRef>
-            <a:fillRef idx="0">
-              <a:schemeClr val="accent1"/>
-            </a:fillRef>
-            <a:effectRef idx="0">
-              <a:schemeClr val="accent1"/>
-            </a:effectRef>
-            <a:fontRef idx="minor">
-              <a:schemeClr val="tx1"/>
-            </a:fontRef>
-          </p:style>
-        </p:cxnSp>
-        <p:grpSp>
-          <p:nvGrpSpPr>
-            <p:cNvPr id="10" name="Group 9">
-              <a:extLst>
-                <a:ext uri="{FF2B5EF4-FFF2-40B4-BE49-F238E27FC236}">
-                  <a16:creationId xmlns:a16="http://schemas.microsoft.com/office/drawing/2014/main" id="{07FCB28B-BB5F-4163-9500-0B8A782B36A9}"/>
-                </a:ext>
-              </a:extLst>
-            </p:cNvPr>
-            <p:cNvGrpSpPr/>
-            <p:nvPr/>
-          </p:nvGrpSpPr>
-          <p:grpSpPr>
-            <a:xfrm>
-              <a:off x="5056188" y="2590038"/>
-              <a:ext cx="1203325" cy="450025"/>
-              <a:chOff x="4537140" y="2711425"/>
-              <a:chExt cx="1203325" cy="450025"/>
-            </a:xfrm>
-          </p:grpSpPr>
-          <p:sp>
-            <p:nvSpPr>
-              <p:cNvPr id="161" name="Isosceles Triangle 160">
-                <a:extLst>
-                  <a:ext uri="{FF2B5EF4-FFF2-40B4-BE49-F238E27FC236}">
-                    <a16:creationId xmlns:a16="http://schemas.microsoft.com/office/drawing/2014/main" id="{7E46797A-075A-4D29-B19E-722256D2EA3C}"/>
-                  </a:ext>
-                </a:extLst>
-              </p:cNvPr>
-              <p:cNvSpPr>
-                <a:spLocks noChangeAspect="1"/>
-              </p:cNvSpPr>
-              <p:nvPr/>
-            </p:nvSpPr>
-            <p:spPr>
-              <a:xfrm flipH="1" flipV="1">
-                <a:off x="4576787" y="2711425"/>
-                <a:ext cx="144000" cy="144000"/>
-              </a:xfrm>
-              <a:prstGeom prst="triangle">
-                <a:avLst/>
-              </a:prstGeom>
-              <a:solidFill>
-                <a:schemeClr val="tx1"/>
-              </a:solidFill>
-              <a:ln>
-                <a:solidFill>
-                  <a:schemeClr val="tx1"/>
-                </a:solidFill>
-              </a:ln>
-            </p:spPr>
-            <p:style>
-              <a:lnRef idx="2">
-                <a:schemeClr val="accent1">
-                  <a:shade val="50000"/>
-                </a:schemeClr>
-              </a:lnRef>
-              <a:fillRef idx="1">
-                <a:schemeClr val="accent1"/>
-              </a:fillRef>
-              <a:effectRef idx="0">
-                <a:schemeClr val="accent1"/>
-              </a:effectRef>
-              <a:fontRef idx="minor">
-                <a:schemeClr val="lt1"/>
-              </a:fontRef>
-            </p:style>
-            <p:txBody>
-              <a:bodyPr rtlCol="0" anchor="ctr"/>
-              <a:lstStyle/>
-              <a:p>
-                <a:pPr algn="ctr"/>
-                <a:endParaRPr lang="en-PH"/>
-              </a:p>
-            </p:txBody>
-          </p:sp>
-          <p:sp>
-            <p:nvSpPr>
-              <p:cNvPr id="163" name="Isosceles Triangle 162">
-                <a:extLst>
-                  <a:ext uri="{FF2B5EF4-FFF2-40B4-BE49-F238E27FC236}">
-                    <a16:creationId xmlns:a16="http://schemas.microsoft.com/office/drawing/2014/main" id="{1D894C03-3489-4310-B691-B7D79BF78D16}"/>
-                  </a:ext>
-                </a:extLst>
-              </p:cNvPr>
-              <p:cNvSpPr>
-                <a:spLocks noChangeAspect="1"/>
-              </p:cNvSpPr>
-              <p:nvPr/>
-            </p:nvSpPr>
-            <p:spPr>
-              <a:xfrm flipH="1" flipV="1">
-                <a:off x="4852186" y="2711425"/>
-                <a:ext cx="144000" cy="144000"/>
-              </a:xfrm>
-              <a:prstGeom prst="triangle">
-                <a:avLst/>
-              </a:prstGeom>
-              <a:solidFill>
-                <a:schemeClr val="tx1"/>
-              </a:solidFill>
-              <a:ln>
-                <a:solidFill>
-                  <a:schemeClr val="tx1"/>
-                </a:solidFill>
-              </a:ln>
-            </p:spPr>
-            <p:style>
-              <a:lnRef idx="2">
-                <a:schemeClr val="accent1">
-                  <a:shade val="50000"/>
-                </a:schemeClr>
-              </a:lnRef>
-              <a:fillRef idx="1">
-                <a:schemeClr val="accent1"/>
-              </a:fillRef>
-              <a:effectRef idx="0">
-                <a:schemeClr val="accent1"/>
-              </a:effectRef>
-              <a:fontRef idx="minor">
-                <a:schemeClr val="lt1"/>
-              </a:fontRef>
-            </p:style>
-            <p:txBody>
-              <a:bodyPr rtlCol="0" anchor="ctr"/>
-              <a:lstStyle/>
-              <a:p>
-                <a:pPr algn="ctr"/>
-                <a:endParaRPr lang="en-PH"/>
-              </a:p>
-            </p:txBody>
-          </p:sp>
-          <p:sp>
-            <p:nvSpPr>
-              <p:cNvPr id="165" name="Isosceles Triangle 164">
-                <a:extLst>
-                  <a:ext uri="{FF2B5EF4-FFF2-40B4-BE49-F238E27FC236}">
-                    <a16:creationId xmlns:a16="http://schemas.microsoft.com/office/drawing/2014/main" id="{65DA860C-A5E0-4234-AF17-497D73479E73}"/>
-                  </a:ext>
-                </a:extLst>
-              </p:cNvPr>
-              <p:cNvSpPr>
-                <a:spLocks noChangeAspect="1"/>
-              </p:cNvSpPr>
-              <p:nvPr/>
-            </p:nvSpPr>
-            <p:spPr>
-              <a:xfrm flipH="1" flipV="1">
-                <a:off x="5527574" y="2711425"/>
-                <a:ext cx="144000" cy="144000"/>
-              </a:xfrm>
-              <a:prstGeom prst="triangle">
-                <a:avLst/>
-              </a:prstGeom>
-              <a:solidFill>
-                <a:schemeClr val="tx1"/>
-              </a:solidFill>
-              <a:ln>
-                <a:solidFill>
-                  <a:schemeClr val="tx1"/>
-                </a:solidFill>
-              </a:ln>
-            </p:spPr>
-            <p:style>
-              <a:lnRef idx="2">
-                <a:schemeClr val="accent1">
-                  <a:shade val="50000"/>
-                </a:schemeClr>
-              </a:lnRef>
-              <a:fillRef idx="1">
-                <a:schemeClr val="accent1"/>
-              </a:fillRef>
-              <a:effectRef idx="0">
-                <a:schemeClr val="accent1"/>
-              </a:effectRef>
-              <a:fontRef idx="minor">
-                <a:schemeClr val="lt1"/>
-              </a:fontRef>
-            </p:style>
-            <p:txBody>
-              <a:bodyPr rtlCol="0" anchor="ctr"/>
-              <a:lstStyle/>
-              <a:p>
-                <a:pPr algn="ctr"/>
-                <a:endParaRPr lang="en-PH"/>
-              </a:p>
-            </p:txBody>
-          </p:sp>
-          <p:grpSp>
-            <p:nvGrpSpPr>
-              <p:cNvPr id="173" name="Group 172">
-                <a:extLst>
-                  <a:ext uri="{FF2B5EF4-FFF2-40B4-BE49-F238E27FC236}">
-                    <a16:creationId xmlns:a16="http://schemas.microsoft.com/office/drawing/2014/main" id="{31CED2FA-3CDA-495D-A977-0993FA690766}"/>
-                  </a:ext>
-                </a:extLst>
-              </p:cNvPr>
-              <p:cNvGrpSpPr/>
-              <p:nvPr/>
-            </p:nvGrpSpPr>
-            <p:grpSpPr>
-              <a:xfrm>
-                <a:off x="5121441" y="2799601"/>
-                <a:ext cx="280878" cy="36000"/>
-                <a:chOff x="6307740" y="2976576"/>
-                <a:chExt cx="280878" cy="36000"/>
-              </a:xfrm>
-            </p:grpSpPr>
-            <p:sp>
-              <p:nvSpPr>
-                <p:cNvPr id="167" name="Oval 166">
-                  <a:extLst>
-                    <a:ext uri="{FF2B5EF4-FFF2-40B4-BE49-F238E27FC236}">
-                      <a16:creationId xmlns:a16="http://schemas.microsoft.com/office/drawing/2014/main" id="{CAEB2DF8-6D96-4C89-BE85-6E6EDD505F5F}"/>
-                    </a:ext>
-                  </a:extLst>
-                </p:cNvPr>
-                <p:cNvSpPr>
-                  <a:spLocks noChangeAspect="1"/>
-                </p:cNvSpPr>
-                <p:nvPr/>
-              </p:nvSpPr>
-              <p:spPr>
-                <a:xfrm rot="16200000">
-                  <a:off x="6307740" y="2976576"/>
-                  <a:ext cx="36000" cy="36000"/>
-                </a:xfrm>
-                <a:prstGeom prst="ellipse">
-                  <a:avLst/>
-                </a:prstGeom>
-                <a:solidFill>
-                  <a:schemeClr val="tx1"/>
-                </a:solidFill>
-                <a:ln w="19050">
-                  <a:solidFill>
-                    <a:schemeClr val="tx1"/>
-                  </a:solidFill>
-                </a:ln>
-              </p:spPr>
-              <p:style>
-                <a:lnRef idx="2">
-                  <a:schemeClr val="accent1">
-                    <a:shade val="50000"/>
-                  </a:schemeClr>
-                </a:lnRef>
-                <a:fillRef idx="1">
-                  <a:schemeClr val="accent1"/>
-                </a:fillRef>
-                <a:effectRef idx="0">
-                  <a:schemeClr val="accent1"/>
-                </a:effectRef>
-                <a:fontRef idx="minor">
-                  <a:schemeClr val="lt1"/>
-                </a:fontRef>
-              </p:style>
-              <p:txBody>
-                <a:bodyPr rtlCol="0" anchor="ctr"/>
-                <a:lstStyle/>
-                <a:p>
-                  <a:pPr algn="ctr"/>
-                  <a:endParaRPr lang="en-PH"/>
-                </a:p>
-              </p:txBody>
-            </p:sp>
-            <p:sp>
-              <p:nvSpPr>
-                <p:cNvPr id="169" name="Oval 168">
-                  <a:extLst>
-                    <a:ext uri="{FF2B5EF4-FFF2-40B4-BE49-F238E27FC236}">
-                      <a16:creationId xmlns:a16="http://schemas.microsoft.com/office/drawing/2014/main" id="{6417101F-81C7-42FA-9BFD-78EC15F31E3C}"/>
-                    </a:ext>
-                  </a:extLst>
-                </p:cNvPr>
-                <p:cNvSpPr>
-                  <a:spLocks noChangeAspect="1"/>
-                </p:cNvSpPr>
-                <p:nvPr/>
-              </p:nvSpPr>
-              <p:spPr>
-                <a:xfrm rot="16200000">
-                  <a:off x="6430179" y="2976576"/>
-                  <a:ext cx="36000" cy="36000"/>
-                </a:xfrm>
-                <a:prstGeom prst="ellipse">
-                  <a:avLst/>
-                </a:prstGeom>
-                <a:solidFill>
-                  <a:schemeClr val="tx1"/>
-                </a:solidFill>
-                <a:ln w="19050">
-                  <a:solidFill>
-                    <a:schemeClr val="tx1"/>
-                  </a:solidFill>
-                </a:ln>
-              </p:spPr>
-              <p:style>
-                <a:lnRef idx="2">
-                  <a:schemeClr val="accent1">
-                    <a:shade val="50000"/>
-                  </a:schemeClr>
-                </a:lnRef>
-                <a:fillRef idx="1">
-                  <a:schemeClr val="accent1"/>
-                </a:fillRef>
-                <a:effectRef idx="0">
-                  <a:schemeClr val="accent1"/>
-                </a:effectRef>
-                <a:fontRef idx="minor">
-                  <a:schemeClr val="lt1"/>
-                </a:fontRef>
-              </p:style>
-              <p:txBody>
-                <a:bodyPr rtlCol="0" anchor="ctr"/>
-                <a:lstStyle/>
-                <a:p>
-                  <a:pPr algn="ctr"/>
-                  <a:endParaRPr lang="en-PH"/>
-                </a:p>
-              </p:txBody>
-            </p:sp>
-            <p:sp>
-              <p:nvSpPr>
-                <p:cNvPr id="171" name="Oval 170">
-                  <a:extLst>
-                    <a:ext uri="{FF2B5EF4-FFF2-40B4-BE49-F238E27FC236}">
-                      <a16:creationId xmlns:a16="http://schemas.microsoft.com/office/drawing/2014/main" id="{24EF56D6-3F68-492B-92FF-EA04D309464C}"/>
-                    </a:ext>
-                  </a:extLst>
-                </p:cNvPr>
-                <p:cNvSpPr>
-                  <a:spLocks noChangeAspect="1"/>
-                </p:cNvSpPr>
-                <p:nvPr/>
-              </p:nvSpPr>
-              <p:spPr>
-                <a:xfrm rot="16200000">
-                  <a:off x="6552618" y="2976576"/>
-                  <a:ext cx="36000" cy="36000"/>
-                </a:xfrm>
-                <a:prstGeom prst="ellipse">
-                  <a:avLst/>
-                </a:prstGeom>
-                <a:solidFill>
-                  <a:schemeClr val="tx1"/>
-                </a:solidFill>
-                <a:ln w="19050">
-                  <a:solidFill>
-                    <a:schemeClr val="tx1"/>
-                  </a:solidFill>
-                </a:ln>
-              </p:spPr>
-              <p:style>
-                <a:lnRef idx="2">
-                  <a:schemeClr val="accent1">
-                    <a:shade val="50000"/>
-                  </a:schemeClr>
-                </a:lnRef>
-                <a:fillRef idx="1">
-                  <a:schemeClr val="accent1"/>
-                </a:fillRef>
-                <a:effectRef idx="0">
-                  <a:schemeClr val="accent1"/>
-                </a:effectRef>
-                <a:fontRef idx="minor">
-                  <a:schemeClr val="lt1"/>
-                </a:fontRef>
-              </p:style>
-              <p:txBody>
-                <a:bodyPr rtlCol="0" anchor="ctr"/>
-                <a:lstStyle/>
-                <a:p>
-                  <a:pPr algn="ctr"/>
-                  <a:endParaRPr lang="en-PH"/>
-                </a:p>
-              </p:txBody>
-            </p:sp>
-          </p:grpSp>
-          <p:graphicFrame>
-            <p:nvGraphicFramePr>
-              <p:cNvPr id="2" name="Object 1">
-                <a:extLst>
-                  <a:ext uri="{FF2B5EF4-FFF2-40B4-BE49-F238E27FC236}">
-                    <a16:creationId xmlns:a16="http://schemas.microsoft.com/office/drawing/2014/main" id="{3A295A4E-6EFA-41D0-9B72-2E763E3DBDBA}"/>
-                  </a:ext>
-                </a:extLst>
-              </p:cNvPr>
-              <p:cNvGraphicFramePr>
-                <a:graphicFrameLocks noChangeAspect="1"/>
-              </p:cNvGraphicFramePr>
-              <p:nvPr>
-                <p:extLst>
-                  <p:ext uri="{D42A27DB-BD31-4B8C-83A1-F6EECF244321}">
-                    <p14:modId xmlns:p14="http://schemas.microsoft.com/office/powerpoint/2010/main" val="2131532193"/>
-                  </p:ext>
-                </p:extLst>
-              </p:nvPr>
-            </p:nvGraphicFramePr>
-            <p:xfrm>
-              <a:off x="4537140" y="2905862"/>
-              <a:ext cx="228600" cy="254000"/>
-            </p:xfrm>
-            <a:graphic>
-              <a:graphicData uri="http://schemas.openxmlformats.org/presentationml/2006/ole">
-                <mc:AlternateContent xmlns:mc="http://schemas.openxmlformats.org/markup-compatibility/2006">
-                  <mc:Choice xmlns:v="urn:schemas-microsoft-com:vml" Requires="v">
-                    <p:oleObj spid="_x0000_s2745" name="Equation" r:id="rId21" imgW="228600" imgH="253800" progId="Equation.DSMT4">
-                      <p:embed/>
-                    </p:oleObj>
-                  </mc:Choice>
-                  <mc:Fallback>
-                    <p:oleObj name="Equation" r:id="rId21" imgW="228600" imgH="253800" progId="Equation.DSMT4">
-                      <p:embed/>
-                      <p:pic>
-                        <p:nvPicPr>
-                          <p:cNvPr id="2" name="Object 1">
-                            <a:extLst>
-                              <a:ext uri="{FF2B5EF4-FFF2-40B4-BE49-F238E27FC236}">
-                                <a16:creationId xmlns:a16="http://schemas.microsoft.com/office/drawing/2014/main" id="{3A295A4E-6EFA-41D0-9B72-2E763E3DBDBA}"/>
-                              </a:ext>
-                            </a:extLst>
-                          </p:cNvPr>
-                          <p:cNvPicPr/>
-                          <p:nvPr/>
-                        </p:nvPicPr>
-                        <p:blipFill>
-                          <a:blip r:embed="rId22"/>
-                          <a:stretch>
-                            <a:fillRect/>
-                          </a:stretch>
-                        </p:blipFill>
-                        <p:spPr>
-                          <a:xfrm>
-                            <a:off x="4537140" y="2905862"/>
-                            <a:ext cx="228600" cy="254000"/>
-                          </a:xfrm>
-                          <a:prstGeom prst="rect">
-                            <a:avLst/>
-                          </a:prstGeom>
-                        </p:spPr>
-                      </p:pic>
-                    </p:oleObj>
-                  </mc:Fallback>
-                </mc:AlternateContent>
-              </a:graphicData>
-            </a:graphic>
-          </p:graphicFrame>
-          <p:graphicFrame>
-            <p:nvGraphicFramePr>
-              <p:cNvPr id="4" name="Object 3">
-                <a:extLst>
-                  <a:ext uri="{FF2B5EF4-FFF2-40B4-BE49-F238E27FC236}">
-                    <a16:creationId xmlns:a16="http://schemas.microsoft.com/office/drawing/2014/main" id="{BC35AD95-A9AA-4233-8773-3AC9C357B587}"/>
-                  </a:ext>
-                </a:extLst>
-              </p:cNvPr>
-              <p:cNvGraphicFramePr>
-                <a:graphicFrameLocks noChangeAspect="1"/>
-              </p:cNvGraphicFramePr>
-              <p:nvPr>
-                <p:extLst>
-                  <p:ext uri="{D42A27DB-BD31-4B8C-83A1-F6EECF244321}">
-                    <p14:modId xmlns:p14="http://schemas.microsoft.com/office/powerpoint/2010/main" val="3837690483"/>
-                  </p:ext>
-                </p:extLst>
-              </p:nvPr>
-            </p:nvGraphicFramePr>
-            <p:xfrm>
-              <a:off x="4810190" y="2905862"/>
-              <a:ext cx="228600" cy="254000"/>
-            </p:xfrm>
-            <a:graphic>
-              <a:graphicData uri="http://schemas.openxmlformats.org/presentationml/2006/ole">
-                <mc:AlternateContent xmlns:mc="http://schemas.openxmlformats.org/markup-compatibility/2006">
-                  <mc:Choice xmlns:v="urn:schemas-microsoft-com:vml" Requires="v">
-                    <p:oleObj spid="_x0000_s2746" name="Equation" r:id="rId23" imgW="228600" imgH="253800" progId="Equation.DSMT4">
-                      <p:embed/>
-                    </p:oleObj>
-                  </mc:Choice>
-                  <mc:Fallback>
-                    <p:oleObj name="Equation" r:id="rId23" imgW="228600" imgH="253800" progId="Equation.DSMT4">
-                      <p:embed/>
-                      <p:pic>
-                        <p:nvPicPr>
-                          <p:cNvPr id="4" name="Object 3">
-                            <a:extLst>
-                              <a:ext uri="{FF2B5EF4-FFF2-40B4-BE49-F238E27FC236}">
-                                <a16:creationId xmlns:a16="http://schemas.microsoft.com/office/drawing/2014/main" id="{BC35AD95-A9AA-4233-8773-3AC9C357B587}"/>
-                              </a:ext>
-                            </a:extLst>
-                          </p:cNvPr>
-                          <p:cNvPicPr/>
-                          <p:nvPr/>
-                        </p:nvPicPr>
-                        <p:blipFill>
-                          <a:blip r:embed="rId24"/>
-                          <a:stretch>
-                            <a:fillRect/>
-                          </a:stretch>
-                        </p:blipFill>
-                        <p:spPr>
-                          <a:xfrm>
-                            <a:off x="4810190" y="2905862"/>
-                            <a:ext cx="228600" cy="254000"/>
-                          </a:xfrm>
-                          <a:prstGeom prst="rect">
-                            <a:avLst/>
-                          </a:prstGeom>
-                        </p:spPr>
-                      </p:pic>
-                    </p:oleObj>
-                  </mc:Fallback>
-                </mc:AlternateContent>
-              </a:graphicData>
-            </a:graphic>
-          </p:graphicFrame>
-          <p:graphicFrame>
-            <p:nvGraphicFramePr>
-              <p:cNvPr id="5" name="Object 4">
-                <a:extLst>
-                  <a:ext uri="{FF2B5EF4-FFF2-40B4-BE49-F238E27FC236}">
-                    <a16:creationId xmlns:a16="http://schemas.microsoft.com/office/drawing/2014/main" id="{6D14AD02-B808-42A4-8FF8-AC9BDB77E5DD}"/>
-                  </a:ext>
-                </a:extLst>
-              </p:cNvPr>
-              <p:cNvGraphicFramePr>
-                <a:graphicFrameLocks noChangeAspect="1"/>
-              </p:cNvGraphicFramePr>
-              <p:nvPr>
-                <p:extLst>
-                  <p:ext uri="{D42A27DB-BD31-4B8C-83A1-F6EECF244321}">
-                    <p14:modId xmlns:p14="http://schemas.microsoft.com/office/powerpoint/2010/main" val="2687451000"/>
-                  </p:ext>
-                </p:extLst>
-              </p:nvPr>
-            </p:nvGraphicFramePr>
-            <p:xfrm>
-              <a:off x="5461065" y="2907450"/>
-              <a:ext cx="279400" cy="254000"/>
-            </p:xfrm>
-            <a:graphic>
-              <a:graphicData uri="http://schemas.openxmlformats.org/presentationml/2006/ole">
-                <mc:AlternateContent xmlns:mc="http://schemas.openxmlformats.org/markup-compatibility/2006">
-                  <mc:Choice xmlns:v="urn:schemas-microsoft-com:vml" Requires="v">
-                    <p:oleObj spid="_x0000_s2747" name="Equation" r:id="rId25" imgW="279360" imgH="253800" progId="Equation.DSMT4">
-                      <p:embed/>
-                    </p:oleObj>
-                  </mc:Choice>
-                  <mc:Fallback>
-                    <p:oleObj name="Equation" r:id="rId25" imgW="279360" imgH="253800" progId="Equation.DSMT4">
-                      <p:embed/>
-                      <p:pic>
-                        <p:nvPicPr>
-                          <p:cNvPr id="5" name="Object 4">
-                            <a:extLst>
-                              <a:ext uri="{FF2B5EF4-FFF2-40B4-BE49-F238E27FC236}">
-                                <a16:creationId xmlns:a16="http://schemas.microsoft.com/office/drawing/2014/main" id="{6D14AD02-B808-42A4-8FF8-AC9BDB77E5DD}"/>
-                              </a:ext>
-                            </a:extLst>
-                          </p:cNvPr>
-                          <p:cNvPicPr/>
-                          <p:nvPr/>
-                        </p:nvPicPr>
-                        <p:blipFill>
-                          <a:blip r:embed="rId26"/>
-                          <a:stretch>
-                            <a:fillRect/>
-                          </a:stretch>
-                        </p:blipFill>
-                        <p:spPr>
-                          <a:xfrm>
-                            <a:off x="5461065" y="2907450"/>
-                            <a:ext cx="279400" cy="254000"/>
-                          </a:xfrm>
-                          <a:prstGeom prst="rect">
-                            <a:avLst/>
-                          </a:prstGeom>
-                        </p:spPr>
-                      </p:pic>
-                    </p:oleObj>
-                  </mc:Fallback>
-                </mc:AlternateContent>
-              </a:graphicData>
-            </a:graphic>
-          </p:graphicFrame>
-        </p:grpSp>
-        <p:sp>
-          <p:nvSpPr>
-            <p:cNvPr id="211" name="TextBox 210">
-              <a:extLst>
-                <a:ext uri="{FF2B5EF4-FFF2-40B4-BE49-F238E27FC236}">
-                  <a16:creationId xmlns:a16="http://schemas.microsoft.com/office/drawing/2014/main" id="{9902042D-2ADC-47BA-B45A-3078CF343F07}"/>
-                </a:ext>
-              </a:extLst>
-            </p:cNvPr>
-            <p:cNvSpPr txBox="1"/>
-            <p:nvPr/>
-          </p:nvSpPr>
-          <p:spPr>
-            <a:xfrm>
-              <a:off x="5027667" y="3009517"/>
-              <a:ext cx="970137" cy="246221"/>
-            </a:xfrm>
-            <a:prstGeom prst="rect">
-              <a:avLst/>
-            </a:prstGeom>
-            <a:noFill/>
-          </p:spPr>
-          <p:txBody>
-            <a:bodyPr wrap="none" rtlCol="0" anchor="ctr">
-              <a:spAutoFit/>
-            </a:bodyPr>
-            <a:lstStyle/>
-            <a:p>
-              <a:r>
-                <a:rPr lang="en-PH" sz="1000" dirty="0">
-                  <a:effectLst>
-                    <a:outerShdw blurRad="38100" dist="38100" dir="2700000" algn="tl">
-                      <a:srgbClr val="000000">
-                        <a:alpha val="43137"/>
-                      </a:srgbClr>
-                    </a:outerShdw>
-                  </a:effectLst>
-                  <a:latin typeface="CMU Sans Serif" panose="02000603000000000000" pitchFamily="2" charset="0"/>
-                  <a:ea typeface="CMU Sans Serif" panose="02000603000000000000" pitchFamily="2" charset="0"/>
-                  <a:cs typeface="CMU Sans Serif" panose="02000603000000000000" pitchFamily="2" charset="0"/>
-                </a:rPr>
-                <a:t>Priority level 1</a:t>
-              </a:r>
-              <a:endParaRPr lang="en-PH" sz="1000" i="1" baseline="-25000" dirty="0">
-                <a:effectLst>
-                  <a:outerShdw blurRad="38100" dist="38100" dir="2700000" algn="tl">
-                    <a:srgbClr val="000000">
-                      <a:alpha val="43137"/>
-                    </a:srgbClr>
-                  </a:outerShdw>
-                </a:effectLst>
-                <a:latin typeface="CMU Sans Serif" panose="02000603000000000000" pitchFamily="2" charset="0"/>
-                <a:ea typeface="CMU Sans Serif" panose="02000603000000000000" pitchFamily="2" charset="0"/>
-                <a:cs typeface="CMU Sans Serif" panose="02000603000000000000" pitchFamily="2" charset="0"/>
-              </a:endParaRPr>
-            </a:p>
-          </p:txBody>
-        </p:sp>
-        <p:sp>
-          <p:nvSpPr>
-            <p:cNvPr id="227" name="TextBox 226">
-              <a:extLst>
-                <a:ext uri="{FF2B5EF4-FFF2-40B4-BE49-F238E27FC236}">
-                  <a16:creationId xmlns:a16="http://schemas.microsoft.com/office/drawing/2014/main" id="{9872FBE6-97EB-4A95-B04E-5248F4BF6BAF}"/>
-                </a:ext>
-              </a:extLst>
-            </p:cNvPr>
-            <p:cNvSpPr txBox="1"/>
-            <p:nvPr/>
-          </p:nvSpPr>
-          <p:spPr>
-            <a:xfrm>
-              <a:off x="6262739" y="4496157"/>
-              <a:ext cx="970137" cy="246221"/>
-            </a:xfrm>
-            <a:prstGeom prst="rect">
-              <a:avLst/>
-            </a:prstGeom>
-            <a:noFill/>
-          </p:spPr>
-          <p:txBody>
-            <a:bodyPr wrap="none" rtlCol="0" anchor="ctr">
-              <a:spAutoFit/>
-            </a:bodyPr>
-            <a:lstStyle/>
-            <a:p>
-              <a:r>
-                <a:rPr lang="en-PH" sz="1000" dirty="0">
-                  <a:effectLst>
-                    <a:outerShdw blurRad="38100" dist="38100" dir="2700000" algn="tl">
-                      <a:srgbClr val="000000">
-                        <a:alpha val="43137"/>
-                      </a:srgbClr>
-                    </a:outerShdw>
-                  </a:effectLst>
-                  <a:latin typeface="CMU Sans Serif" panose="02000603000000000000" pitchFamily="2" charset="0"/>
-                  <a:ea typeface="CMU Sans Serif" panose="02000603000000000000" pitchFamily="2" charset="0"/>
-                  <a:cs typeface="CMU Sans Serif" panose="02000603000000000000" pitchFamily="2" charset="0"/>
-                </a:rPr>
-                <a:t>Priority level </a:t>
-              </a:r>
-              <a:r>
-                <a:rPr lang="en-PH" sz="1000" i="1" dirty="0">
-                  <a:effectLst>
-                    <a:outerShdw blurRad="38100" dist="38100" dir="2700000" algn="tl">
-                      <a:srgbClr val="000000">
-                        <a:alpha val="43137"/>
-                      </a:srgbClr>
-                    </a:outerShdw>
-                  </a:effectLst>
-                  <a:latin typeface="CMU Classical Serif" panose="02000603000000000000" pitchFamily="2" charset="0"/>
-                  <a:ea typeface="CMU Classical Serif" panose="02000603000000000000" pitchFamily="2" charset="0"/>
-                  <a:cs typeface="CMU Classical Serif" panose="02000603000000000000" pitchFamily="2" charset="0"/>
-                </a:rPr>
-                <a:t>p</a:t>
-              </a:r>
-              <a:endParaRPr lang="en-PH" sz="1000" i="1" baseline="-25000" dirty="0">
-                <a:effectLst>
-                  <a:outerShdw blurRad="38100" dist="38100" dir="2700000" algn="tl">
-                    <a:srgbClr val="000000">
-                      <a:alpha val="43137"/>
-                    </a:srgbClr>
-                  </a:outerShdw>
-                </a:effectLst>
-                <a:latin typeface="CMU Classical Serif" panose="02000603000000000000" pitchFamily="2" charset="0"/>
-                <a:ea typeface="CMU Classical Serif" panose="02000603000000000000" pitchFamily="2" charset="0"/>
-                <a:cs typeface="CMU Classical Serif" panose="02000603000000000000" pitchFamily="2" charset="0"/>
-              </a:endParaRPr>
-            </a:p>
-          </p:txBody>
-        </p:sp>
-        <p:sp>
-          <p:nvSpPr>
-            <p:cNvPr id="231" name="TextBox 230">
-              <a:extLst>
-                <a:ext uri="{FF2B5EF4-FFF2-40B4-BE49-F238E27FC236}">
-                  <a16:creationId xmlns:a16="http://schemas.microsoft.com/office/drawing/2014/main" id="{C0EB86B4-2BF9-4FF7-B609-64927351561A}"/>
-                </a:ext>
-              </a:extLst>
-            </p:cNvPr>
-            <p:cNvSpPr txBox="1"/>
-            <p:nvPr/>
-          </p:nvSpPr>
-          <p:spPr>
-            <a:xfrm>
-              <a:off x="5020963" y="5500658"/>
-              <a:ext cx="1051891" cy="246221"/>
-            </a:xfrm>
-            <a:prstGeom prst="rect">
-              <a:avLst/>
-            </a:prstGeom>
-            <a:noFill/>
-          </p:spPr>
-          <p:txBody>
-            <a:bodyPr wrap="none" rtlCol="0" anchor="ctr">
-              <a:spAutoFit/>
-            </a:bodyPr>
-            <a:lstStyle/>
-            <a:p>
-              <a:r>
-                <a:rPr lang="en-PH" sz="1000" dirty="0">
-                  <a:effectLst>
-                    <a:outerShdw blurRad="38100" dist="38100" dir="2700000" algn="tl">
-                      <a:srgbClr val="000000">
-                        <a:alpha val="43137"/>
-                      </a:srgbClr>
-                    </a:outerShdw>
-                  </a:effectLst>
-                  <a:latin typeface="CMU Sans Serif" panose="02000603000000000000" pitchFamily="2" charset="0"/>
-                  <a:ea typeface="CMU Sans Serif" panose="02000603000000000000" pitchFamily="2" charset="0"/>
-                  <a:cs typeface="CMU Sans Serif" panose="02000603000000000000" pitchFamily="2" charset="0"/>
-                </a:rPr>
-                <a:t>Priority level </a:t>
-              </a:r>
-              <a:r>
-                <a:rPr lang="en-PH" sz="1000" i="1" dirty="0">
-                  <a:effectLst>
-                    <a:outerShdw blurRad="38100" dist="38100" dir="2700000" algn="tl">
-                      <a:srgbClr val="000000">
-                        <a:alpha val="43137"/>
-                      </a:srgbClr>
-                    </a:outerShdw>
-                  </a:effectLst>
-                  <a:latin typeface="CMU Classical Serif" panose="02000603000000000000" pitchFamily="2" charset="0"/>
-                  <a:ea typeface="CMU Classical Serif" panose="02000603000000000000" pitchFamily="2" charset="0"/>
-                  <a:cs typeface="CMU Classical Serif" panose="02000603000000000000" pitchFamily="2" charset="0"/>
-                </a:rPr>
-                <a:t>P</a:t>
-              </a:r>
-              <a:r>
-                <a:rPr lang="en-PH" sz="1000" i="1" baseline="-25000" dirty="0">
-                  <a:effectLst>
-                    <a:outerShdw blurRad="38100" dist="38100" dir="2700000" algn="tl">
-                      <a:srgbClr val="000000">
-                        <a:alpha val="43137"/>
-                      </a:srgbClr>
-                    </a:outerShdw>
-                  </a:effectLst>
-                  <a:latin typeface="CMU Classical Serif" panose="02000603000000000000" pitchFamily="2" charset="0"/>
-                  <a:ea typeface="CMU Classical Serif" panose="02000603000000000000" pitchFamily="2" charset="0"/>
-                  <a:cs typeface="CMU Classical Serif" panose="02000603000000000000" pitchFamily="2" charset="0"/>
-                </a:rPr>
-                <a:t>c</a:t>
-              </a:r>
-            </a:p>
-          </p:txBody>
-        </p:sp>
-        <p:grpSp>
-          <p:nvGrpSpPr>
-            <p:cNvPr id="238" name="Group 237">
-              <a:extLst>
-                <a:ext uri="{FF2B5EF4-FFF2-40B4-BE49-F238E27FC236}">
-                  <a16:creationId xmlns:a16="http://schemas.microsoft.com/office/drawing/2014/main" id="{9A19A32D-4CCD-49B0-A978-BB34C58793CB}"/>
-                </a:ext>
-              </a:extLst>
-            </p:cNvPr>
-            <p:cNvGrpSpPr/>
-            <p:nvPr/>
-          </p:nvGrpSpPr>
-          <p:grpSpPr>
-            <a:xfrm rot="2863018">
-              <a:off x="6351978" y="4794017"/>
-              <a:ext cx="36000" cy="218491"/>
-              <a:chOff x="8717505" y="3661569"/>
-              <a:chExt cx="36000" cy="218491"/>
-            </a:xfrm>
-          </p:grpSpPr>
-          <p:sp>
-            <p:nvSpPr>
-              <p:cNvPr id="239" name="Oval 238">
-                <a:extLst>
-                  <a:ext uri="{FF2B5EF4-FFF2-40B4-BE49-F238E27FC236}">
-                    <a16:creationId xmlns:a16="http://schemas.microsoft.com/office/drawing/2014/main" id="{74A38FE9-FEFA-4B33-A1B3-5A9BAF5D18C7}"/>
-                  </a:ext>
-                </a:extLst>
-              </p:cNvPr>
-              <p:cNvSpPr>
-                <a:spLocks noChangeAspect="1"/>
-              </p:cNvSpPr>
-              <p:nvPr/>
-            </p:nvSpPr>
-            <p:spPr>
-              <a:xfrm>
-                <a:off x="8717505" y="3661569"/>
-                <a:ext cx="36000" cy="36000"/>
-              </a:xfrm>
-              <a:prstGeom prst="ellipse">
-                <a:avLst/>
-              </a:prstGeom>
-              <a:solidFill>
-                <a:schemeClr val="tx1"/>
-              </a:solidFill>
-              <a:ln w="19050">
-                <a:solidFill>
-                  <a:schemeClr val="tx1"/>
-                </a:solidFill>
-              </a:ln>
-            </p:spPr>
-            <p:style>
-              <a:lnRef idx="2">
-                <a:schemeClr val="accent1">
-                  <a:shade val="50000"/>
-                </a:schemeClr>
-              </a:lnRef>
-              <a:fillRef idx="1">
-                <a:schemeClr val="accent1"/>
-              </a:fillRef>
-              <a:effectRef idx="0">
-                <a:schemeClr val="accent1"/>
-              </a:effectRef>
-              <a:fontRef idx="minor">
-                <a:schemeClr val="lt1"/>
-              </a:fontRef>
-            </p:style>
-            <p:txBody>
-              <a:bodyPr rtlCol="0" anchor="ctr"/>
-              <a:lstStyle/>
-              <a:p>
-                <a:pPr algn="ctr"/>
-                <a:endParaRPr lang="en-PH"/>
-              </a:p>
-            </p:txBody>
-          </p:sp>
-          <p:sp>
-            <p:nvSpPr>
-              <p:cNvPr id="240" name="Oval 239">
-                <a:extLst>
-                  <a:ext uri="{FF2B5EF4-FFF2-40B4-BE49-F238E27FC236}">
-                    <a16:creationId xmlns:a16="http://schemas.microsoft.com/office/drawing/2014/main" id="{64388606-7EF1-42B6-A1B0-00CB061C748D}"/>
-                  </a:ext>
-                </a:extLst>
-              </p:cNvPr>
-              <p:cNvSpPr>
-                <a:spLocks noChangeAspect="1"/>
-              </p:cNvSpPr>
-              <p:nvPr/>
-            </p:nvSpPr>
-            <p:spPr>
-              <a:xfrm>
-                <a:off x="8717505" y="3752814"/>
-                <a:ext cx="36000" cy="36000"/>
-              </a:xfrm>
-              <a:prstGeom prst="ellipse">
-                <a:avLst/>
-              </a:prstGeom>
-              <a:solidFill>
-                <a:schemeClr val="tx1"/>
-              </a:solidFill>
-              <a:ln w="19050">
-                <a:solidFill>
-                  <a:schemeClr val="tx1"/>
-                </a:solidFill>
-              </a:ln>
-            </p:spPr>
-            <p:style>
-              <a:lnRef idx="2">
-                <a:schemeClr val="accent1">
-                  <a:shade val="50000"/>
-                </a:schemeClr>
-              </a:lnRef>
-              <a:fillRef idx="1">
-                <a:schemeClr val="accent1"/>
-              </a:fillRef>
-              <a:effectRef idx="0">
-                <a:schemeClr val="accent1"/>
-              </a:effectRef>
-              <a:fontRef idx="minor">
-                <a:schemeClr val="lt1"/>
-              </a:fontRef>
-            </p:style>
-            <p:txBody>
-              <a:bodyPr rtlCol="0" anchor="ctr"/>
-              <a:lstStyle/>
-              <a:p>
-                <a:pPr algn="ctr"/>
-                <a:endParaRPr lang="en-PH"/>
-              </a:p>
-            </p:txBody>
-          </p:sp>
-          <p:sp>
-            <p:nvSpPr>
-              <p:cNvPr id="241" name="Oval 240">
-                <a:extLst>
-                  <a:ext uri="{FF2B5EF4-FFF2-40B4-BE49-F238E27FC236}">
-                    <a16:creationId xmlns:a16="http://schemas.microsoft.com/office/drawing/2014/main" id="{845BDD2D-201F-4804-8032-0318F484ECA3}"/>
-                  </a:ext>
-                </a:extLst>
-              </p:cNvPr>
-              <p:cNvSpPr>
-                <a:spLocks noChangeAspect="1"/>
-              </p:cNvSpPr>
-              <p:nvPr/>
-            </p:nvSpPr>
-            <p:spPr>
-              <a:xfrm>
-                <a:off x="8717505" y="3844060"/>
-                <a:ext cx="36000" cy="36000"/>
-              </a:xfrm>
-              <a:prstGeom prst="ellipse">
-                <a:avLst/>
-              </a:prstGeom>
-              <a:solidFill>
-                <a:schemeClr val="tx1"/>
-              </a:solidFill>
-              <a:ln w="19050">
-                <a:solidFill>
-                  <a:schemeClr val="tx1"/>
-                </a:solidFill>
-              </a:ln>
-            </p:spPr>
-            <p:style>
-              <a:lnRef idx="2">
-                <a:schemeClr val="accent1">
-                  <a:shade val="50000"/>
-                </a:schemeClr>
-              </a:lnRef>
-              <a:fillRef idx="1">
-                <a:schemeClr val="accent1"/>
-              </a:fillRef>
-              <a:effectRef idx="0">
-                <a:schemeClr val="accent1"/>
-              </a:effectRef>
-              <a:fontRef idx="minor">
-                <a:schemeClr val="lt1"/>
-              </a:fontRef>
-            </p:style>
-            <p:txBody>
-              <a:bodyPr rtlCol="0" anchor="ctr"/>
-              <a:lstStyle/>
-              <a:p>
-                <a:pPr algn="ctr"/>
-                <a:endParaRPr lang="en-PH"/>
-              </a:p>
-            </p:txBody>
-          </p:sp>
-        </p:grpSp>
-        <p:grpSp>
-          <p:nvGrpSpPr>
-            <p:cNvPr id="76" name="Group 75">
-              <a:extLst>
-                <a:ext uri="{FF2B5EF4-FFF2-40B4-BE49-F238E27FC236}">
-                  <a16:creationId xmlns:a16="http://schemas.microsoft.com/office/drawing/2014/main" id="{8AB57115-B6C2-41DE-BAF7-FE37B27D1655}"/>
-                </a:ext>
-              </a:extLst>
-            </p:cNvPr>
-            <p:cNvGrpSpPr/>
-            <p:nvPr/>
-          </p:nvGrpSpPr>
-          <p:grpSpPr>
-            <a:xfrm rot="2863018">
-              <a:off x="7442801" y="3721509"/>
-              <a:ext cx="36000" cy="218491"/>
-              <a:chOff x="8717505" y="3661569"/>
-              <a:chExt cx="36000" cy="218491"/>
-            </a:xfrm>
-          </p:grpSpPr>
-          <p:sp>
-            <p:nvSpPr>
-              <p:cNvPr id="77" name="Oval 76">
-                <a:extLst>
-                  <a:ext uri="{FF2B5EF4-FFF2-40B4-BE49-F238E27FC236}">
-                    <a16:creationId xmlns:a16="http://schemas.microsoft.com/office/drawing/2014/main" id="{537BA500-25E9-46F5-A3C5-B50E7821FB5A}"/>
-                  </a:ext>
-                </a:extLst>
-              </p:cNvPr>
-              <p:cNvSpPr>
-                <a:spLocks noChangeAspect="1"/>
-              </p:cNvSpPr>
-              <p:nvPr/>
-            </p:nvSpPr>
-            <p:spPr>
-              <a:xfrm>
-                <a:off x="8717505" y="3661569"/>
-                <a:ext cx="36000" cy="36000"/>
-              </a:xfrm>
-              <a:prstGeom prst="ellipse">
-                <a:avLst/>
-              </a:prstGeom>
-              <a:solidFill>
-                <a:schemeClr val="tx1"/>
-              </a:solidFill>
-              <a:ln w="19050">
-                <a:solidFill>
-                  <a:schemeClr val="tx1"/>
-                </a:solidFill>
-              </a:ln>
-            </p:spPr>
-            <p:style>
-              <a:lnRef idx="2">
-                <a:schemeClr val="accent1">
-                  <a:shade val="50000"/>
-                </a:schemeClr>
-              </a:lnRef>
-              <a:fillRef idx="1">
-                <a:schemeClr val="accent1"/>
-              </a:fillRef>
-              <a:effectRef idx="0">
-                <a:schemeClr val="accent1"/>
-              </a:effectRef>
-              <a:fontRef idx="minor">
-                <a:schemeClr val="lt1"/>
-              </a:fontRef>
-            </p:style>
-            <p:txBody>
-              <a:bodyPr rtlCol="0" anchor="ctr"/>
-              <a:lstStyle/>
-              <a:p>
-                <a:pPr algn="ctr"/>
-                <a:endParaRPr lang="en-PH"/>
-              </a:p>
-            </p:txBody>
-          </p:sp>
-          <p:sp>
-            <p:nvSpPr>
-              <p:cNvPr id="78" name="Oval 77">
-                <a:extLst>
-                  <a:ext uri="{FF2B5EF4-FFF2-40B4-BE49-F238E27FC236}">
-                    <a16:creationId xmlns:a16="http://schemas.microsoft.com/office/drawing/2014/main" id="{9774C067-3D1B-43C9-924B-8B419935DD56}"/>
-                  </a:ext>
-                </a:extLst>
-              </p:cNvPr>
-              <p:cNvSpPr>
-                <a:spLocks noChangeAspect="1"/>
-              </p:cNvSpPr>
-              <p:nvPr/>
-            </p:nvSpPr>
-            <p:spPr>
-              <a:xfrm>
-                <a:off x="8717505" y="3752814"/>
-                <a:ext cx="36000" cy="36000"/>
-              </a:xfrm>
-              <a:prstGeom prst="ellipse">
-                <a:avLst/>
-              </a:prstGeom>
-              <a:solidFill>
-                <a:schemeClr val="tx1"/>
-              </a:solidFill>
-              <a:ln w="19050">
-                <a:solidFill>
-                  <a:schemeClr val="tx1"/>
-                </a:solidFill>
-              </a:ln>
-            </p:spPr>
-            <p:style>
-              <a:lnRef idx="2">
-                <a:schemeClr val="accent1">
-                  <a:shade val="50000"/>
-                </a:schemeClr>
-              </a:lnRef>
-              <a:fillRef idx="1">
-                <a:schemeClr val="accent1"/>
-              </a:fillRef>
-              <a:effectRef idx="0">
-                <a:schemeClr val="accent1"/>
-              </a:effectRef>
-              <a:fontRef idx="minor">
-                <a:schemeClr val="lt1"/>
-              </a:fontRef>
-            </p:style>
-            <p:txBody>
-              <a:bodyPr rtlCol="0" anchor="ctr"/>
-              <a:lstStyle/>
-              <a:p>
-                <a:pPr algn="ctr"/>
-                <a:endParaRPr lang="en-PH"/>
-              </a:p>
-            </p:txBody>
-          </p:sp>
-          <p:sp>
-            <p:nvSpPr>
-              <p:cNvPr id="79" name="Oval 78">
-                <a:extLst>
-                  <a:ext uri="{FF2B5EF4-FFF2-40B4-BE49-F238E27FC236}">
-                    <a16:creationId xmlns:a16="http://schemas.microsoft.com/office/drawing/2014/main" id="{EA1BAEF2-253E-4882-AA80-2E391F943113}"/>
-                  </a:ext>
-                </a:extLst>
-              </p:cNvPr>
-              <p:cNvSpPr>
-                <a:spLocks noChangeAspect="1"/>
-              </p:cNvSpPr>
-              <p:nvPr/>
-            </p:nvSpPr>
-            <p:spPr>
-              <a:xfrm>
-                <a:off x="8717505" y="3844060"/>
-                <a:ext cx="36000" cy="36000"/>
-              </a:xfrm>
-              <a:prstGeom prst="ellipse">
-                <a:avLst/>
-              </a:prstGeom>
-              <a:solidFill>
-                <a:schemeClr val="tx1"/>
-              </a:solidFill>
-              <a:ln w="19050">
-                <a:solidFill>
-                  <a:schemeClr val="tx1"/>
-                </a:solidFill>
-              </a:ln>
-            </p:spPr>
-            <p:style>
-              <a:lnRef idx="2">
-                <a:schemeClr val="accent1">
-                  <a:shade val="50000"/>
-                </a:schemeClr>
-              </a:lnRef>
-              <a:fillRef idx="1">
-                <a:schemeClr val="accent1"/>
-              </a:fillRef>
-              <a:effectRef idx="0">
-                <a:schemeClr val="accent1"/>
-              </a:effectRef>
-              <a:fontRef idx="minor">
-                <a:schemeClr val="lt1"/>
-              </a:fontRef>
-            </p:style>
-            <p:txBody>
-              <a:bodyPr rtlCol="0" anchor="ctr"/>
-              <a:lstStyle/>
-              <a:p>
-                <a:pPr algn="ctr"/>
-                <a:endParaRPr lang="en-PH"/>
-              </a:p>
-            </p:txBody>
-          </p:sp>
-        </p:grpSp>
-      </p:grpSp>
-    </p:spTree>
-    <p:extLst>
-      <p:ext uri="{BB962C8B-B14F-4D97-AF65-F5344CB8AC3E}">
-        <p14:creationId xmlns:p14="http://schemas.microsoft.com/office/powerpoint/2010/main" val="848609986"/>
-      </p:ext>
-    </p:extLst>
-  </p:cSld>
-  <p:clrMapOvr>
-    <a:masterClrMapping/>
-  </p:clrMapOvr>
-</p:sld>
-</file>
-
-<file path=ppt/slides/slide3.xml><?xml version="1.0" encoding="utf-8"?>
 <p:sld xmlns:a="http://schemas.openxmlformats.org/drawingml/2006/main" xmlns:r="http://schemas.openxmlformats.org/officeDocument/2006/relationships" xmlns:p="http://schemas.openxmlformats.org/presentationml/2006/main">
   <p:cSld>
     <p:spTree>
@@ -10780,7 +3850,7 @@
               <a:graphicData uri="http://schemas.openxmlformats.org/presentationml/2006/ole">
                 <mc:AlternateContent xmlns:mc="http://schemas.openxmlformats.org/markup-compatibility/2006">
                   <mc:Choice xmlns:v="urn:schemas-microsoft-com:vml" Requires="v">
-                    <p:oleObj spid="_x0000_s7595" name="Equation" r:id="rId3" imgW="241200" imgH="228600" progId="Equation.DSMT4">
+                    <p:oleObj spid="_x0000_s7688" name="Equation" r:id="rId3" imgW="241200" imgH="228600" progId="Equation.DSMT4">
                       <p:embed/>
                     </p:oleObj>
                   </mc:Choice>
@@ -11278,7 +4348,7 @@
               <a:graphicData uri="http://schemas.openxmlformats.org/presentationml/2006/ole">
                 <mc:AlternateContent xmlns:mc="http://schemas.openxmlformats.org/markup-compatibility/2006">
                   <mc:Choice xmlns:v="urn:schemas-microsoft-com:vml" Requires="v">
-                    <p:oleObj spid="_x0000_s7596" name="Equation" r:id="rId5" imgW="241200" imgH="228600" progId="Equation.DSMT4">
+                    <p:oleObj spid="_x0000_s7689" name="Equation" r:id="rId5" imgW="241200" imgH="228600" progId="Equation.DSMT4">
                       <p:embed/>
                     </p:oleObj>
                   </mc:Choice>
@@ -11858,7 +4928,7 @@
                   <a:graphicData uri="http://schemas.openxmlformats.org/presentationml/2006/ole">
                     <mc:AlternateContent xmlns:mc="http://schemas.openxmlformats.org/markup-compatibility/2006">
                       <mc:Choice xmlns:v="urn:schemas-microsoft-com:vml" Requires="v">
-                        <p:oleObj spid="_x0000_s7597" name="Equation" r:id="rId7" imgW="228600" imgH="253800" progId="Equation.DSMT4">
+                        <p:oleObj spid="_x0000_s7690" name="Equation" r:id="rId7" imgW="228600" imgH="253800" progId="Equation.DSMT4">
                           <p:embed/>
                         </p:oleObj>
                       </mc:Choice>
@@ -11927,7 +4997,7 @@
                   <a:graphicData uri="http://schemas.openxmlformats.org/presentationml/2006/ole">
                     <mc:AlternateContent xmlns:mc="http://schemas.openxmlformats.org/markup-compatibility/2006">
                       <mc:Choice xmlns:v="urn:schemas-microsoft-com:vml" Requires="v">
-                        <p:oleObj spid="_x0000_s7598" name="Equation" r:id="rId9" imgW="228600" imgH="253800" progId="Equation.DSMT4">
+                        <p:oleObj spid="_x0000_s7691" name="Equation" r:id="rId9" imgW="228600" imgH="253800" progId="Equation.DSMT4">
                           <p:embed/>
                         </p:oleObj>
                       </mc:Choice>
@@ -11996,7 +5066,7 @@
                   <a:graphicData uri="http://schemas.openxmlformats.org/presentationml/2006/ole">
                     <mc:AlternateContent xmlns:mc="http://schemas.openxmlformats.org/markup-compatibility/2006">
                       <mc:Choice xmlns:v="urn:schemas-microsoft-com:vml" Requires="v">
-                        <p:oleObj spid="_x0000_s7599" name="Equation" r:id="rId11" imgW="279360" imgH="253800" progId="Equation.DSMT4">
+                        <p:oleObj spid="_x0000_s7692" name="Equation" r:id="rId11" imgW="279360" imgH="253800" progId="Equation.DSMT4">
                           <p:embed/>
                         </p:oleObj>
                       </mc:Choice>
@@ -12065,7 +5135,7 @@
                   <a:graphicData uri="http://schemas.openxmlformats.org/presentationml/2006/ole">
                     <mc:AlternateContent xmlns:mc="http://schemas.openxmlformats.org/markup-compatibility/2006">
                       <mc:Choice xmlns:v="urn:schemas-microsoft-com:vml" Requires="v">
-                        <p:oleObj spid="_x0000_s7600" name="Equation" r:id="rId13" imgW="241200" imgH="228600" progId="Equation.DSMT4">
+                        <p:oleObj spid="_x0000_s7693" name="Equation" r:id="rId13" imgW="241200" imgH="228600" progId="Equation.DSMT4">
                           <p:embed/>
                         </p:oleObj>
                       </mc:Choice>
@@ -12222,7 +5292,7 @@
             <a:graphicData uri="http://schemas.openxmlformats.org/presentationml/2006/ole">
               <mc:AlternateContent xmlns:mc="http://schemas.openxmlformats.org/markup-compatibility/2006">
                 <mc:Choice xmlns:v="urn:schemas-microsoft-com:vml" Requires="v">
-                  <p:oleObj spid="_x0000_s7601" name="Equation" r:id="rId15" imgW="545760" imgH="228600" progId="Equation.DSMT4">
+                  <p:oleObj spid="_x0000_s7694" name="Equation" r:id="rId15" imgW="545760" imgH="228600" progId="Equation.DSMT4">
                     <p:embed/>
                   </p:oleObj>
                 </mc:Choice>
@@ -12285,7 +5355,7 @@
             <a:graphicData uri="http://schemas.openxmlformats.org/presentationml/2006/ole">
               <mc:AlternateContent xmlns:mc="http://schemas.openxmlformats.org/markup-compatibility/2006">
                 <mc:Choice xmlns:v="urn:schemas-microsoft-com:vml" Requires="v">
-                  <p:oleObj spid="_x0000_s7602" name="Equation" r:id="rId17" imgW="583920" imgH="228600" progId="Equation.DSMT4">
+                  <p:oleObj spid="_x0000_s7695" name="Equation" r:id="rId17" imgW="583920" imgH="228600" progId="Equation.DSMT4">
                     <p:embed/>
                   </p:oleObj>
                 </mc:Choice>
@@ -12856,7 +5926,7 @@
               <a:graphicData uri="http://schemas.openxmlformats.org/presentationml/2006/ole">
                 <mc:AlternateContent xmlns:mc="http://schemas.openxmlformats.org/markup-compatibility/2006">
                   <mc:Choice xmlns:v="urn:schemas-microsoft-com:vml" Requires="v">
-                    <p:oleObj spid="_x0000_s7603" name="Equation" r:id="rId19" imgW="241200" imgH="228600" progId="Equation.DSMT4">
+                    <p:oleObj spid="_x0000_s7696" name="Equation" r:id="rId19" imgW="241200" imgH="228600" progId="Equation.DSMT4">
                       <p:embed/>
                     </p:oleObj>
                   </mc:Choice>
@@ -13299,7 +6369,7 @@
               <a:graphicData uri="http://schemas.openxmlformats.org/presentationml/2006/ole">
                 <mc:AlternateContent xmlns:mc="http://schemas.openxmlformats.org/markup-compatibility/2006">
                   <mc:Choice xmlns:v="urn:schemas-microsoft-com:vml" Requires="v">
-                    <p:oleObj spid="_x0000_s7604" name="Equation" r:id="rId21" imgW="241200" imgH="228600" progId="Equation.DSMT4">
+                    <p:oleObj spid="_x0000_s7697" name="Equation" r:id="rId21" imgW="241200" imgH="228600" progId="Equation.DSMT4">
                       <p:embed/>
                     </p:oleObj>
                   </mc:Choice>
@@ -13879,7 +6949,7 @@
                   <a:graphicData uri="http://schemas.openxmlformats.org/presentationml/2006/ole">
                     <mc:AlternateContent xmlns:mc="http://schemas.openxmlformats.org/markup-compatibility/2006">
                       <mc:Choice xmlns:v="urn:schemas-microsoft-com:vml" Requires="v">
-                        <p:oleObj spid="_x0000_s7605" name="Equation" r:id="rId23" imgW="228600" imgH="253800" progId="Equation.DSMT4">
+                        <p:oleObj spid="_x0000_s7698" name="Equation" r:id="rId23" imgW="228600" imgH="253800" progId="Equation.DSMT4">
                           <p:embed/>
                         </p:oleObj>
                       </mc:Choice>
@@ -13948,7 +7018,7 @@
                   <a:graphicData uri="http://schemas.openxmlformats.org/presentationml/2006/ole">
                     <mc:AlternateContent xmlns:mc="http://schemas.openxmlformats.org/markup-compatibility/2006">
                       <mc:Choice xmlns:v="urn:schemas-microsoft-com:vml" Requires="v">
-                        <p:oleObj spid="_x0000_s7606" name="Equation" r:id="rId25" imgW="228600" imgH="253800" progId="Equation.DSMT4">
+                        <p:oleObj spid="_x0000_s7699" name="Equation" r:id="rId25" imgW="228600" imgH="253800" progId="Equation.DSMT4">
                           <p:embed/>
                         </p:oleObj>
                       </mc:Choice>
@@ -14017,7 +7087,7 @@
                   <a:graphicData uri="http://schemas.openxmlformats.org/presentationml/2006/ole">
                     <mc:AlternateContent xmlns:mc="http://schemas.openxmlformats.org/markup-compatibility/2006">
                       <mc:Choice xmlns:v="urn:schemas-microsoft-com:vml" Requires="v">
-                        <p:oleObj spid="_x0000_s7607" name="Equation" r:id="rId27" imgW="279360" imgH="253800" progId="Equation.DSMT4">
+                        <p:oleObj spid="_x0000_s7700" name="Equation" r:id="rId27" imgW="279360" imgH="253800" progId="Equation.DSMT4">
                           <p:embed/>
                         </p:oleObj>
                       </mc:Choice>
@@ -14086,7 +7156,7 @@
                   <a:graphicData uri="http://schemas.openxmlformats.org/presentationml/2006/ole">
                     <mc:AlternateContent xmlns:mc="http://schemas.openxmlformats.org/markup-compatibility/2006">
                       <mc:Choice xmlns:v="urn:schemas-microsoft-com:vml" Requires="v">
-                        <p:oleObj spid="_x0000_s7608" name="Equation" r:id="rId29" imgW="241200" imgH="228600" progId="Equation.DSMT4">
+                        <p:oleObj spid="_x0000_s7701" name="Equation" r:id="rId29" imgW="241200" imgH="228600" progId="Equation.DSMT4">
                           <p:embed/>
                         </p:oleObj>
                       </mc:Choice>
@@ -14702,7 +7772,7 @@
               <a:graphicData uri="http://schemas.openxmlformats.org/presentationml/2006/ole">
                 <mc:AlternateContent xmlns:mc="http://schemas.openxmlformats.org/markup-compatibility/2006">
                   <mc:Choice xmlns:v="urn:schemas-microsoft-com:vml" Requires="v">
-                    <p:oleObj spid="_x0000_s7609" name="Equation" r:id="rId31" imgW="253800" imgH="228600" progId="Equation.DSMT4">
+                    <p:oleObj spid="_x0000_s7702" name="Equation" r:id="rId31" imgW="253800" imgH="228600" progId="Equation.DSMT4">
                       <p:embed/>
                     </p:oleObj>
                   </mc:Choice>
@@ -15200,7 +8270,7 @@
               <a:graphicData uri="http://schemas.openxmlformats.org/presentationml/2006/ole">
                 <mc:AlternateContent xmlns:mc="http://schemas.openxmlformats.org/markup-compatibility/2006">
                   <mc:Choice xmlns:v="urn:schemas-microsoft-com:vml" Requires="v">
-                    <p:oleObj spid="_x0000_s7610" name="Equation" r:id="rId33" imgW="253800" imgH="228600" progId="Equation.DSMT4">
+                    <p:oleObj spid="_x0000_s7703" name="Equation" r:id="rId33" imgW="253800" imgH="228600" progId="Equation.DSMT4">
                       <p:embed/>
                     </p:oleObj>
                   </mc:Choice>
@@ -15795,7 +8865,7 @@
                   <a:graphicData uri="http://schemas.openxmlformats.org/presentationml/2006/ole">
                     <mc:AlternateContent xmlns:mc="http://schemas.openxmlformats.org/markup-compatibility/2006">
                       <mc:Choice xmlns:v="urn:schemas-microsoft-com:vml" Requires="v">
-                        <p:oleObj spid="_x0000_s7611" name="Equation" r:id="rId35" imgW="241200" imgH="253800" progId="Equation.DSMT4">
+                        <p:oleObj spid="_x0000_s7704" name="Equation" r:id="rId35" imgW="241200" imgH="253800" progId="Equation.DSMT4">
                           <p:embed/>
                         </p:oleObj>
                       </mc:Choice>
@@ -15864,7 +8934,7 @@
                   <a:graphicData uri="http://schemas.openxmlformats.org/presentationml/2006/ole">
                     <mc:AlternateContent xmlns:mc="http://schemas.openxmlformats.org/markup-compatibility/2006">
                       <mc:Choice xmlns:v="urn:schemas-microsoft-com:vml" Requires="v">
-                        <p:oleObj spid="_x0000_s7612" name="Equation" r:id="rId37" imgW="241200" imgH="253800" progId="Equation.DSMT4">
+                        <p:oleObj spid="_x0000_s7705" name="Equation" r:id="rId37" imgW="241200" imgH="253800" progId="Equation.DSMT4">
                           <p:embed/>
                         </p:oleObj>
                       </mc:Choice>
@@ -15933,7 +9003,7 @@
                   <a:graphicData uri="http://schemas.openxmlformats.org/presentationml/2006/ole">
                     <mc:AlternateContent xmlns:mc="http://schemas.openxmlformats.org/markup-compatibility/2006">
                       <mc:Choice xmlns:v="urn:schemas-microsoft-com:vml" Requires="v">
-                        <p:oleObj spid="_x0000_s7613" name="Equation" r:id="rId39" imgW="291960" imgH="266400" progId="Equation.DSMT4">
+                        <p:oleObj spid="_x0000_s7706" name="Equation" r:id="rId39" imgW="291960" imgH="266400" progId="Equation.DSMT4">
                           <p:embed/>
                         </p:oleObj>
                       </mc:Choice>
@@ -16002,7 +9072,7 @@
                   <a:graphicData uri="http://schemas.openxmlformats.org/presentationml/2006/ole">
                     <mc:AlternateContent xmlns:mc="http://schemas.openxmlformats.org/markup-compatibility/2006">
                       <mc:Choice xmlns:v="urn:schemas-microsoft-com:vml" Requires="v">
-                        <p:oleObj spid="_x0000_s7614" name="Equation" r:id="rId41" imgW="253800" imgH="228600" progId="Equation.DSMT4">
+                        <p:oleObj spid="_x0000_s7707" name="Equation" r:id="rId41" imgW="253800" imgH="228600" progId="Equation.DSMT4">
                           <p:embed/>
                         </p:oleObj>
                       </mc:Choice>
@@ -16618,7 +9688,7 @@
               <a:graphicData uri="http://schemas.openxmlformats.org/presentationml/2006/ole">
                 <mc:AlternateContent xmlns:mc="http://schemas.openxmlformats.org/markup-compatibility/2006">
                   <mc:Choice xmlns:v="urn:schemas-microsoft-com:vml" Requires="v">
-                    <p:oleObj spid="_x0000_s7615" name="Equation" r:id="rId43" imgW="279360" imgH="228600" progId="Equation.DSMT4">
+                    <p:oleObj spid="_x0000_s7708" name="Equation" r:id="rId43" imgW="279360" imgH="228600" progId="Equation.DSMT4">
                       <p:embed/>
                     </p:oleObj>
                   </mc:Choice>
@@ -17116,7 +10186,7 @@
               <a:graphicData uri="http://schemas.openxmlformats.org/presentationml/2006/ole">
                 <mc:AlternateContent xmlns:mc="http://schemas.openxmlformats.org/markup-compatibility/2006">
                   <mc:Choice xmlns:v="urn:schemas-microsoft-com:vml" Requires="v">
-                    <p:oleObj spid="_x0000_s7616" name="Equation" r:id="rId45" imgW="279360" imgH="228600" progId="Equation.DSMT4">
+                    <p:oleObj spid="_x0000_s7709" name="Equation" r:id="rId45" imgW="279360" imgH="228600" progId="Equation.DSMT4">
                       <p:embed/>
                     </p:oleObj>
                   </mc:Choice>
@@ -17714,7 +10784,7 @@
                   <a:graphicData uri="http://schemas.openxmlformats.org/presentationml/2006/ole">
                     <mc:AlternateContent xmlns:mc="http://schemas.openxmlformats.org/markup-compatibility/2006">
                       <mc:Choice xmlns:v="urn:schemas-microsoft-com:vml" Requires="v">
-                        <p:oleObj spid="_x0000_s7617" name="Equation" r:id="rId47" imgW="266400" imgH="253800" progId="Equation.DSMT4">
+                        <p:oleObj spid="_x0000_s7710" name="Equation" r:id="rId47" imgW="266400" imgH="253800" progId="Equation.DSMT4">
                           <p:embed/>
                         </p:oleObj>
                       </mc:Choice>
@@ -17783,7 +10853,7 @@
                   <a:graphicData uri="http://schemas.openxmlformats.org/presentationml/2006/ole">
                     <mc:AlternateContent xmlns:mc="http://schemas.openxmlformats.org/markup-compatibility/2006">
                       <mc:Choice xmlns:v="urn:schemas-microsoft-com:vml" Requires="v">
-                        <p:oleObj spid="_x0000_s7618" name="Equation" r:id="rId49" imgW="266400" imgH="253800" progId="Equation.DSMT4">
+                        <p:oleObj spid="_x0000_s7711" name="Equation" r:id="rId49" imgW="266400" imgH="253800" progId="Equation.DSMT4">
                           <p:embed/>
                         </p:oleObj>
                       </mc:Choice>
@@ -17852,7 +10922,7 @@
                   <a:graphicData uri="http://schemas.openxmlformats.org/presentationml/2006/ole">
                     <mc:AlternateContent xmlns:mc="http://schemas.openxmlformats.org/markup-compatibility/2006">
                       <mc:Choice xmlns:v="urn:schemas-microsoft-com:vml" Requires="v">
-                        <p:oleObj spid="_x0000_s7619" name="Equation" r:id="rId51" imgW="317160" imgH="266400" progId="Equation.DSMT4">
+                        <p:oleObj spid="_x0000_s7712" name="Equation" r:id="rId51" imgW="317160" imgH="266400" progId="Equation.DSMT4">
                           <p:embed/>
                         </p:oleObj>
                       </mc:Choice>
@@ -17921,7 +10991,7 @@
                   <a:graphicData uri="http://schemas.openxmlformats.org/presentationml/2006/ole">
                     <mc:AlternateContent xmlns:mc="http://schemas.openxmlformats.org/markup-compatibility/2006">
                       <mc:Choice xmlns:v="urn:schemas-microsoft-com:vml" Requires="v">
-                        <p:oleObj spid="_x0000_s7620" name="Equation" r:id="rId53" imgW="279360" imgH="228600" progId="Equation.DSMT4">
+                        <p:oleObj spid="_x0000_s7713" name="Equation" r:id="rId53" imgW="279360" imgH="228600" progId="Equation.DSMT4">
                           <p:embed/>
                         </p:oleObj>
                       </mc:Choice>
@@ -18815,7 +11885,7 @@
             <a:graphicData uri="http://schemas.openxmlformats.org/presentationml/2006/ole">
               <mc:AlternateContent xmlns:mc="http://schemas.openxmlformats.org/markup-compatibility/2006">
                 <mc:Choice xmlns:v="urn:schemas-microsoft-com:vml" Requires="v">
-                  <p:oleObj spid="_x0000_s7621" name="Equation" r:id="rId55" imgW="622080" imgH="228600" progId="Equation.DSMT4">
+                  <p:oleObj spid="_x0000_s7714" name="Equation" r:id="rId55" imgW="622080" imgH="228600" progId="Equation.DSMT4">
                     <p:embed/>
                   </p:oleObj>
                 </mc:Choice>
@@ -18878,7 +11948,7 @@
             <a:graphicData uri="http://schemas.openxmlformats.org/presentationml/2006/ole">
               <mc:AlternateContent xmlns:mc="http://schemas.openxmlformats.org/markup-compatibility/2006">
                 <mc:Choice xmlns:v="urn:schemas-microsoft-com:vml" Requires="v">
-                  <p:oleObj spid="_x0000_s7622" name="Equation" r:id="rId57" imgW="622080" imgH="228600" progId="Equation.DSMT4">
+                  <p:oleObj spid="_x0000_s7715" name="Equation" r:id="rId57" imgW="622080" imgH="228600" progId="Equation.DSMT4">
                     <p:embed/>
                   </p:oleObj>
                 </mc:Choice>
@@ -18941,7 +12011,7 @@
             <a:graphicData uri="http://schemas.openxmlformats.org/presentationml/2006/ole">
               <mc:AlternateContent xmlns:mc="http://schemas.openxmlformats.org/markup-compatibility/2006">
                 <mc:Choice xmlns:v="urn:schemas-microsoft-com:vml" Requires="v">
-                  <p:oleObj spid="_x0000_s7623" name="Equation" r:id="rId59" imgW="723600" imgH="228600" progId="Equation.DSMT4">
+                  <p:oleObj spid="_x0000_s7716" name="Equation" r:id="rId59" imgW="723600" imgH="228600" progId="Equation.DSMT4">
                     <p:embed/>
                   </p:oleObj>
                 </mc:Choice>
@@ -19004,7 +12074,7 @@
             <a:graphicData uri="http://schemas.openxmlformats.org/presentationml/2006/ole">
               <mc:AlternateContent xmlns:mc="http://schemas.openxmlformats.org/markup-compatibility/2006">
                 <mc:Choice xmlns:v="urn:schemas-microsoft-com:vml" Requires="v">
-                  <p:oleObj spid="_x0000_s7624" name="Equation" r:id="rId61" imgW="723600" imgH="228600" progId="Equation.DSMT4">
+                  <p:oleObj spid="_x0000_s7717" name="Equation" r:id="rId61" imgW="723600" imgH="228600" progId="Equation.DSMT4">
                     <p:embed/>
                   </p:oleObj>
                 </mc:Choice>
@@ -19067,7 +12137,7 @@
             <a:graphicData uri="http://schemas.openxmlformats.org/presentationml/2006/ole">
               <mc:AlternateContent xmlns:mc="http://schemas.openxmlformats.org/markup-compatibility/2006">
                 <mc:Choice xmlns:v="urn:schemas-microsoft-com:vml" Requires="v">
-                  <p:oleObj spid="_x0000_s7625" name="Equation" r:id="rId63" imgW="787320" imgH="228600" progId="Equation.DSMT4">
+                  <p:oleObj spid="_x0000_s7718" name="Equation" r:id="rId63" imgW="787320" imgH="228600" progId="Equation.DSMT4">
                     <p:embed/>
                   </p:oleObj>
                 </mc:Choice>
@@ -19116,7 +12186,7 @@
 </p:sld>
 </file>
 
-<file path=ppt/slides/slide4.xml><?xml version="1.0" encoding="utf-8"?>
+<file path=ppt/slides/slide2.xml><?xml version="1.0" encoding="utf-8"?>
 <p:sld xmlns:a="http://schemas.openxmlformats.org/drawingml/2006/main" xmlns:r="http://schemas.openxmlformats.org/officeDocument/2006/relationships" xmlns:p="http://schemas.openxmlformats.org/presentationml/2006/main">
   <p:cSld>
     <p:spTree>
@@ -19181,7 +12251,7 @@
             <a:graphicData uri="http://schemas.openxmlformats.org/presentationml/2006/ole">
               <mc:AlternateContent xmlns:mc="http://schemas.openxmlformats.org/markup-compatibility/2006">
                 <mc:Choice xmlns:v="urn:schemas-microsoft-com:vml" Requires="v">
-                  <p:oleObj spid="_x0000_s4393" name="Equation" r:id="rId3" imgW="1371600" imgH="241200" progId="Equation.DSMT4">
+                  <p:oleObj spid="_x0000_s4417" name="Equation" r:id="rId3" imgW="1371600" imgH="241200" progId="Equation.DSMT4">
                     <p:embed/>
                   </p:oleObj>
                 </mc:Choice>
@@ -19244,7 +12314,7 @@
             <a:graphicData uri="http://schemas.openxmlformats.org/presentationml/2006/ole">
               <mc:AlternateContent xmlns:mc="http://schemas.openxmlformats.org/markup-compatibility/2006">
                 <mc:Choice xmlns:v="urn:schemas-microsoft-com:vml" Requires="v">
-                  <p:oleObj spid="_x0000_s4394" name="Equation" r:id="rId5" imgW="177480" imgH="241200" progId="Equation.DSMT4">
+                  <p:oleObj spid="_x0000_s4418" name="Equation" r:id="rId5" imgW="177480" imgH="241200" progId="Equation.DSMT4">
                     <p:embed/>
                   </p:oleObj>
                 </mc:Choice>
@@ -19832,7 +12902,7 @@
                 <a:graphicData uri="http://schemas.openxmlformats.org/presentationml/2006/ole">
                   <mc:AlternateContent xmlns:mc="http://schemas.openxmlformats.org/markup-compatibility/2006">
                     <mc:Choice xmlns:v="urn:schemas-microsoft-com:vml" Requires="v">
-                      <p:oleObj spid="_x0000_s4395" name="Equation" r:id="rId7" imgW="177480" imgH="203040" progId="Equation.DSMT4">
+                      <p:oleObj spid="_x0000_s4419" name="Equation" r:id="rId7" imgW="177480" imgH="203040" progId="Equation.DSMT4">
                         <p:embed/>
                       </p:oleObj>
                     </mc:Choice>
@@ -20351,7 +13421,7 @@
                 <a:graphicData uri="http://schemas.openxmlformats.org/presentationml/2006/ole">
                   <mc:AlternateContent xmlns:mc="http://schemas.openxmlformats.org/markup-compatibility/2006">
                     <mc:Choice xmlns:v="urn:schemas-microsoft-com:vml" Requires="v">
-                      <p:oleObj spid="_x0000_s4396" name="Equation" r:id="rId9" imgW="177480" imgH="203040" progId="Equation.DSMT4">
+                      <p:oleObj spid="_x0000_s4420" name="Equation" r:id="rId9" imgW="177480" imgH="203040" progId="Equation.DSMT4">
                         <p:embed/>
                       </p:oleObj>
                     </mc:Choice>
@@ -20870,7 +13940,7 @@
                 <a:graphicData uri="http://schemas.openxmlformats.org/presentationml/2006/ole">
                   <mc:AlternateContent xmlns:mc="http://schemas.openxmlformats.org/markup-compatibility/2006">
                     <mc:Choice xmlns:v="urn:schemas-microsoft-com:vml" Requires="v">
-                      <p:oleObj spid="_x0000_s4397" name="Equation" r:id="rId11" imgW="203040" imgH="215640" progId="Equation.DSMT4">
+                      <p:oleObj spid="_x0000_s4421" name="Equation" r:id="rId11" imgW="203040" imgH="215640" progId="Equation.DSMT4">
                         <p:embed/>
                       </p:oleObj>
                     </mc:Choice>
@@ -21129,7 +14199,7 @@
               <a:graphicData uri="http://schemas.openxmlformats.org/presentationml/2006/ole">
                 <mc:AlternateContent xmlns:mc="http://schemas.openxmlformats.org/markup-compatibility/2006">
                   <mc:Choice xmlns:v="urn:schemas-microsoft-com:vml" Requires="v">
-                    <p:oleObj spid="_x0000_s4398" name="Equation" r:id="rId13" imgW="190440" imgH="215640" progId="Equation.DSMT4">
+                    <p:oleObj spid="_x0000_s4422" name="Equation" r:id="rId13" imgW="190440" imgH="215640" progId="Equation.DSMT4">
                       <p:embed/>
                     </p:oleObj>
                   </mc:Choice>
@@ -21764,7 +14834,7 @@
                 <a:graphicData uri="http://schemas.openxmlformats.org/presentationml/2006/ole">
                   <mc:AlternateContent xmlns:mc="http://schemas.openxmlformats.org/markup-compatibility/2006">
                     <mc:Choice xmlns:v="urn:schemas-microsoft-com:vml" Requires="v">
-                      <p:oleObj spid="_x0000_s4399" name="Equation" r:id="rId15" imgW="190440" imgH="215640" progId="Equation.DSMT4">
+                      <p:oleObj spid="_x0000_s4423" name="Equation" r:id="rId15" imgW="190440" imgH="215640" progId="Equation.DSMT4">
                         <p:embed/>
                       </p:oleObj>
                     </mc:Choice>
@@ -22283,7 +15353,7 @@
                 <a:graphicData uri="http://schemas.openxmlformats.org/presentationml/2006/ole">
                   <mc:AlternateContent xmlns:mc="http://schemas.openxmlformats.org/markup-compatibility/2006">
                     <mc:Choice xmlns:v="urn:schemas-microsoft-com:vml" Requires="v">
-                      <p:oleObj spid="_x0000_s4400" name="Equation" r:id="rId17" imgW="190440" imgH="215640" progId="Equation.DSMT4">
+                      <p:oleObj spid="_x0000_s4424" name="Equation" r:id="rId17" imgW="190440" imgH="215640" progId="Equation.DSMT4">
                         <p:embed/>
                       </p:oleObj>
                     </mc:Choice>
@@ -22432,7 +15502,7 @@
 </p:sld>
 </file>
 
-<file path=ppt/slides/slide5.xml><?xml version="1.0" encoding="utf-8"?>
+<file path=ppt/slides/slide3.xml><?xml version="1.0" encoding="utf-8"?>
 <p:sld xmlns:a="http://schemas.openxmlformats.org/drawingml/2006/main" xmlns:r="http://schemas.openxmlformats.org/officeDocument/2006/relationships" xmlns:p="http://schemas.openxmlformats.org/presentationml/2006/main">
   <p:cSld>
     <p:spTree>
